--- a/Presentation/3_Revit_Family_API.pptx
+++ b/Presentation/3_Revit_Family_API.pptx
@@ -2,68 +2,67 @@
 <file path=ppt/presentation.xml><?xml version="1.0" encoding="utf-8"?>
 <p:presentation xmlns:a="http://schemas.openxmlformats.org/drawingml/2006/main" xmlns:r="http://schemas.openxmlformats.org/officeDocument/2006/relationships" xmlns:p="http://schemas.openxmlformats.org/presentationml/2006/main" showSpecialPlsOnTitleSld="0" removePersonalInfoOnSave="1" saveSubsetFonts="1">
   <p:sldMasterIdLst>
-    <p:sldMasterId id="2147483682" r:id="rId4"/>
-    <p:sldMasterId id="2147483687" r:id="rId5"/>
+    <p:sldMasterId id="2147483693" r:id="rId4"/>
   </p:sldMasterIdLst>
   <p:notesMasterIdLst>
-    <p:notesMasterId r:id="rId58"/>
+    <p:notesMasterId r:id="rId57"/>
   </p:notesMasterIdLst>
   <p:handoutMasterIdLst>
-    <p:handoutMasterId r:id="rId59"/>
+    <p:handoutMasterId r:id="rId58"/>
   </p:handoutMasterIdLst>
   <p:sldIdLst>
-    <p:sldId id="314" r:id="rId6"/>
-    <p:sldId id="321" r:id="rId7"/>
-    <p:sldId id="412" r:id="rId8"/>
-    <p:sldId id="388" r:id="rId9"/>
-    <p:sldId id="389" r:id="rId10"/>
-    <p:sldId id="390" r:id="rId11"/>
-    <p:sldId id="391" r:id="rId12"/>
-    <p:sldId id="392" r:id="rId13"/>
-    <p:sldId id="393" r:id="rId14"/>
-    <p:sldId id="394" r:id="rId15"/>
-    <p:sldId id="342" r:id="rId16"/>
-    <p:sldId id="413" r:id="rId17"/>
-    <p:sldId id="414" r:id="rId18"/>
-    <p:sldId id="422" r:id="rId19"/>
-    <p:sldId id="423" r:id="rId20"/>
-    <p:sldId id="424" r:id="rId21"/>
-    <p:sldId id="425" r:id="rId22"/>
-    <p:sldId id="426" r:id="rId23"/>
-    <p:sldId id="427" r:id="rId24"/>
-    <p:sldId id="380" r:id="rId25"/>
-    <p:sldId id="355" r:id="rId26"/>
-    <p:sldId id="354" r:id="rId27"/>
-    <p:sldId id="357" r:id="rId28"/>
-    <p:sldId id="382" r:id="rId29"/>
-    <p:sldId id="384" r:id="rId30"/>
-    <p:sldId id="385" r:id="rId31"/>
-    <p:sldId id="386" r:id="rId32"/>
-    <p:sldId id="362" r:id="rId33"/>
-    <p:sldId id="396" r:id="rId34"/>
-    <p:sldId id="397" r:id="rId35"/>
-    <p:sldId id="347" r:id="rId36"/>
-    <p:sldId id="348" r:id="rId37"/>
-    <p:sldId id="365" r:id="rId38"/>
-    <p:sldId id="349" r:id="rId39"/>
-    <p:sldId id="350" r:id="rId40"/>
-    <p:sldId id="368" r:id="rId41"/>
-    <p:sldId id="367" r:id="rId42"/>
-    <p:sldId id="369" r:id="rId43"/>
-    <p:sldId id="371" r:id="rId44"/>
-    <p:sldId id="370" r:id="rId45"/>
-    <p:sldId id="351" r:id="rId46"/>
-    <p:sldId id="352" r:id="rId47"/>
-    <p:sldId id="400" r:id="rId48"/>
-    <p:sldId id="401" r:id="rId49"/>
-    <p:sldId id="421" r:id="rId50"/>
-    <p:sldId id="408" r:id="rId51"/>
-    <p:sldId id="410" r:id="rId52"/>
-    <p:sldId id="409" r:id="rId53"/>
-    <p:sldId id="411" r:id="rId54"/>
-    <p:sldId id="405" r:id="rId55"/>
-    <p:sldId id="340" r:id="rId56"/>
-    <p:sldId id="339" r:id="rId57"/>
+    <p:sldId id="314" r:id="rId5"/>
+    <p:sldId id="321" r:id="rId6"/>
+    <p:sldId id="412" r:id="rId7"/>
+    <p:sldId id="388" r:id="rId8"/>
+    <p:sldId id="389" r:id="rId9"/>
+    <p:sldId id="390" r:id="rId10"/>
+    <p:sldId id="391" r:id="rId11"/>
+    <p:sldId id="392" r:id="rId12"/>
+    <p:sldId id="393" r:id="rId13"/>
+    <p:sldId id="394" r:id="rId14"/>
+    <p:sldId id="342" r:id="rId15"/>
+    <p:sldId id="413" r:id="rId16"/>
+    <p:sldId id="414" r:id="rId17"/>
+    <p:sldId id="422" r:id="rId18"/>
+    <p:sldId id="423" r:id="rId19"/>
+    <p:sldId id="424" r:id="rId20"/>
+    <p:sldId id="425" r:id="rId21"/>
+    <p:sldId id="426" r:id="rId22"/>
+    <p:sldId id="427" r:id="rId23"/>
+    <p:sldId id="380" r:id="rId24"/>
+    <p:sldId id="355" r:id="rId25"/>
+    <p:sldId id="354" r:id="rId26"/>
+    <p:sldId id="357" r:id="rId27"/>
+    <p:sldId id="382" r:id="rId28"/>
+    <p:sldId id="384" r:id="rId29"/>
+    <p:sldId id="385" r:id="rId30"/>
+    <p:sldId id="386" r:id="rId31"/>
+    <p:sldId id="362" r:id="rId32"/>
+    <p:sldId id="396" r:id="rId33"/>
+    <p:sldId id="397" r:id="rId34"/>
+    <p:sldId id="347" r:id="rId35"/>
+    <p:sldId id="348" r:id="rId36"/>
+    <p:sldId id="365" r:id="rId37"/>
+    <p:sldId id="349" r:id="rId38"/>
+    <p:sldId id="350" r:id="rId39"/>
+    <p:sldId id="368" r:id="rId40"/>
+    <p:sldId id="367" r:id="rId41"/>
+    <p:sldId id="369" r:id="rId42"/>
+    <p:sldId id="371" r:id="rId43"/>
+    <p:sldId id="370" r:id="rId44"/>
+    <p:sldId id="351" r:id="rId45"/>
+    <p:sldId id="352" r:id="rId46"/>
+    <p:sldId id="400" r:id="rId47"/>
+    <p:sldId id="401" r:id="rId48"/>
+    <p:sldId id="421" r:id="rId49"/>
+    <p:sldId id="408" r:id="rId50"/>
+    <p:sldId id="410" r:id="rId51"/>
+    <p:sldId id="409" r:id="rId52"/>
+    <p:sldId id="411" r:id="rId53"/>
+    <p:sldId id="405" r:id="rId54"/>
+    <p:sldId id="340" r:id="rId55"/>
+    <p:sldId id="428" r:id="rId56"/>
   </p:sldIdLst>
   <p:sldSz cx="13011150" cy="9756775"/>
   <p:notesSz cx="6805613" cy="9939338"/>
@@ -306,7 +305,7 @@
               <a:pPr>
                 <a:defRPr/>
               </a:pPr>
-              <a:t>6/10/2013</a:t>
+              <a:t>4/22/2014</a:t>
             </a:fld>
             <a:endParaRPr lang="en-US"/>
           </a:p>
@@ -529,7 +528,7 @@
               <a:pPr>
                 <a:defRPr/>
               </a:pPr>
-              <a:t>6/10/2013</a:t>
+              <a:t>4/22/2014</a:t>
             </a:fld>
             <a:endParaRPr lang="en-US"/>
           </a:p>
@@ -2531,93 +2530,6 @@
 </p:notes>
 </file>
 
-<file path=ppt/notesSlides/notesSlide27.xml><?xml version="1.0" encoding="utf-8"?>
-<p:notes xmlns:a="http://schemas.openxmlformats.org/drawingml/2006/main" xmlns:r="http://schemas.openxmlformats.org/officeDocument/2006/relationships" xmlns:p="http://schemas.openxmlformats.org/presentationml/2006/main">
-  <p:cSld>
-    <p:spTree>
-      <p:nvGrpSpPr>
-        <p:cNvPr id="1" name=""/>
-        <p:cNvGrpSpPr/>
-        <p:nvPr/>
-      </p:nvGrpSpPr>
-      <p:grpSpPr>
-        <a:xfrm>
-          <a:off x="0" y="0"/>
-          <a:ext cx="0" cy="0"/>
-          <a:chOff x="0" y="0"/>
-          <a:chExt cx="0" cy="0"/>
-        </a:xfrm>
-      </p:grpSpPr>
-      <p:sp>
-        <p:nvSpPr>
-          <p:cNvPr id="11266" name="Rectangle 7"/>
-          <p:cNvSpPr>
-            <a:spLocks noGrp="1" noChangeArrowheads="1"/>
-          </p:cNvSpPr>
-          <p:nvPr>
-            <p:ph type="sldNum" sz="quarter" idx="5"/>
-          </p:nvPr>
-        </p:nvSpPr>
-        <p:spPr/>
-        <p:txBody>
-          <a:bodyPr/>
-          <a:lstStyle/>
-          <a:p>
-            <a:fld id="{74119BEC-6420-476A-8DC2-5072788112FC}" type="slidenum">
-              <a:rPr lang="en-US" smtClean="0"/>
-              <a:pPr/>
-              <a:t>52</a:t>
-            </a:fld>
-            <a:endParaRPr lang="en-US" dirty="0" smtClean="0"/>
-          </a:p>
-        </p:txBody>
-      </p:sp>
-      <p:sp>
-        <p:nvSpPr>
-          <p:cNvPr id="11268" name="Rectangle 3"/>
-          <p:cNvSpPr>
-            <a:spLocks noGrp="1" noChangeArrowheads="1"/>
-          </p:cNvSpPr>
-          <p:nvPr>
-            <p:ph type="body" idx="1"/>
-          </p:nvPr>
-        </p:nvSpPr>
-        <p:spPr/>
-        <p:txBody>
-          <a:bodyPr>
-            <a:normAutofit/>
-          </a:bodyPr>
-          <a:lstStyle/>
-          <a:p>
-            <a:endParaRPr lang="en-US" dirty="0" smtClean="0"/>
-          </a:p>
-        </p:txBody>
-      </p:sp>
-      <p:sp>
-        <p:nvSpPr>
-          <p:cNvPr id="8" name="Slide Image Placeholder 7"/>
-          <p:cNvSpPr>
-            <a:spLocks noGrp="1" noRot="1" noChangeAspect="1"/>
-          </p:cNvSpPr>
-          <p:nvPr>
-            <p:ph type="sldImg"/>
-          </p:nvPr>
-        </p:nvSpPr>
-        <p:spPr>
-          <a:xfrm>
-            <a:off x="1538288" y="828675"/>
-            <a:ext cx="3729037" cy="2797175"/>
-          </a:xfrm>
-        </p:spPr>
-      </p:sp>
-    </p:spTree>
-  </p:cSld>
-  <p:clrMapOvr>
-    <a:masterClrMapping/>
-  </p:clrMapOvr>
-</p:notes>
-</file>
-
 <file path=ppt/notesSlides/notesSlide3.xml><?xml version="1.0" encoding="utf-8"?>
 <p:notes xmlns:a="http://schemas.openxmlformats.org/drawingml/2006/main" xmlns:r="http://schemas.openxmlformats.org/officeDocument/2006/relationships" xmlns:p="http://schemas.openxmlformats.org/presentationml/2006/main">
   <p:cSld>
@@ -3919,71 +3831,6 @@
 </file>
 
 <file path=ppt/slideLayouts/slideLayout1.xml><?xml version="1.0" encoding="utf-8"?>
-<p:sldLayout xmlns:a="http://schemas.openxmlformats.org/drawingml/2006/main" xmlns:r="http://schemas.openxmlformats.org/officeDocument/2006/relationships" xmlns:p="http://schemas.openxmlformats.org/presentationml/2006/main" preserve="1">
-  <p:cSld name="Title Only">
-    <p:spTree>
-      <p:nvGrpSpPr>
-        <p:cNvPr id="1" name=""/>
-        <p:cNvGrpSpPr/>
-        <p:nvPr/>
-      </p:nvGrpSpPr>
-      <p:grpSpPr>
-        <a:xfrm>
-          <a:off x="0" y="0"/>
-          <a:ext cx="0" cy="0"/>
-          <a:chOff x="0" y="0"/>
-          <a:chExt cx="0" cy="0"/>
-        </a:xfrm>
-      </p:grpSpPr>
-      <p:sp>
-        <p:nvSpPr>
-          <p:cNvPr id="2" name="Title 1"/>
-          <p:cNvSpPr>
-            <a:spLocks noGrp="1"/>
-          </p:cNvSpPr>
-          <p:nvPr>
-            <p:ph type="title"/>
-          </p:nvPr>
-        </p:nvSpPr>
-        <p:spPr>
-          <a:xfrm>
-            <a:off x="593725" y="3613470"/>
-            <a:ext cx="11762080" cy="1417320"/>
-          </a:xfrm>
-        </p:spPr>
-        <p:txBody>
-          <a:bodyPr/>
-          <a:lstStyle>
-            <a:lvl1pPr>
-              <a:defRPr sz="4800"/>
-            </a:lvl1pPr>
-          </a:lstStyle>
-          <a:p>
-            <a:r>
-              <a:rPr lang="en-US" smtClean="0"/>
-              <a:t>Click to edit Master title style</a:t>
-            </a:r>
-            <a:endParaRPr lang="en-US"/>
-          </a:p>
-        </p:txBody>
-      </p:sp>
-    </p:spTree>
-  </p:cSld>
-  <p:clrMapOvr>
-    <a:masterClrMapping/>
-  </p:clrMapOvr>
-  <p:transition/>
-  <p:timing>
-    <p:tnLst>
-      <p:par>
-        <p:cTn id="1" dur="indefinite" restart="never" nodeType="tmRoot"/>
-      </p:par>
-    </p:tnLst>
-  </p:timing>
-</p:sldLayout>
-</file>
-
-<file path=ppt/slideLayouts/slideLayout2.xml><?xml version="1.0" encoding="utf-8"?>
 <p:sldLayout xmlns:a="http://schemas.openxmlformats.org/drawingml/2006/main" xmlns:r="http://schemas.openxmlformats.org/officeDocument/2006/relationships" xmlns:p="http://schemas.openxmlformats.org/presentationml/2006/main" type="obj" preserve="1">
   <p:cSld name="Title and Content">
     <p:spTree>
@@ -4045,6 +3892,30 @@
               <a:buNone/>
               <a:defRPr sz="3200"/>
             </a:lvl1pPr>
+            <a:lvl2pPr>
+              <a:spcBef>
+                <a:spcPts val="0"/>
+              </a:spcBef>
+              <a:defRPr/>
+            </a:lvl2pPr>
+            <a:lvl3pPr>
+              <a:spcBef>
+                <a:spcPts val="0"/>
+              </a:spcBef>
+              <a:defRPr/>
+            </a:lvl3pPr>
+            <a:lvl4pPr>
+              <a:spcBef>
+                <a:spcPts val="0"/>
+              </a:spcBef>
+              <a:defRPr/>
+            </a:lvl4pPr>
+            <a:lvl5pPr>
+              <a:spcBef>
+                <a:spcPts val="0"/>
+              </a:spcBef>
+              <a:defRPr/>
+            </a:lvl5pPr>
           </a:lstStyle>
           <a:p>
             <a:pPr lvl="0"/>
@@ -4084,7 +3955,134 @@
           </a:p>
         </p:txBody>
       </p:sp>
+      <p:sp>
+        <p:nvSpPr>
+          <p:cNvPr id="4" name="Rectangle 3"/>
+          <p:cNvSpPr/>
+          <p:nvPr userDrawn="1"/>
+        </p:nvSpPr>
+        <p:spPr>
+          <a:xfrm>
+            <a:off x="0" y="9355137"/>
+            <a:ext cx="13011150" cy="400050"/>
+          </a:xfrm>
+          <a:prstGeom prst="rect">
+            <a:avLst/>
+          </a:prstGeom>
+          <a:solidFill>
+            <a:schemeClr val="bg1"/>
+          </a:solidFill>
+          <a:ln>
+            <a:noFill/>
+          </a:ln>
+        </p:spPr>
+        <p:style>
+          <a:lnRef idx="1">
+            <a:schemeClr val="accent1"/>
+          </a:lnRef>
+          <a:fillRef idx="3">
+            <a:schemeClr val="accent1"/>
+          </a:fillRef>
+          <a:effectRef idx="2">
+            <a:schemeClr val="accent1"/>
+          </a:effectRef>
+          <a:fontRef idx="minor">
+            <a:schemeClr val="lt1"/>
+          </a:fontRef>
+        </p:style>
+        <p:txBody>
+          <a:bodyPr lIns="57594" tIns="28797" rIns="57594" bIns="28797" rtlCol="0" anchor="ctr"/>
+          <a:lstStyle/>
+          <a:p>
+            <a:pPr algn="ctr"/>
+            <a:endParaRPr lang="en-US"/>
+          </a:p>
+        </p:txBody>
+      </p:sp>
+      <p:sp>
+        <p:nvSpPr>
+          <p:cNvPr id="5" name="TextBox 4"/>
+          <p:cNvSpPr txBox="1"/>
+          <p:nvPr userDrawn="1"/>
+        </p:nvSpPr>
+        <p:spPr>
+          <a:xfrm>
+            <a:off x="180975" y="9512414"/>
+            <a:ext cx="1558815" cy="138499"/>
+          </a:xfrm>
+          <a:prstGeom prst="rect">
+            <a:avLst/>
+          </a:prstGeom>
+          <a:noFill/>
+        </p:spPr>
+        <p:txBody>
+          <a:bodyPr wrap="square" lIns="0" tIns="0" rIns="0" bIns="0" rtlCol="0">
+            <a:spAutoFit/>
+          </a:bodyPr>
+          <a:lstStyle/>
+          <a:p>
+            <a:r>
+              <a:rPr lang="en-US" sz="900" b="0" i="0" dirty="0" smtClean="0">
+                <a:solidFill>
+                  <a:schemeClr val="tx1">
+                    <a:lumMod val="65000"/>
+                    <a:lumOff val="35000"/>
+                  </a:schemeClr>
+                </a:solidFill>
+                <a:latin typeface="Frutiger Next LT W1G"/>
+                <a:cs typeface="Frutiger Next LT W1G"/>
+              </a:rPr>
+              <a:t>© 2014 Autodesk</a:t>
+            </a:r>
+            <a:endParaRPr lang="en-US" sz="900" b="0" i="0" dirty="0">
+              <a:solidFill>
+                <a:schemeClr val="tx1">
+                  <a:lumMod val="65000"/>
+                  <a:lumOff val="35000"/>
+                </a:schemeClr>
+              </a:solidFill>
+              <a:latin typeface="Frutiger Next LT W1G"/>
+              <a:cs typeface="Frutiger Next LT W1G"/>
+            </a:endParaRPr>
+          </a:p>
+        </p:txBody>
+      </p:sp>
+      <p:pic>
+        <p:nvPicPr>
+          <p:cNvPr id="6" name="Picture 5" descr="autodesk-logo-rgb-color-logo-black-text-large.png"/>
+          <p:cNvPicPr>
+            <a:picLocks noChangeAspect="1"/>
+          </p:cNvPicPr>
+          <p:nvPr userDrawn="1"/>
+        </p:nvPicPr>
+        <p:blipFill>
+          <a:blip r:embed="rId2" cstate="screen">
+            <a:extLst>
+              <a:ext uri="{28A0092B-C50C-407E-A947-70E740481C1C}">
+                <a14:useLocalDpi xmlns:a14="http://schemas.microsoft.com/office/drawing/2010/main"/>
+              </a:ext>
+            </a:extLst>
+          </a:blip>
+          <a:stretch>
+            <a:fillRect/>
+          </a:stretch>
+        </p:blipFill>
+        <p:spPr>
+          <a:xfrm>
+            <a:off x="11861374" y="9489044"/>
+            <a:ext cx="1105051" cy="185240"/>
+          </a:xfrm>
+          <a:prstGeom prst="rect">
+            <a:avLst/>
+          </a:prstGeom>
+        </p:spPr>
+      </p:pic>
     </p:spTree>
+    <p:extLst>
+      <p:ext uri="{BB962C8B-B14F-4D97-AF65-F5344CB8AC3E}">
+        <p14:creationId xmlns:p14="http://schemas.microsoft.com/office/powerpoint/2010/main" val="3540740053"/>
+      </p:ext>
+    </p:extLst>
   </p:cSld>
   <p:clrMapOvr>
     <a:masterClrMapping/>
@@ -4100,9 +4098,9 @@
 </p:sldLayout>
 </file>
 
-<file path=ppt/slideLayouts/slideLayout3.xml><?xml version="1.0" encoding="utf-8"?>
+<file path=ppt/slideLayouts/slideLayout2.xml><?xml version="1.0" encoding="utf-8"?>
 <p:sldLayout xmlns:a="http://schemas.openxmlformats.org/drawingml/2006/main" xmlns:r="http://schemas.openxmlformats.org/officeDocument/2006/relationships" xmlns:p="http://schemas.openxmlformats.org/presentationml/2006/main" preserve="1">
-  <p:cSld name="Content Full Screen">
+  <p:cSld name="1_Custom Layout">
     <p:spTree>
       <p:nvGrpSpPr>
         <p:cNvPr id="1" name=""/>
@@ -4119,33 +4117,123 @@
       </p:grpSpPr>
       <p:sp>
         <p:nvSpPr>
-          <p:cNvPr id="3" name="Content Placeholder 2"/>
-          <p:cNvSpPr>
-            <a:spLocks noGrp="1"/>
-          </p:cNvSpPr>
-          <p:nvPr>
-            <p:ph idx="1"/>
-          </p:nvPr>
+          <p:cNvPr id="4" name="TextBox 3"/>
+          <p:cNvSpPr txBox="1"/>
+          <p:nvPr/>
         </p:nvSpPr>
         <p:spPr>
           <a:xfrm>
-            <a:off x="0" y="113"/>
-            <a:ext cx="13011150" cy="8993187"/>
+            <a:off x="314409" y="8588916"/>
+            <a:ext cx="12483151" cy="1000274"/>
           </a:xfrm>
+          <a:prstGeom prst="rect">
+            <a:avLst/>
+          </a:prstGeom>
+          <a:noFill/>
         </p:spPr>
         <p:txBody>
-          <a:bodyPr/>
+          <a:bodyPr wrap="square" lIns="0" tIns="0" rIns="0" bIns="0" rtlCol="0">
+            <a:spAutoFit/>
+          </a:bodyPr>
           <a:lstStyle/>
           <a:p>
-            <a:pPr lvl="0"/>
-            <a:r>
-              <a:rPr lang="en-US" smtClean="0"/>
-              <a:t>Click to edit Master text styles</a:t>
-            </a:r>
+            <a:r>
+              <a:rPr lang="en-US" sz="1300" b="0" i="0" dirty="0" smtClean="0">
+                <a:solidFill>
+                  <a:schemeClr val="bg1">
+                    <a:lumMod val="65000"/>
+                  </a:schemeClr>
+                </a:solidFill>
+                <a:latin typeface="Frutiger Next LT W1G"/>
+                <a:cs typeface="Frutiger Next LT W1G"/>
+              </a:rPr>
+              <a:t>Autodesk is a registered trademark of Autodesk, Inc., and/or its subsidiaries and/or affiliates in the USA and/or other countries. All other brand names, product names, or trademarks belong to their respective holders. Autodesk reserves the right to alter product and services offerings, and specifications and pricing at any time without notice, and is not responsible for typographical or graphical errors that may appear in this document.</a:t>
+            </a:r>
+          </a:p>
+          <a:p>
+            <a:endParaRPr lang="en-US" sz="1300" b="0" i="0" dirty="0" smtClean="0">
+              <a:solidFill>
+                <a:schemeClr val="bg1">
+                  <a:lumMod val="65000"/>
+                </a:schemeClr>
+              </a:solidFill>
+              <a:latin typeface="Frutiger Next LT W1G"/>
+              <a:cs typeface="Frutiger Next LT W1G"/>
+            </a:endParaRPr>
+          </a:p>
+          <a:p>
+            <a:r>
+              <a:rPr lang="en-US" sz="1300" b="0" i="0" dirty="0" smtClean="0">
+                <a:solidFill>
+                  <a:schemeClr val="bg1">
+                    <a:lumMod val="65000"/>
+                  </a:schemeClr>
+                </a:solidFill>
+                <a:latin typeface="Frutiger Next LT W1G"/>
+                <a:cs typeface="Frutiger Next LT W1G"/>
+              </a:rPr>
+              <a:t>© 2014 Autodesk, Inc. All right</a:t>
+            </a:r>
+            <a:r>
+              <a:rPr lang="en-US" sz="1300" b="0" i="0" baseline="0" dirty="0" smtClean="0">
+                <a:solidFill>
+                  <a:schemeClr val="bg1">
+                    <a:lumMod val="65000"/>
+                  </a:schemeClr>
+                </a:solidFill>
+                <a:latin typeface="Frutiger Next LT W1G"/>
+                <a:cs typeface="Frutiger Next LT W1G"/>
+              </a:rPr>
+              <a:t>s reserved.</a:t>
+            </a:r>
+            <a:endParaRPr lang="en-US" sz="1300" b="0" i="0" dirty="0">
+              <a:solidFill>
+                <a:schemeClr val="bg1">
+                  <a:lumMod val="65000"/>
+                </a:schemeClr>
+              </a:solidFill>
+              <a:latin typeface="Frutiger Next LT W1G"/>
+              <a:cs typeface="Frutiger Next LT W1G"/>
+            </a:endParaRPr>
           </a:p>
         </p:txBody>
       </p:sp>
+      <p:pic>
+        <p:nvPicPr>
+          <p:cNvPr id="6" name="Picture 5" descr="autodesk-logo-rgb-color-logo-black-text-large.png"/>
+          <p:cNvPicPr>
+            <a:picLocks noChangeAspect="1"/>
+          </p:cNvPicPr>
+          <p:nvPr/>
+        </p:nvPicPr>
+        <p:blipFill>
+          <a:blip r:embed="rId2">
+            <a:extLst>
+              <a:ext uri="{28A0092B-C50C-407E-A947-70E740481C1C}">
+                <a14:useLocalDpi xmlns:a14="http://schemas.microsoft.com/office/drawing/2010/main"/>
+              </a:ext>
+            </a:extLst>
+          </a:blip>
+          <a:stretch>
+            <a:fillRect/>
+          </a:stretch>
+        </p:blipFill>
+        <p:spPr>
+          <a:xfrm>
+            <a:off x="2103942" y="3942871"/>
+            <a:ext cx="8791832" cy="1473535"/>
+          </a:xfrm>
+          <a:prstGeom prst="rect">
+            <a:avLst/>
+          </a:prstGeom>
+        </p:spPr>
+      </p:pic>
     </p:spTree>
+    <p:extLst>
+      <p:ext uri="{BB962C8B-B14F-4D97-AF65-F5344CB8AC3E}">
+        <p14:creationId xmlns:p14="http://schemas.microsoft.com/office/powerpoint/2010/main" val="3801020171"/>
+      </p:ext>
+    </p:extLst>
   </p:cSld>
   <p:clrMapOvr>
     <a:masterClrMapping/>
@@ -4158,181 +4246,12 @@
       </p:par>
     </p:tnLst>
   </p:timing>
+  <p:hf sldNum="0" hdr="0" dt="0"/>
 </p:sldLayout>
 </file>
 
-<file path=ppt/slideLayouts/slideLayout4.xml><?xml version="1.0" encoding="utf-8"?>
-<p:sldLayout xmlns:a="http://schemas.openxmlformats.org/drawingml/2006/main" xmlns:r="http://schemas.openxmlformats.org/officeDocument/2006/relationships" xmlns:p="http://schemas.openxmlformats.org/presentationml/2006/main" preserve="1" userDrawn="1">
-  <p:cSld name="1_Text and Content">
-    <p:spTree>
-      <p:nvGrpSpPr>
-        <p:cNvPr id="1" name=""/>
-        <p:cNvGrpSpPr/>
-        <p:nvPr/>
-      </p:nvGrpSpPr>
-      <p:grpSpPr>
-        <a:xfrm>
-          <a:off x="0" y="0"/>
-          <a:ext cx="0" cy="0"/>
-          <a:chOff x="0" y="0"/>
-          <a:chExt cx="0" cy="0"/>
-        </a:xfrm>
-      </p:grpSpPr>
-      <p:sp>
-        <p:nvSpPr>
-          <p:cNvPr id="2" name="Title 1"/>
-          <p:cNvSpPr>
-            <a:spLocks noGrp="1"/>
-          </p:cNvSpPr>
-          <p:nvPr>
-            <p:ph type="title"/>
-          </p:nvPr>
-        </p:nvSpPr>
-        <p:spPr/>
-        <p:txBody>
-          <a:bodyPr/>
-          <a:lstStyle/>
-          <a:p>
-            <a:r>
-              <a:rPr lang="en-US" smtClean="0"/>
-              <a:t>Click to edit Master title style</a:t>
-            </a:r>
-            <a:endParaRPr lang="en-US"/>
-          </a:p>
-        </p:txBody>
-      </p:sp>
-      <p:sp>
-        <p:nvSpPr>
-          <p:cNvPr id="9" name="Content Placeholder 8"/>
-          <p:cNvSpPr>
-            <a:spLocks noGrp="1"/>
-          </p:cNvSpPr>
-          <p:nvPr>
-            <p:ph sz="quarter" idx="10"/>
-          </p:nvPr>
-        </p:nvSpPr>
-        <p:spPr>
-          <a:xfrm>
-            <a:off x="603504" y="2148841"/>
-            <a:ext cx="5788152" cy="6702552"/>
-          </a:xfrm>
-        </p:spPr>
-        <p:txBody>
-          <a:bodyPr/>
-          <a:lstStyle/>
-          <a:p>
-            <a:pPr lvl="0"/>
-            <a:r>
-              <a:rPr lang="en-US" dirty="0" smtClean="0"/>
-              <a:t>Click to edit Master text styles</a:t>
-            </a:r>
-          </a:p>
-          <a:p>
-            <a:pPr lvl="1"/>
-            <a:r>
-              <a:rPr lang="en-US" dirty="0" smtClean="0"/>
-              <a:t>Second level</a:t>
-            </a:r>
-          </a:p>
-          <a:p>
-            <a:pPr lvl="2"/>
-            <a:r>
-              <a:rPr lang="en-US" dirty="0" smtClean="0"/>
-              <a:t>Third level</a:t>
-            </a:r>
-          </a:p>
-          <a:p>
-            <a:pPr lvl="3"/>
-            <a:r>
-              <a:rPr lang="en-US" dirty="0" smtClean="0"/>
-              <a:t>Fourth level</a:t>
-            </a:r>
-          </a:p>
-          <a:p>
-            <a:pPr lvl="4"/>
-            <a:r>
-              <a:rPr lang="en-US" dirty="0" smtClean="0"/>
-              <a:t>Fifth level</a:t>
-            </a:r>
-            <a:endParaRPr lang="en-US" dirty="0"/>
-          </a:p>
-        </p:txBody>
-      </p:sp>
-      <p:sp>
-        <p:nvSpPr>
-          <p:cNvPr id="11" name="Content Placeholder 10"/>
-          <p:cNvSpPr>
-            <a:spLocks noGrp="1"/>
-          </p:cNvSpPr>
-          <p:nvPr>
-            <p:ph sz="quarter" idx="11"/>
-          </p:nvPr>
-        </p:nvSpPr>
-        <p:spPr>
-          <a:xfrm>
-            <a:off x="6581775" y="2148840"/>
-            <a:ext cx="5791200" cy="6705600"/>
-          </a:xfrm>
-        </p:spPr>
-        <p:txBody>
-          <a:bodyPr/>
-          <a:lstStyle/>
-          <a:p>
-            <a:pPr lvl="0"/>
-            <a:r>
-              <a:rPr lang="en-US" smtClean="0"/>
-              <a:t>Click to edit Master text styles</a:t>
-            </a:r>
-          </a:p>
-          <a:p>
-            <a:pPr lvl="1"/>
-            <a:r>
-              <a:rPr lang="en-US" smtClean="0"/>
-              <a:t>Second level</a:t>
-            </a:r>
-          </a:p>
-          <a:p>
-            <a:pPr lvl="2"/>
-            <a:r>
-              <a:rPr lang="en-US" smtClean="0"/>
-              <a:t>Third level</a:t>
-            </a:r>
-          </a:p>
-          <a:p>
-            <a:pPr lvl="3"/>
-            <a:r>
-              <a:rPr lang="en-US" smtClean="0"/>
-              <a:t>Fourth level</a:t>
-            </a:r>
-          </a:p>
-          <a:p>
-            <a:pPr lvl="4"/>
-            <a:r>
-              <a:rPr lang="en-US" smtClean="0"/>
-              <a:t>Fifth level</a:t>
-            </a:r>
-            <a:endParaRPr lang="en-US"/>
-          </a:p>
-        </p:txBody>
-      </p:sp>
-    </p:spTree>
-  </p:cSld>
-  <p:clrMapOvr>
-    <a:masterClrMapping/>
-  </p:clrMapOvr>
-  <p:transition/>
-  <p:timing>
-    <p:tnLst>
-      <p:par>
-        <p:cTn id="1" dur="indefinite" restart="never" nodeType="tmRoot"/>
-      </p:par>
-    </p:tnLst>
-  </p:timing>
-</p:sldLayout>
-</file>
-
-<file path=ppt/slideLayouts/slideLayout5.xml><?xml version="1.0" encoding="utf-8"?>
-<p:sldLayout xmlns:a="http://schemas.openxmlformats.org/drawingml/2006/main" xmlns:r="http://schemas.openxmlformats.org/officeDocument/2006/relationships" xmlns:p="http://schemas.openxmlformats.org/presentationml/2006/main" preserve="1" userDrawn="1">
+<file path=ppt/slideLayouts/slideLayout3.xml><?xml version="1.0" encoding="utf-8"?>
+<p:sldLayout xmlns:a="http://schemas.openxmlformats.org/drawingml/2006/main" xmlns:r="http://schemas.openxmlformats.org/officeDocument/2006/relationships" xmlns:p="http://schemas.openxmlformats.org/presentationml/2006/main" userDrawn="1">
   <p:cSld name="Title Only">
     <p:spTree>
       <p:nvGrpSpPr>
@@ -4392,1101 +4311,7 @@
 </p:sldLayout>
 </file>
 
-<file path=ppt/slideLayouts/slideLayout6.xml><?xml version="1.0" encoding="utf-8"?>
-<p:sldLayout xmlns:a="http://schemas.openxmlformats.org/drawingml/2006/main" xmlns:r="http://schemas.openxmlformats.org/officeDocument/2006/relationships" xmlns:p="http://schemas.openxmlformats.org/presentationml/2006/main" preserve="1" userDrawn="1">
-  <p:cSld name="Title and Content">
-    <p:spTree>
-      <p:nvGrpSpPr>
-        <p:cNvPr id="1" name=""/>
-        <p:cNvGrpSpPr/>
-        <p:nvPr/>
-      </p:nvGrpSpPr>
-      <p:grpSpPr>
-        <a:xfrm>
-          <a:off x="0" y="0"/>
-          <a:ext cx="0" cy="0"/>
-          <a:chOff x="0" y="0"/>
-          <a:chExt cx="0" cy="0"/>
-        </a:xfrm>
-      </p:grpSpPr>
-      <p:sp>
-        <p:nvSpPr>
-          <p:cNvPr id="2" name="Title 1"/>
-          <p:cNvSpPr>
-            <a:spLocks noGrp="1"/>
-          </p:cNvSpPr>
-          <p:nvPr>
-            <p:ph type="title"/>
-          </p:nvPr>
-        </p:nvSpPr>
-        <p:spPr/>
-        <p:txBody>
-          <a:bodyPr/>
-          <a:lstStyle>
-            <a:lvl1pPr>
-              <a:defRPr/>
-            </a:lvl1pPr>
-          </a:lstStyle>
-          <a:p>
-            <a:r>
-              <a:rPr lang="en-US" smtClean="0"/>
-              <a:t>Click to edit Master title style</a:t>
-            </a:r>
-            <a:endParaRPr lang="en-US" dirty="0"/>
-          </a:p>
-        </p:txBody>
-      </p:sp>
-      <p:sp>
-        <p:nvSpPr>
-          <p:cNvPr id="3" name="Content Placeholder 2"/>
-          <p:cNvSpPr>
-            <a:spLocks noGrp="1"/>
-          </p:cNvSpPr>
-          <p:nvPr>
-            <p:ph idx="1"/>
-          </p:nvPr>
-        </p:nvSpPr>
-        <p:spPr/>
-        <p:txBody>
-          <a:bodyPr/>
-          <a:lstStyle/>
-          <a:p>
-            <a:pPr lvl="0"/>
-            <a:r>
-              <a:rPr lang="en-US" dirty="0" smtClean="0"/>
-              <a:t>Click to edit Master text styles</a:t>
-            </a:r>
-          </a:p>
-          <a:p>
-            <a:pPr lvl="1"/>
-            <a:r>
-              <a:rPr lang="en-US" dirty="0" smtClean="0"/>
-              <a:t>Second level</a:t>
-            </a:r>
-          </a:p>
-          <a:p>
-            <a:pPr lvl="2"/>
-            <a:r>
-              <a:rPr lang="en-US" dirty="0" smtClean="0"/>
-              <a:t>Third level</a:t>
-            </a:r>
-          </a:p>
-          <a:p>
-            <a:pPr lvl="3"/>
-            <a:r>
-              <a:rPr lang="en-US" dirty="0" smtClean="0"/>
-              <a:t>Fourth level</a:t>
-            </a:r>
-          </a:p>
-          <a:p>
-            <a:pPr lvl="4"/>
-            <a:r>
-              <a:rPr lang="en-US" dirty="0" smtClean="0"/>
-              <a:t>Fifth level</a:t>
-            </a:r>
-            <a:endParaRPr lang="en-US" dirty="0"/>
-          </a:p>
-        </p:txBody>
-      </p:sp>
-    </p:spTree>
-  </p:cSld>
-  <p:clrMapOvr>
-    <a:masterClrMapping/>
-  </p:clrMapOvr>
-  <p:transition/>
-  <p:timing>
-    <p:tnLst>
-      <p:par>
-        <p:cTn id="1" dur="indefinite" restart="never" nodeType="tmRoot"/>
-      </p:par>
-    </p:tnLst>
-  </p:timing>
-</p:sldLayout>
-</file>
-
-<file path=ppt/slideLayouts/slideLayout7.xml><?xml version="1.0" encoding="utf-8"?>
-<p:sldLayout xmlns:a="http://schemas.openxmlformats.org/drawingml/2006/main" xmlns:r="http://schemas.openxmlformats.org/officeDocument/2006/relationships" xmlns:p="http://schemas.openxmlformats.org/presentationml/2006/main" preserve="1" userDrawn="1">
-  <p:cSld name="Content Full Screen">
-    <p:spTree>
-      <p:nvGrpSpPr>
-        <p:cNvPr id="1" name=""/>
-        <p:cNvGrpSpPr/>
-        <p:nvPr/>
-      </p:nvGrpSpPr>
-      <p:grpSpPr>
-        <a:xfrm>
-          <a:off x="0" y="0"/>
-          <a:ext cx="0" cy="0"/>
-          <a:chOff x="0" y="0"/>
-          <a:chExt cx="0" cy="0"/>
-        </a:xfrm>
-      </p:grpSpPr>
-      <p:sp>
-        <p:nvSpPr>
-          <p:cNvPr id="3" name="Content Placeholder 2"/>
-          <p:cNvSpPr>
-            <a:spLocks noGrp="1"/>
-          </p:cNvSpPr>
-          <p:nvPr>
-            <p:ph idx="1"/>
-          </p:nvPr>
-        </p:nvSpPr>
-        <p:spPr>
-          <a:xfrm>
-            <a:off x="0" y="113"/>
-            <a:ext cx="13011150" cy="8993187"/>
-          </a:xfrm>
-        </p:spPr>
-        <p:txBody>
-          <a:bodyPr/>
-          <a:lstStyle/>
-          <a:p>
-            <a:pPr lvl="0"/>
-            <a:r>
-              <a:rPr lang="en-US" smtClean="0"/>
-              <a:t>Click to edit Master text styles</a:t>
-            </a:r>
-          </a:p>
-        </p:txBody>
-      </p:sp>
-    </p:spTree>
-  </p:cSld>
-  <p:clrMapOvr>
-    <a:masterClrMapping/>
-  </p:clrMapOvr>
-  <p:transition/>
-</p:sldLayout>
-</file>
-
-<file path=ppt/slideLayouts/slideLayout8.xml><?xml version="1.0" encoding="utf-8"?>
-<p:sldLayout xmlns:a="http://schemas.openxmlformats.org/drawingml/2006/main" xmlns:r="http://schemas.openxmlformats.org/officeDocument/2006/relationships" xmlns:p="http://schemas.openxmlformats.org/presentationml/2006/main" preserve="1" userDrawn="1">
-  <p:cSld name="Text and Content">
-    <p:spTree>
-      <p:nvGrpSpPr>
-        <p:cNvPr id="1" name=""/>
-        <p:cNvGrpSpPr/>
-        <p:nvPr/>
-      </p:nvGrpSpPr>
-      <p:grpSpPr>
-        <a:xfrm>
-          <a:off x="0" y="0"/>
-          <a:ext cx="0" cy="0"/>
-          <a:chOff x="0" y="0"/>
-          <a:chExt cx="0" cy="0"/>
-        </a:xfrm>
-      </p:grpSpPr>
-      <p:sp>
-        <p:nvSpPr>
-          <p:cNvPr id="2" name="Title 1"/>
-          <p:cNvSpPr>
-            <a:spLocks noGrp="1"/>
-          </p:cNvSpPr>
-          <p:nvPr>
-            <p:ph type="title"/>
-          </p:nvPr>
-        </p:nvSpPr>
-        <p:spPr/>
-        <p:txBody>
-          <a:bodyPr/>
-          <a:lstStyle/>
-          <a:p>
-            <a:r>
-              <a:rPr lang="en-US" smtClean="0"/>
-              <a:t>Click to edit Master title style</a:t>
-            </a:r>
-            <a:endParaRPr lang="en-US"/>
-          </a:p>
-        </p:txBody>
-      </p:sp>
-      <p:sp>
-        <p:nvSpPr>
-          <p:cNvPr id="8" name="Content Placeholder 8"/>
-          <p:cNvSpPr>
-            <a:spLocks noGrp="1"/>
-          </p:cNvSpPr>
-          <p:nvPr>
-            <p:ph sz="quarter" idx="10"/>
-          </p:nvPr>
-        </p:nvSpPr>
-        <p:spPr>
-          <a:xfrm>
-            <a:off x="603504" y="2148841"/>
-            <a:ext cx="5788152" cy="6702552"/>
-          </a:xfrm>
-        </p:spPr>
-        <p:txBody>
-          <a:bodyPr/>
-          <a:lstStyle/>
-          <a:p>
-            <a:pPr lvl="0"/>
-            <a:r>
-              <a:rPr lang="en-US" dirty="0" smtClean="0"/>
-              <a:t>Click to edit Master text styles</a:t>
-            </a:r>
-          </a:p>
-          <a:p>
-            <a:pPr lvl="1"/>
-            <a:r>
-              <a:rPr lang="en-US" dirty="0" smtClean="0"/>
-              <a:t>Second level</a:t>
-            </a:r>
-          </a:p>
-          <a:p>
-            <a:pPr lvl="2"/>
-            <a:r>
-              <a:rPr lang="en-US" dirty="0" smtClean="0"/>
-              <a:t>Third level</a:t>
-            </a:r>
-          </a:p>
-          <a:p>
-            <a:pPr lvl="3"/>
-            <a:r>
-              <a:rPr lang="en-US" dirty="0" smtClean="0"/>
-              <a:t>Fourth level</a:t>
-            </a:r>
-          </a:p>
-          <a:p>
-            <a:pPr lvl="4"/>
-            <a:r>
-              <a:rPr lang="en-US" dirty="0" smtClean="0"/>
-              <a:t>Fifth level</a:t>
-            </a:r>
-            <a:endParaRPr lang="en-US" dirty="0"/>
-          </a:p>
-        </p:txBody>
-      </p:sp>
-      <p:sp>
-        <p:nvSpPr>
-          <p:cNvPr id="9" name="Content Placeholder 10"/>
-          <p:cNvSpPr>
-            <a:spLocks noGrp="1"/>
-          </p:cNvSpPr>
-          <p:nvPr>
-            <p:ph sz="quarter" idx="11"/>
-          </p:nvPr>
-        </p:nvSpPr>
-        <p:spPr>
-          <a:xfrm>
-            <a:off x="6581775" y="2148840"/>
-            <a:ext cx="5791200" cy="6705600"/>
-          </a:xfrm>
-        </p:spPr>
-        <p:txBody>
-          <a:bodyPr/>
-          <a:lstStyle/>
-          <a:p>
-            <a:pPr lvl="0"/>
-            <a:r>
-              <a:rPr lang="en-US" smtClean="0"/>
-              <a:t>Click to edit Master text styles</a:t>
-            </a:r>
-          </a:p>
-          <a:p>
-            <a:pPr lvl="1"/>
-            <a:r>
-              <a:rPr lang="en-US" smtClean="0"/>
-              <a:t>Second level</a:t>
-            </a:r>
-          </a:p>
-          <a:p>
-            <a:pPr lvl="2"/>
-            <a:r>
-              <a:rPr lang="en-US" smtClean="0"/>
-              <a:t>Third level</a:t>
-            </a:r>
-          </a:p>
-          <a:p>
-            <a:pPr lvl="3"/>
-            <a:r>
-              <a:rPr lang="en-US" smtClean="0"/>
-              <a:t>Fourth level</a:t>
-            </a:r>
-          </a:p>
-          <a:p>
-            <a:pPr lvl="4"/>
-            <a:r>
-              <a:rPr lang="en-US" smtClean="0"/>
-              <a:t>Fifth level</a:t>
-            </a:r>
-            <a:endParaRPr lang="en-US"/>
-          </a:p>
-        </p:txBody>
-      </p:sp>
-    </p:spTree>
-  </p:cSld>
-  <p:clrMapOvr>
-    <a:masterClrMapping/>
-  </p:clrMapOvr>
-  <p:transition/>
-</p:sldLayout>
-</file>
-
 <file path=ppt/slideMasters/slideMaster1.xml><?xml version="1.0" encoding="utf-8"?>
-<p:sldMaster xmlns:a="http://schemas.openxmlformats.org/drawingml/2006/main" xmlns:r="http://schemas.openxmlformats.org/officeDocument/2006/relationships" xmlns:p="http://schemas.openxmlformats.org/presentationml/2006/main" preserve="1">
-  <p:cSld>
-    <p:bg>
-      <p:bgPr>
-        <a:blipFill dpi="0" rotWithShape="1">
-          <a:blip r:embed="rId6" cstate="print">
-            <a:lum/>
-          </a:blip>
-          <a:srcRect/>
-          <a:stretch>
-            <a:fillRect/>
-          </a:stretch>
-        </a:blipFill>
-        <a:effectLst/>
-      </p:bgPr>
-    </p:bg>
-    <p:spTree>
-      <p:nvGrpSpPr>
-        <p:cNvPr id="1" name=""/>
-        <p:cNvGrpSpPr/>
-        <p:nvPr/>
-      </p:nvGrpSpPr>
-      <p:grpSpPr>
-        <a:xfrm>
-          <a:off x="0" y="0"/>
-          <a:ext cx="0" cy="0"/>
-          <a:chOff x="0" y="0"/>
-          <a:chExt cx="0" cy="0"/>
-        </a:xfrm>
-      </p:grpSpPr>
-      <p:sp>
-        <p:nvSpPr>
-          <p:cNvPr id="1026" name="Rectangle 1"/>
-          <p:cNvSpPr>
-            <a:spLocks noGrp="1" noChangeArrowheads="1"/>
-          </p:cNvSpPr>
-          <p:nvPr>
-            <p:ph type="title"/>
-          </p:nvPr>
-        </p:nvSpPr>
-        <p:spPr bwMode="auto">
-          <a:xfrm>
-            <a:off x="593725" y="364255"/>
-            <a:ext cx="11762080" cy="1417320"/>
-          </a:xfrm>
-          <a:prstGeom prst="rect">
-            <a:avLst/>
-          </a:prstGeom>
-          <a:noFill/>
-          <a:ln w="12700">
-            <a:noFill/>
-            <a:miter lim="800000"/>
-            <a:headEnd/>
-            <a:tailEnd/>
-          </a:ln>
-        </p:spPr>
-        <p:txBody>
-          <a:bodyPr vert="horz" wrap="square" lIns="0" tIns="0" rIns="0" bIns="0" numCol="1" anchor="ctr" anchorCtr="0" compatLnSpc="1">
-            <a:prstTxWarp prst="textNoShape">
-              <a:avLst/>
-            </a:prstTxWarp>
-          </a:bodyPr>
-          <a:lstStyle/>
-          <a:p>
-            <a:pPr lvl="0"/>
-            <a:r>
-              <a:rPr lang="en-US" smtClean="0">
-                <a:sym typeface="Arial" pitchFamily="34" charset="0"/>
-              </a:rPr>
-              <a:t>Click to edit Master title style</a:t>
-            </a:r>
-            <a:endParaRPr lang="en-US" dirty="0" smtClean="0">
-              <a:sym typeface="Arial" pitchFamily="34" charset="0"/>
-            </a:endParaRPr>
-          </a:p>
-        </p:txBody>
-      </p:sp>
-      <p:sp>
-        <p:nvSpPr>
-          <p:cNvPr id="1027" name="Rectangle 2"/>
-          <p:cNvSpPr>
-            <a:spLocks noGrp="1" noChangeArrowheads="1"/>
-          </p:cNvSpPr>
-          <p:nvPr>
-            <p:ph type="body" idx="1"/>
-          </p:nvPr>
-        </p:nvSpPr>
-        <p:spPr bwMode="auto">
-          <a:xfrm>
-            <a:off x="593725" y="2146491"/>
-            <a:ext cx="11762080" cy="6699652"/>
-          </a:xfrm>
-          <a:prstGeom prst="rect">
-            <a:avLst/>
-          </a:prstGeom>
-          <a:noFill/>
-          <a:ln w="12700">
-            <a:noFill/>
-            <a:miter lim="800000"/>
-            <a:headEnd/>
-            <a:tailEnd/>
-          </a:ln>
-        </p:spPr>
-        <p:txBody>
-          <a:bodyPr vert="horz" wrap="square" lIns="0" tIns="0" rIns="0" bIns="0" numCol="1" anchor="t" anchorCtr="0" compatLnSpc="1">
-            <a:prstTxWarp prst="textNoShape">
-              <a:avLst/>
-            </a:prstTxWarp>
-          </a:bodyPr>
-          <a:lstStyle/>
-          <a:p>
-            <a:pPr lvl="0"/>
-            <a:r>
-              <a:rPr lang="en-US" dirty="0" smtClean="0">
-                <a:sym typeface="Arial" pitchFamily="34" charset="0"/>
-              </a:rPr>
-              <a:t>Click to edit Master text styles</a:t>
-            </a:r>
-          </a:p>
-          <a:p>
-            <a:pPr lvl="1"/>
-            <a:r>
-              <a:rPr lang="en-US" dirty="0" smtClean="0">
-                <a:sym typeface="Arial" pitchFamily="34" charset="0"/>
-              </a:rPr>
-              <a:t>Second level</a:t>
-            </a:r>
-          </a:p>
-          <a:p>
-            <a:pPr lvl="2"/>
-            <a:r>
-              <a:rPr lang="en-US" dirty="0" smtClean="0">
-                <a:sym typeface="Arial" pitchFamily="34" charset="0"/>
-              </a:rPr>
-              <a:t>Third level</a:t>
-            </a:r>
-          </a:p>
-          <a:p>
-            <a:pPr lvl="3"/>
-            <a:r>
-              <a:rPr lang="en-US" dirty="0" smtClean="0">
-                <a:sym typeface="Arial" pitchFamily="34" charset="0"/>
-              </a:rPr>
-              <a:t>Fourth level</a:t>
-            </a:r>
-          </a:p>
-          <a:p>
-            <a:pPr lvl="4"/>
-            <a:r>
-              <a:rPr lang="en-US" dirty="0" smtClean="0">
-                <a:sym typeface="Arial" pitchFamily="34" charset="0"/>
-              </a:rPr>
-              <a:t>Fifth level</a:t>
-            </a:r>
-          </a:p>
-        </p:txBody>
-      </p:sp>
-      <p:pic>
-        <p:nvPicPr>
-          <p:cNvPr id="4" name="Picture 2"/>
-          <p:cNvPicPr>
-            <a:picLocks noChangeAspect="1" noChangeArrowheads="1"/>
-          </p:cNvPicPr>
-          <p:nvPr/>
-        </p:nvPicPr>
-        <p:blipFill>
-          <a:blip r:embed="rId7" cstate="print"/>
-          <a:srcRect/>
-          <a:stretch>
-            <a:fillRect/>
-          </a:stretch>
-        </p:blipFill>
-        <p:spPr bwMode="auto">
-          <a:xfrm>
-            <a:off x="2" y="8994775"/>
-            <a:ext cx="13017500" cy="765176"/>
-          </a:xfrm>
-          <a:prstGeom prst="rect">
-            <a:avLst/>
-          </a:prstGeom>
-          <a:noFill/>
-          <a:ln w="12700">
-            <a:noFill/>
-            <a:miter lim="800000"/>
-            <a:headEnd/>
-            <a:tailEnd/>
-          </a:ln>
-        </p:spPr>
-      </p:pic>
-      <p:sp>
-        <p:nvSpPr>
-          <p:cNvPr id="5" name="Text Box 76"/>
-          <p:cNvSpPr txBox="1">
-            <a:spLocks noChangeArrowheads="1"/>
-          </p:cNvSpPr>
-          <p:nvPr/>
-        </p:nvSpPr>
-        <p:spPr bwMode="white">
-          <a:xfrm>
-            <a:off x="590550" y="9269526"/>
-            <a:ext cx="2898774" cy="200025"/>
-          </a:xfrm>
-          <a:prstGeom prst="rect">
-            <a:avLst/>
-          </a:prstGeom>
-          <a:noFill/>
-          <a:ln w="9525">
-            <a:noFill/>
-            <a:miter lim="800000"/>
-            <a:headEnd/>
-            <a:tailEnd/>
-          </a:ln>
-          <a:effectLst/>
-        </p:spPr>
-        <p:txBody>
-          <a:bodyPr lIns="0" tIns="0" rIns="0" bIns="0" anchor="ctr"/>
-          <a:lstStyle/>
-          <a:p>
-            <a:pPr defTabSz="1294318" eaLnBrk="0" hangingPunct="0">
-              <a:defRPr/>
-            </a:pPr>
-            <a:r>
-              <a:rPr lang="en-US" sz="900" baseline="0" dirty="0">
-                <a:solidFill>
-                  <a:srgbClr val="969696"/>
-                </a:solidFill>
-              </a:rPr>
-              <a:t>© </a:t>
-            </a:r>
-            <a:r>
-              <a:rPr lang="en-US" sz="900" baseline="0" dirty="0" smtClean="0">
-                <a:solidFill>
-                  <a:srgbClr val="969696"/>
-                </a:solidFill>
-              </a:rPr>
-              <a:t>2013 </a:t>
-            </a:r>
-            <a:r>
-              <a:rPr lang="en-US" sz="900" baseline="0" dirty="0">
-                <a:solidFill>
-                  <a:srgbClr val="969696"/>
-                </a:solidFill>
-              </a:rPr>
-              <a:t>Autodesk </a:t>
-            </a:r>
-          </a:p>
-        </p:txBody>
-      </p:sp>
-      <p:sp>
-        <p:nvSpPr>
-          <p:cNvPr id="6" name="TextBox 5"/>
-          <p:cNvSpPr txBox="1"/>
-          <p:nvPr/>
-        </p:nvSpPr>
-        <p:spPr>
-          <a:xfrm>
-            <a:off x="5462720" y="9145587"/>
-            <a:ext cx="2098523" cy="338554"/>
-          </a:xfrm>
-          <a:prstGeom prst="rect">
-            <a:avLst/>
-          </a:prstGeom>
-          <a:noFill/>
-        </p:spPr>
-        <p:txBody>
-          <a:bodyPr wrap="none" rtlCol="0">
-            <a:spAutoFit/>
-          </a:bodyPr>
-          <a:lstStyle/>
-          <a:p>
-            <a:r>
-              <a:rPr lang="en-US" sz="1600" smtClean="0"/>
-              <a:t>The Revit Family </a:t>
-            </a:r>
-            <a:r>
-              <a:rPr lang="en-US" sz="1600" dirty="0" smtClean="0"/>
-              <a:t>API</a:t>
-            </a:r>
-            <a:endParaRPr lang="en-US" sz="1600" i="1" dirty="0"/>
-          </a:p>
-        </p:txBody>
-      </p:sp>
-    </p:spTree>
-  </p:cSld>
-  <p:clrMap bg1="dk1" tx1="lt1" bg2="dk2" tx2="lt2" accent1="accent1" accent2="accent2" accent3="accent3" accent4="accent4" accent5="accent5" accent6="accent6" hlink="hlink" folHlink="folHlink"/>
-  <p:sldLayoutIdLst>
-    <p:sldLayoutId id="2147483683" r:id="rId1"/>
-    <p:sldLayoutId id="2147483684" r:id="rId2"/>
-    <p:sldLayoutId id="2147483685" r:id="rId3"/>
-    <p:sldLayoutId id="2147483692" r:id="rId4"/>
-  </p:sldLayoutIdLst>
-  <p:transition/>
-  <p:timing>
-    <p:tnLst>
-      <p:par>
-        <p:cTn id="1" dur="indefinite" restart="never" nodeType="tmRoot"/>
-      </p:par>
-    </p:tnLst>
-  </p:timing>
-  <p:hf hdr="0" ftr="0" dt="0"/>
-  <p:txStyles>
-    <p:titleStyle>
-      <a:lvl1pPr algn="l" rtl="0" eaLnBrk="1" fontAlgn="base" hangingPunct="1">
-        <a:spcBef>
-          <a:spcPct val="0"/>
-        </a:spcBef>
-        <a:spcAft>
-          <a:spcPct val="0"/>
-        </a:spcAft>
-        <a:defRPr sz="4000" b="1" baseline="0">
-          <a:solidFill>
-            <a:srgbClr val="FFFFFF"/>
-          </a:solidFill>
-          <a:latin typeface="+mj-lt"/>
-          <a:ea typeface="+mj-ea"/>
-          <a:cs typeface="+mj-cs"/>
-          <a:sym typeface="Arial" pitchFamily="34" charset="0"/>
-        </a:defRPr>
-      </a:lvl1pPr>
-      <a:lvl2pPr algn="l" rtl="0" eaLnBrk="1" fontAlgn="base" hangingPunct="1">
-        <a:spcBef>
-          <a:spcPct val="0"/>
-        </a:spcBef>
-        <a:spcAft>
-          <a:spcPct val="0"/>
-        </a:spcAft>
-        <a:defRPr sz="4000" b="1">
-          <a:solidFill>
-            <a:srgbClr val="FFFFFF"/>
-          </a:solidFill>
-          <a:latin typeface="Arial" charset="0"/>
-          <a:ea typeface="ヒラギノ角ゴ Pro W6" charset="0"/>
-          <a:cs typeface="ヒラギノ角ゴ Pro W6" charset="0"/>
-          <a:sym typeface="Arial" pitchFamily="34" charset="0"/>
-        </a:defRPr>
-      </a:lvl2pPr>
-      <a:lvl3pPr algn="l" rtl="0" eaLnBrk="1" fontAlgn="base" hangingPunct="1">
-        <a:spcBef>
-          <a:spcPct val="0"/>
-        </a:spcBef>
-        <a:spcAft>
-          <a:spcPct val="0"/>
-        </a:spcAft>
-        <a:defRPr sz="4000" b="1">
-          <a:solidFill>
-            <a:srgbClr val="FFFFFF"/>
-          </a:solidFill>
-          <a:latin typeface="Arial" charset="0"/>
-          <a:ea typeface="ヒラギノ角ゴ Pro W6" charset="0"/>
-          <a:cs typeface="ヒラギノ角ゴ Pro W6" charset="0"/>
-          <a:sym typeface="Arial" pitchFamily="34" charset="0"/>
-        </a:defRPr>
-      </a:lvl3pPr>
-      <a:lvl4pPr algn="l" rtl="0" eaLnBrk="1" fontAlgn="base" hangingPunct="1">
-        <a:spcBef>
-          <a:spcPct val="0"/>
-        </a:spcBef>
-        <a:spcAft>
-          <a:spcPct val="0"/>
-        </a:spcAft>
-        <a:defRPr sz="4000" b="1">
-          <a:solidFill>
-            <a:srgbClr val="FFFFFF"/>
-          </a:solidFill>
-          <a:latin typeface="Arial" charset="0"/>
-          <a:ea typeface="ヒラギノ角ゴ Pro W6" charset="0"/>
-          <a:cs typeface="ヒラギノ角ゴ Pro W6" charset="0"/>
-          <a:sym typeface="Arial" pitchFamily="34" charset="0"/>
-        </a:defRPr>
-      </a:lvl4pPr>
-      <a:lvl5pPr algn="l" rtl="0" eaLnBrk="1" fontAlgn="base" hangingPunct="1">
-        <a:spcBef>
-          <a:spcPct val="0"/>
-        </a:spcBef>
-        <a:spcAft>
-          <a:spcPct val="0"/>
-        </a:spcAft>
-        <a:defRPr sz="4000" b="1">
-          <a:solidFill>
-            <a:srgbClr val="FFFFFF"/>
-          </a:solidFill>
-          <a:latin typeface="Arial" charset="0"/>
-          <a:ea typeface="ヒラギノ角ゴ Pro W6" charset="0"/>
-          <a:cs typeface="ヒラギノ角ゴ Pro W6" charset="0"/>
-          <a:sym typeface="Arial" pitchFamily="34" charset="0"/>
-        </a:defRPr>
-      </a:lvl5pPr>
-      <a:lvl6pPr marL="455334" algn="l" rtl="0" eaLnBrk="1" fontAlgn="base" hangingPunct="1">
-        <a:spcBef>
-          <a:spcPct val="0"/>
-        </a:spcBef>
-        <a:spcAft>
-          <a:spcPct val="0"/>
-        </a:spcAft>
-        <a:defRPr sz="4000" b="1">
-          <a:solidFill>
-            <a:srgbClr val="FFFFFF"/>
-          </a:solidFill>
-          <a:latin typeface="Arial" charset="0"/>
-          <a:ea typeface="ヒラギノ角ゴ Pro W6" charset="0"/>
-          <a:cs typeface="ヒラギノ角ゴ Pro W6" charset="0"/>
-          <a:sym typeface="Arial" charset="0"/>
-        </a:defRPr>
-      </a:lvl6pPr>
-      <a:lvl7pPr marL="910669" algn="l" rtl="0" eaLnBrk="1" fontAlgn="base" hangingPunct="1">
-        <a:spcBef>
-          <a:spcPct val="0"/>
-        </a:spcBef>
-        <a:spcAft>
-          <a:spcPct val="0"/>
-        </a:spcAft>
-        <a:defRPr sz="4000" b="1">
-          <a:solidFill>
-            <a:srgbClr val="FFFFFF"/>
-          </a:solidFill>
-          <a:latin typeface="Arial" charset="0"/>
-          <a:ea typeface="ヒラギノ角ゴ Pro W6" charset="0"/>
-          <a:cs typeface="ヒラギノ角ゴ Pro W6" charset="0"/>
-          <a:sym typeface="Arial" charset="0"/>
-        </a:defRPr>
-      </a:lvl7pPr>
-      <a:lvl8pPr marL="1366000" algn="l" rtl="0" eaLnBrk="1" fontAlgn="base" hangingPunct="1">
-        <a:spcBef>
-          <a:spcPct val="0"/>
-        </a:spcBef>
-        <a:spcAft>
-          <a:spcPct val="0"/>
-        </a:spcAft>
-        <a:defRPr sz="4000" b="1">
-          <a:solidFill>
-            <a:srgbClr val="FFFFFF"/>
-          </a:solidFill>
-          <a:latin typeface="Arial" charset="0"/>
-          <a:ea typeface="ヒラギノ角ゴ Pro W6" charset="0"/>
-          <a:cs typeface="ヒラギノ角ゴ Pro W6" charset="0"/>
-          <a:sym typeface="Arial" charset="0"/>
-        </a:defRPr>
-      </a:lvl8pPr>
-      <a:lvl9pPr marL="1821335" algn="l" rtl="0" eaLnBrk="1" fontAlgn="base" hangingPunct="1">
-        <a:spcBef>
-          <a:spcPct val="0"/>
-        </a:spcBef>
-        <a:spcAft>
-          <a:spcPct val="0"/>
-        </a:spcAft>
-        <a:defRPr sz="4000" b="1">
-          <a:solidFill>
-            <a:srgbClr val="FFFFFF"/>
-          </a:solidFill>
-          <a:latin typeface="Arial" charset="0"/>
-          <a:ea typeface="ヒラギノ角ゴ Pro W6" charset="0"/>
-          <a:cs typeface="ヒラギノ角ゴ Pro W6" charset="0"/>
-          <a:sym typeface="Arial" charset="0"/>
-        </a:defRPr>
-      </a:lvl9pPr>
-    </p:titleStyle>
-    <p:bodyStyle>
-      <a:lvl1pPr marL="282894" indent="-282894" algn="l" rtl="0" eaLnBrk="1" fontAlgn="base" hangingPunct="1">
-        <a:spcBef>
-          <a:spcPts val="499"/>
-        </a:spcBef>
-        <a:spcAft>
-          <a:spcPct val="0"/>
-        </a:spcAft>
-        <a:buClr>
-          <a:srgbClr val="FFFFFF"/>
-        </a:buClr>
-        <a:buSzPct val="80000"/>
-        <a:buFont typeface="Wingdings" pitchFamily="2" charset="2"/>
-        <a:buChar char="§"/>
-        <a:defRPr sz="3100">
-          <a:solidFill>
-            <a:srgbClr val="FFFFFF"/>
-          </a:solidFill>
-          <a:latin typeface="+mn-lt"/>
-          <a:ea typeface="+mn-ea"/>
-          <a:cs typeface="+mn-cs"/>
-          <a:sym typeface="Arial" pitchFamily="34" charset="0"/>
-        </a:defRPr>
-      </a:lvl1pPr>
-      <a:lvl2pPr marL="565764" indent="-282894" algn="l" rtl="0" eaLnBrk="1" fontAlgn="base" hangingPunct="1">
-        <a:spcBef>
-          <a:spcPts val="499"/>
-        </a:spcBef>
-        <a:spcAft>
-          <a:spcPct val="0"/>
-        </a:spcAft>
-        <a:buClr>
-          <a:srgbClr val="FFFFFF"/>
-        </a:buClr>
-        <a:buSzPct val="80000"/>
-        <a:buFont typeface="Wingdings" pitchFamily="2" charset="2"/>
-        <a:buChar char="§"/>
-        <a:defRPr sz="2800">
-          <a:solidFill>
-            <a:srgbClr val="FFFFFF"/>
-          </a:solidFill>
-          <a:latin typeface="+mn-lt"/>
-          <a:ea typeface="+mn-ea"/>
-          <a:cs typeface="+mn-cs"/>
-          <a:sym typeface="Arial" pitchFamily="34" charset="0"/>
-        </a:defRPr>
-      </a:lvl2pPr>
-      <a:lvl3pPr marL="905557" indent="-254449" algn="l" rtl="0" eaLnBrk="1" fontAlgn="base" hangingPunct="1">
-        <a:spcBef>
-          <a:spcPts val="400"/>
-        </a:spcBef>
-        <a:spcAft>
-          <a:spcPct val="0"/>
-        </a:spcAft>
-        <a:buClr>
-          <a:srgbClr val="FFFFFF"/>
-        </a:buClr>
-        <a:buSzPct val="80000"/>
-        <a:buFont typeface="Wingdings" pitchFamily="2" charset="2"/>
-        <a:buChar char="§"/>
-        <a:defRPr sz="2400">
-          <a:solidFill>
-            <a:srgbClr val="FFFFFF"/>
-          </a:solidFill>
-          <a:latin typeface="+mn-lt"/>
-          <a:ea typeface="+mn-ea"/>
-          <a:cs typeface="+mn-cs"/>
-          <a:sym typeface="Arial" pitchFamily="34" charset="0"/>
-        </a:defRPr>
-      </a:lvl3pPr>
-      <a:lvl4pPr marL="1416026" indent="-227575" algn="l" rtl="0" eaLnBrk="1" fontAlgn="base" hangingPunct="1">
-        <a:spcBef>
-          <a:spcPts val="300"/>
-        </a:spcBef>
-        <a:spcAft>
-          <a:spcPct val="0"/>
-        </a:spcAft>
-        <a:buClr>
-          <a:srgbClr val="FFFFFF"/>
-        </a:buClr>
-        <a:buSzPct val="80000"/>
-        <a:buFont typeface="Wingdings" pitchFamily="2" charset="2"/>
-        <a:buChar char="§"/>
-        <a:defRPr sz="2100">
-          <a:solidFill>
-            <a:srgbClr val="FFFFFF"/>
-          </a:solidFill>
-          <a:latin typeface="+mn-lt"/>
-          <a:ea typeface="+mn-ea"/>
-          <a:cs typeface="+mn-cs"/>
-          <a:sym typeface="Arial" pitchFamily="34" charset="0"/>
-        </a:defRPr>
-      </a:lvl4pPr>
-      <a:lvl5pPr marL="1869592" indent="-205464" algn="l" rtl="0" eaLnBrk="1" fontAlgn="base" hangingPunct="1">
-        <a:spcBef>
-          <a:spcPts val="300"/>
-        </a:spcBef>
-        <a:spcAft>
-          <a:spcPct val="0"/>
-        </a:spcAft>
-        <a:buClr>
-          <a:srgbClr val="FFFFFF"/>
-        </a:buClr>
-        <a:buSzPct val="80000"/>
-        <a:buFont typeface="Wingdings" pitchFamily="2" charset="2"/>
-        <a:buChar char="§"/>
-        <a:defRPr sz="2000">
-          <a:solidFill>
-            <a:srgbClr val="FFFFFF"/>
-          </a:solidFill>
-          <a:latin typeface="+mn-lt"/>
-          <a:ea typeface="+mn-ea"/>
-          <a:cs typeface="+mn-cs"/>
-          <a:sym typeface="Arial" pitchFamily="34" charset="0"/>
-        </a:defRPr>
-      </a:lvl5pPr>
-      <a:lvl6pPr marL="2325676" indent="-205548" algn="l" rtl="0" eaLnBrk="1" fontAlgn="base" hangingPunct="1">
-        <a:spcBef>
-          <a:spcPts val="300"/>
-        </a:spcBef>
-        <a:spcAft>
-          <a:spcPct val="0"/>
-        </a:spcAft>
-        <a:buClr>
-          <a:srgbClr val="FFFFFF"/>
-        </a:buClr>
-        <a:buSzPct val="80000"/>
-        <a:buFont typeface="Lucida Grande" charset="0"/>
-        <a:buChar char="§"/>
-        <a:defRPr sz="2000">
-          <a:solidFill>
-            <a:srgbClr val="FFFFFF"/>
-          </a:solidFill>
-          <a:latin typeface="+mn-lt"/>
-          <a:ea typeface="+mn-ea"/>
-          <a:cs typeface="+mn-cs"/>
-          <a:sym typeface="Arial" charset="0"/>
-        </a:defRPr>
-      </a:lvl6pPr>
-      <a:lvl7pPr marL="2781009" indent="-205548" algn="l" rtl="0" eaLnBrk="1" fontAlgn="base" hangingPunct="1">
-        <a:spcBef>
-          <a:spcPts val="300"/>
-        </a:spcBef>
-        <a:spcAft>
-          <a:spcPct val="0"/>
-        </a:spcAft>
-        <a:buClr>
-          <a:srgbClr val="FFFFFF"/>
-        </a:buClr>
-        <a:buSzPct val="80000"/>
-        <a:buFont typeface="Lucida Grande" charset="0"/>
-        <a:buChar char="§"/>
-        <a:defRPr sz="2000">
-          <a:solidFill>
-            <a:srgbClr val="FFFFFF"/>
-          </a:solidFill>
-          <a:latin typeface="+mn-lt"/>
-          <a:ea typeface="+mn-ea"/>
-          <a:cs typeface="+mn-cs"/>
-          <a:sym typeface="Arial" charset="0"/>
-        </a:defRPr>
-      </a:lvl7pPr>
-      <a:lvl8pPr marL="3236341" indent="-205548" algn="l" rtl="0" eaLnBrk="1" fontAlgn="base" hangingPunct="1">
-        <a:spcBef>
-          <a:spcPts val="300"/>
-        </a:spcBef>
-        <a:spcAft>
-          <a:spcPct val="0"/>
-        </a:spcAft>
-        <a:buClr>
-          <a:srgbClr val="FFFFFF"/>
-        </a:buClr>
-        <a:buSzPct val="80000"/>
-        <a:buFont typeface="Lucida Grande" charset="0"/>
-        <a:buChar char="§"/>
-        <a:defRPr sz="2000">
-          <a:solidFill>
-            <a:srgbClr val="FFFFFF"/>
-          </a:solidFill>
-          <a:latin typeface="+mn-lt"/>
-          <a:ea typeface="+mn-ea"/>
-          <a:cs typeface="+mn-cs"/>
-          <a:sym typeface="Arial" charset="0"/>
-        </a:defRPr>
-      </a:lvl8pPr>
-      <a:lvl9pPr marL="3691668" indent="-205548" algn="l" rtl="0" eaLnBrk="1" fontAlgn="base" hangingPunct="1">
-        <a:spcBef>
-          <a:spcPts val="300"/>
-        </a:spcBef>
-        <a:spcAft>
-          <a:spcPct val="0"/>
-        </a:spcAft>
-        <a:buClr>
-          <a:srgbClr val="FFFFFF"/>
-        </a:buClr>
-        <a:buSzPct val="80000"/>
-        <a:buFont typeface="Lucida Grande" charset="0"/>
-        <a:buChar char="§"/>
-        <a:defRPr sz="2000">
-          <a:solidFill>
-            <a:srgbClr val="FFFFFF"/>
-          </a:solidFill>
-          <a:latin typeface="+mn-lt"/>
-          <a:ea typeface="+mn-ea"/>
-          <a:cs typeface="+mn-cs"/>
-          <a:sym typeface="Arial" charset="0"/>
-        </a:defRPr>
-      </a:lvl9pPr>
-    </p:bodyStyle>
-    <p:otherStyle>
-      <a:defPPr>
-        <a:defRPr lang="en-US"/>
-      </a:defPPr>
-      <a:lvl1pPr marL="0" algn="l" defTabSz="910669" rtl="0" eaLnBrk="1" latinLnBrk="0" hangingPunct="1">
-        <a:defRPr sz="1800" kern="1200">
-          <a:solidFill>
-            <a:schemeClr val="tx1"/>
-          </a:solidFill>
-          <a:latin typeface="+mn-lt"/>
-          <a:ea typeface="+mn-ea"/>
-          <a:cs typeface="+mn-cs"/>
-        </a:defRPr>
-      </a:lvl1pPr>
-      <a:lvl2pPr marL="455334" algn="l" defTabSz="910669" rtl="0" eaLnBrk="1" latinLnBrk="0" hangingPunct="1">
-        <a:defRPr sz="1800" kern="1200">
-          <a:solidFill>
-            <a:schemeClr val="tx1"/>
-          </a:solidFill>
-          <a:latin typeface="+mn-lt"/>
-          <a:ea typeface="+mn-ea"/>
-          <a:cs typeface="+mn-cs"/>
-        </a:defRPr>
-      </a:lvl2pPr>
-      <a:lvl3pPr marL="910669" algn="l" defTabSz="910669" rtl="0" eaLnBrk="1" latinLnBrk="0" hangingPunct="1">
-        <a:defRPr sz="1800" kern="1200">
-          <a:solidFill>
-            <a:schemeClr val="tx1"/>
-          </a:solidFill>
-          <a:latin typeface="+mn-lt"/>
-          <a:ea typeface="+mn-ea"/>
-          <a:cs typeface="+mn-cs"/>
-        </a:defRPr>
-      </a:lvl3pPr>
-      <a:lvl4pPr marL="1366000" algn="l" defTabSz="910669" rtl="0" eaLnBrk="1" latinLnBrk="0" hangingPunct="1">
-        <a:defRPr sz="1800" kern="1200">
-          <a:solidFill>
-            <a:schemeClr val="tx1"/>
-          </a:solidFill>
-          <a:latin typeface="+mn-lt"/>
-          <a:ea typeface="+mn-ea"/>
-          <a:cs typeface="+mn-cs"/>
-        </a:defRPr>
-      </a:lvl4pPr>
-      <a:lvl5pPr marL="1821335" algn="l" defTabSz="910669" rtl="0" eaLnBrk="1" latinLnBrk="0" hangingPunct="1">
-        <a:defRPr sz="1800" kern="1200">
-          <a:solidFill>
-            <a:schemeClr val="tx1"/>
-          </a:solidFill>
-          <a:latin typeface="+mn-lt"/>
-          <a:ea typeface="+mn-ea"/>
-          <a:cs typeface="+mn-cs"/>
-        </a:defRPr>
-      </a:lvl5pPr>
-      <a:lvl6pPr marL="2276666" algn="l" defTabSz="910669" rtl="0" eaLnBrk="1" latinLnBrk="0" hangingPunct="1">
-        <a:defRPr sz="1800" kern="1200">
-          <a:solidFill>
-            <a:schemeClr val="tx1"/>
-          </a:solidFill>
-          <a:latin typeface="+mn-lt"/>
-          <a:ea typeface="+mn-ea"/>
-          <a:cs typeface="+mn-cs"/>
-        </a:defRPr>
-      </a:lvl6pPr>
-      <a:lvl7pPr marL="2732002" algn="l" defTabSz="910669" rtl="0" eaLnBrk="1" latinLnBrk="0" hangingPunct="1">
-        <a:defRPr sz="1800" kern="1200">
-          <a:solidFill>
-            <a:schemeClr val="tx1"/>
-          </a:solidFill>
-          <a:latin typeface="+mn-lt"/>
-          <a:ea typeface="+mn-ea"/>
-          <a:cs typeface="+mn-cs"/>
-        </a:defRPr>
-      </a:lvl7pPr>
-      <a:lvl8pPr marL="3187327" algn="l" defTabSz="910669" rtl="0" eaLnBrk="1" latinLnBrk="0" hangingPunct="1">
-        <a:defRPr sz="1800" kern="1200">
-          <a:solidFill>
-            <a:schemeClr val="tx1"/>
-          </a:solidFill>
-          <a:latin typeface="+mn-lt"/>
-          <a:ea typeface="+mn-ea"/>
-          <a:cs typeface="+mn-cs"/>
-        </a:defRPr>
-      </a:lvl8pPr>
-      <a:lvl9pPr marL="3642661" algn="l" defTabSz="910669" rtl="0" eaLnBrk="1" latinLnBrk="0" hangingPunct="1">
-        <a:defRPr sz="1800" kern="1200">
-          <a:solidFill>
-            <a:schemeClr val="tx1"/>
-          </a:solidFill>
-          <a:latin typeface="+mn-lt"/>
-          <a:ea typeface="+mn-ea"/>
-          <a:cs typeface="+mn-cs"/>
-        </a:defRPr>
-      </a:lvl9pPr>
-    </p:otherStyle>
-  </p:txStyles>
-</p:sldMaster>
-</file>
-
-<file path=ppt/slideMasters/slideMaster2.xml><?xml version="1.0" encoding="utf-8"?>
 <p:sldMaster xmlns:a="http://schemas.openxmlformats.org/drawingml/2006/main" xmlns:r="http://schemas.openxmlformats.org/officeDocument/2006/relationships" xmlns:p="http://schemas.openxmlformats.org/presentationml/2006/main" preserve="1">
   <p:cSld>
     <p:bg>
@@ -5641,107 +4466,16 @@
           </a:p>
         </p:txBody>
       </p:sp>
-      <p:pic>
-        <p:nvPicPr>
-          <p:cNvPr id="4" name="Picture 2"/>
-          <p:cNvPicPr>
-            <a:picLocks noChangeAspect="1" noChangeArrowheads="1"/>
-          </p:cNvPicPr>
-          <p:nvPr/>
-        </p:nvPicPr>
-        <p:blipFill>
-          <a:blip r:embed="rId6" cstate="print"/>
-          <a:srcRect/>
-          <a:stretch>
-            <a:fillRect/>
-          </a:stretch>
-        </p:blipFill>
-        <p:spPr bwMode="auto">
-          <a:xfrm>
-            <a:off x="2" y="8994775"/>
-            <a:ext cx="13017500" cy="765176"/>
-          </a:xfrm>
-          <a:prstGeom prst="rect">
-            <a:avLst/>
-          </a:prstGeom>
-          <a:noFill/>
-          <a:ln w="12700">
-            <a:noFill/>
-            <a:miter lim="800000"/>
-            <a:headEnd/>
-            <a:tailEnd/>
-          </a:ln>
-        </p:spPr>
-      </p:pic>
-      <p:sp>
-        <p:nvSpPr>
-          <p:cNvPr id="5" name="Text Box 76"/>
-          <p:cNvSpPr txBox="1">
-            <a:spLocks noChangeArrowheads="1"/>
-          </p:cNvSpPr>
-          <p:nvPr/>
-        </p:nvSpPr>
-        <p:spPr bwMode="white">
-          <a:xfrm>
-            <a:off x="590550" y="9269526"/>
-            <a:ext cx="2898774" cy="200025"/>
-          </a:xfrm>
-          <a:prstGeom prst="rect">
-            <a:avLst/>
-          </a:prstGeom>
-          <a:noFill/>
-          <a:ln w="9525">
-            <a:noFill/>
-            <a:miter lim="800000"/>
-            <a:headEnd/>
-            <a:tailEnd/>
-          </a:ln>
-          <a:effectLst/>
-        </p:spPr>
-        <p:txBody>
-          <a:bodyPr lIns="0" tIns="0" rIns="0" bIns="0" anchor="ctr"/>
-          <a:lstStyle/>
-          <a:p>
-            <a:pPr defTabSz="1294318" eaLnBrk="0" hangingPunct="0">
-              <a:defRPr/>
-            </a:pPr>
-            <a:r>
-              <a:rPr lang="en-US" sz="900" baseline="0" dirty="0">
-                <a:solidFill>
-                  <a:srgbClr val="969696"/>
-                </a:solidFill>
-              </a:rPr>
-              <a:t>© </a:t>
-            </a:r>
-            <a:r>
-              <a:rPr lang="en-US" sz="900" baseline="0" dirty="0" smtClean="0">
-                <a:solidFill>
-                  <a:srgbClr val="969696"/>
-                </a:solidFill>
-              </a:rPr>
-              <a:t>2013 </a:t>
-            </a:r>
-            <a:r>
-              <a:rPr lang="en-US" sz="900" baseline="0" dirty="0">
-                <a:solidFill>
-                  <a:srgbClr val="969696"/>
-                </a:solidFill>
-              </a:rPr>
-              <a:t>Autodesk </a:t>
-            </a:r>
-          </a:p>
-        </p:txBody>
-      </p:sp>
       <p:sp>
         <p:nvSpPr>
           <p:cNvPr id="6" name="TextBox 5"/>
           <p:cNvSpPr txBox="1"/>
-          <p:nvPr/>
+          <p:nvPr userDrawn="1"/>
         </p:nvSpPr>
         <p:spPr>
           <a:xfrm>
-            <a:off x="5438775" y="9221787"/>
-            <a:ext cx="2098523" cy="338554"/>
+            <a:off x="5057775" y="839787"/>
+            <a:ext cx="3299301" cy="338554"/>
           </a:xfrm>
           <a:prstGeom prst="rect">
             <a:avLst/>
@@ -5755,22 +4489,14 @@
           <a:lstStyle/>
           <a:p>
             <a:r>
-              <a:rPr lang="en-US" sz="1600" smtClean="0">
+              <a:rPr lang="en-US" sz="1600" dirty="0" smtClean="0">
                 <a:solidFill>
                   <a:schemeClr val="bg1"/>
                 </a:solidFill>
               </a:rPr>
-              <a:t>The Revit Family </a:t>
-            </a:r>
-            <a:r>
-              <a:rPr lang="en-US" sz="1600" dirty="0" smtClean="0">
-                <a:solidFill>
-                  <a:schemeClr val="bg1"/>
-                </a:solidFill>
-              </a:rPr>
-              <a:t>API</a:t>
-            </a:r>
-            <a:endParaRPr lang="en-US" sz="1600" i="1" dirty="0">
+              <a:t>Introduction to Revit Programming</a:t>
+            </a:r>
+            <a:endParaRPr lang="en-US" sz="1600" i="1" dirty="0" smtClean="0">
               <a:solidFill>
                 <a:schemeClr val="bg1"/>
               </a:solidFill>
@@ -5779,13 +4505,17 @@
         </p:txBody>
       </p:sp>
     </p:spTree>
+    <p:extLst>
+      <p:ext uri="{BB962C8B-B14F-4D97-AF65-F5344CB8AC3E}">
+        <p14:creationId xmlns:p14="http://schemas.microsoft.com/office/powerpoint/2010/main" val="155057529"/>
+      </p:ext>
+    </p:extLst>
   </p:cSld>
   <p:clrMap bg1="lt1" tx1="dk1" bg2="lt2" tx2="dk2" accent1="accent1" accent2="accent2" accent3="accent3" accent4="accent4" accent5="accent5" accent6="accent6" hlink="hlink" folHlink="folHlink"/>
   <p:sldLayoutIdLst>
-    <p:sldLayoutId id="2147483688" r:id="rId1"/>
-    <p:sldLayoutId id="2147483689" r:id="rId2"/>
-    <p:sldLayoutId id="2147483690" r:id="rId3"/>
-    <p:sldLayoutId id="2147483691" r:id="rId4"/>
+    <p:sldLayoutId id="2147483694" r:id="rId1"/>
+    <p:sldLayoutId id="2147483695" r:id="rId2"/>
+    <p:sldLayoutId id="2147483696" r:id="rId3"/>
   </p:sldLayoutIdLst>
   <p:transition/>
   <p:timing>
@@ -5795,7 +4525,6 @@
       </p:par>
     </p:tnLst>
   </p:timing>
-  <p:hf hdr="0" ftr="0" dt="0"/>
   <p:txStyles>
     <p:titleStyle>
       <a:lvl1pPr algn="l" rtl="0" eaLnBrk="1" fontAlgn="base" hangingPunct="1">
@@ -5965,8 +4694,8 @@
         </a:buClr>
         <a:buSzPct val="80000"/>
         <a:buFont typeface="Wingdings" pitchFamily="2" charset="2"/>
-        <a:buNone/>
-        <a:defRPr sz="3200">
+        <a:buChar char="§"/>
+        <a:defRPr sz="3100">
           <a:solidFill>
             <a:schemeClr val="tx1"/>
           </a:solidFill>
@@ -6306,8 +5035,8 @@
             <a:avLst/>
           </a:prstGeom>
           <a:solidFill>
-            <a:schemeClr val="bg1">
-              <a:alpha val="81000"/>
+            <a:schemeClr val="tx1">
+              <a:alpha val="50000"/>
             </a:schemeClr>
           </a:solidFill>
           <a:ln w="25400" cap="flat" cmpd="sng" algn="ctr">
@@ -6328,7 +5057,7 @@
           <a:lstStyle/>
           <a:p>
             <a:pPr algn="ctr" defTabSz="910302"/>
-            <a:endParaRPr lang="en-US" sz="3100" dirty="0" smtClean="0">
+            <a:endParaRPr lang="en-US" sz="3100" dirty="0">
               <a:solidFill>
                 <a:srgbClr val="000000"/>
               </a:solidFill>
@@ -6361,11 +5090,19 @@
           <a:lstStyle/>
           <a:p>
             <a:r>
-              <a:rPr lang="en-US" sz="4800" b="0" dirty="0" err="1" smtClean="0"/>
+              <a:rPr lang="en-US" sz="4800" dirty="0" err="1" smtClean="0">
+                <a:solidFill>
+                  <a:schemeClr val="bg1"/>
+                </a:solidFill>
+              </a:rPr>
               <a:t>Revit</a:t>
             </a:r>
             <a:r>
-              <a:rPr lang="en-US" sz="4800" b="0" dirty="0" smtClean="0"/>
+              <a:rPr lang="en-US" sz="4800" dirty="0" smtClean="0">
+                <a:solidFill>
+                  <a:schemeClr val="bg1"/>
+                </a:solidFill>
+              </a:rPr>
               <a:t> Family API</a:t>
             </a:r>
           </a:p>
@@ -6398,10 +5135,18 @@
               <a:buNone/>
             </a:pPr>
             <a:r>
-              <a:rPr lang="en-US" sz="2800" i="1" dirty="0" smtClean="0"/>
+              <a:rPr lang="en-US" sz="2800" i="1" dirty="0" smtClean="0">
+                <a:solidFill>
+                  <a:schemeClr val="bg1"/>
+                </a:solidFill>
+              </a:rPr>
               <a:t> </a:t>
             </a:r>
-            <a:endParaRPr lang="en-US" sz="2400" i="1" dirty="0" smtClean="0"/>
+            <a:endParaRPr lang="en-US" sz="2400" i="1" dirty="0" smtClean="0">
+              <a:solidFill>
+                <a:schemeClr val="bg1"/>
+              </a:solidFill>
+            </a:endParaRPr>
           </a:p>
           <a:p>
             <a:pPr marL="0" indent="0">
@@ -6411,11 +5156,19 @@
               <a:buNone/>
             </a:pPr>
             <a:r>
-              <a:rPr lang="en-US" sz="2400" i="1" dirty="0" smtClean="0"/>
+              <a:rPr lang="en-US" sz="2400" i="1" dirty="0" smtClean="0">
+                <a:solidFill>
+                  <a:schemeClr val="bg1"/>
+                </a:solidFill>
+              </a:rPr>
               <a:t>Developer Technical Service</a:t>
             </a:r>
             <a:r>
-              <a:rPr lang="en-US" sz="2400" dirty="0" smtClean="0"/>
+              <a:rPr lang="en-US" sz="2400" dirty="0" smtClean="0">
+                <a:solidFill>
+                  <a:schemeClr val="bg1"/>
+                </a:solidFill>
+              </a:rPr>
               <a:t>s </a:t>
             </a:r>
           </a:p>
@@ -8818,6 +7571,52 @@
       </p:grpSpPr>
       <p:sp>
         <p:nvSpPr>
+          <p:cNvPr id="2" name="Title 1"/>
+          <p:cNvSpPr>
+            <a:spLocks noGrp="1"/>
+          </p:cNvSpPr>
+          <p:nvPr>
+            <p:ph type="title"/>
+          </p:nvPr>
+        </p:nvSpPr>
+        <p:spPr/>
+        <p:txBody>
+          <a:bodyPr/>
+          <a:lstStyle/>
+          <a:p>
+            <a:r>
+              <a:rPr lang="en-US" dirty="0" smtClean="0"/>
+              <a:t>Family API along Best Practice</a:t>
+            </a:r>
+            <a:r>
+              <a:rPr lang="en-US" b="0" i="1" dirty="0" smtClean="0">
+                <a:solidFill>
+                  <a:schemeClr val="accent4"/>
+                </a:solidFill>
+              </a:rPr>
+              <a:t> </a:t>
+            </a:r>
+            <a:br>
+              <a:rPr lang="en-US" b="0" i="1" dirty="0" smtClean="0">
+                <a:solidFill>
+                  <a:schemeClr val="accent4"/>
+                </a:solidFill>
+              </a:rPr>
+            </a:br>
+            <a:r>
+              <a:rPr lang="en-US" sz="2800" b="0" i="1" dirty="0" smtClean="0">
+                <a:solidFill>
+                  <a:schemeClr val="accent4"/>
+                </a:solidFill>
+              </a:rPr>
+              <a:t>Example: Simple L-shape column</a:t>
+            </a:r>
+            <a:endParaRPr lang="en-US" sz="2800" dirty="0"/>
+          </a:p>
+        </p:txBody>
+      </p:sp>
+      <p:sp>
+        <p:nvSpPr>
           <p:cNvPr id="3" name="Content Placeholder 2"/>
           <p:cNvSpPr>
             <a:spLocks noGrp="1"/>
@@ -8870,52 +7669,6 @@
           </a:p>
           <a:p>
             <a:endParaRPr lang="en-US" dirty="0"/>
-          </a:p>
-        </p:txBody>
-      </p:sp>
-      <p:sp>
-        <p:nvSpPr>
-          <p:cNvPr id="2" name="Title 1"/>
-          <p:cNvSpPr>
-            <a:spLocks noGrp="1"/>
-          </p:cNvSpPr>
-          <p:nvPr>
-            <p:ph type="title"/>
-          </p:nvPr>
-        </p:nvSpPr>
-        <p:spPr/>
-        <p:txBody>
-          <a:bodyPr/>
-          <a:lstStyle/>
-          <a:p>
-            <a:r>
-              <a:rPr lang="en-US" dirty="0" smtClean="0"/>
-              <a:t>Family API along Best Practice</a:t>
-            </a:r>
-            <a:r>
-              <a:rPr lang="en-US" b="0" i="1" dirty="0" smtClean="0">
-                <a:solidFill>
-                  <a:schemeClr val="accent4"/>
-                </a:solidFill>
-              </a:rPr>
-              <a:t> </a:t>
-            </a:r>
-            <a:br>
-              <a:rPr lang="en-US" b="0" i="1" dirty="0" smtClean="0">
-                <a:solidFill>
-                  <a:schemeClr val="accent4"/>
-                </a:solidFill>
-              </a:rPr>
-            </a:br>
-            <a:r>
-              <a:rPr lang="en-US" sz="2800" b="0" i="1" dirty="0" smtClean="0">
-                <a:solidFill>
-                  <a:schemeClr val="accent4"/>
-                </a:solidFill>
-              </a:rPr>
-              <a:t>Example: Simple L-shape column</a:t>
-            </a:r>
-            <a:endParaRPr lang="en-US" sz="2800" dirty="0"/>
           </a:p>
         </p:txBody>
       </p:sp>
@@ -20189,15 +18942,7 @@
                 <a:ea typeface="MS Mincho"/>
                 <a:cs typeface="Times New Roman"/>
               </a:rPr>
-              <a:t>(p0</a:t>
-            </a:r>
-            <a:r>
-              <a:rPr lang="en-US" sz="1800" dirty="0" smtClean="0">
-                <a:latin typeface="Courier New"/>
-                <a:ea typeface="MS Mincho"/>
-                <a:cs typeface="Times New Roman"/>
-              </a:rPr>
-              <a:t>, p1)</a:t>
+              <a:t>(p0, p1)</a:t>
             </a:r>
             <a:endParaRPr lang="en-US" sz="2400" dirty="0" smtClean="0">
               <a:latin typeface="Calibri"/>
@@ -22819,29 +21564,6 @@
           </a:p>
         </p:txBody>
       </p:sp>
-      <p:pic>
-        <p:nvPicPr>
-          <p:cNvPr id="14" name="Content Placeholder 13" descr="Family Type dialog new name.PNG"/>
-          <p:cNvPicPr>
-            <a:picLocks noGrp="1" noChangeAspect="1"/>
-          </p:cNvPicPr>
-          <p:nvPr>
-            <p:ph idx="1"/>
-          </p:nvPr>
-        </p:nvPicPr>
-        <p:blipFill>
-          <a:blip r:embed="rId2" cstate="print"/>
-          <a:stretch>
-            <a:fillRect/>
-          </a:stretch>
-        </p:blipFill>
-        <p:spPr>
-          <a:xfrm>
-            <a:off x="6200774" y="5259387"/>
-            <a:ext cx="6629401" cy="3660713"/>
-          </a:xfrm>
-        </p:spPr>
-      </p:pic>
       <p:sp>
         <p:nvSpPr>
           <p:cNvPr id="10" name="Oval 9"/>
@@ -22908,6 +21630,29 @@
           </a:p>
         </p:txBody>
       </p:sp>
+      <p:pic>
+        <p:nvPicPr>
+          <p:cNvPr id="14" name="Content Placeholder 13" descr="Family Type dialog new name.PNG"/>
+          <p:cNvPicPr>
+            <a:picLocks noGrp="1" noChangeAspect="1"/>
+          </p:cNvPicPr>
+          <p:nvPr>
+            <p:ph idx="1"/>
+          </p:nvPr>
+        </p:nvPicPr>
+        <p:blipFill>
+          <a:blip r:embed="rId2" cstate="print"/>
+          <a:stretch>
+            <a:fillRect/>
+          </a:stretch>
+        </p:blipFill>
+        <p:spPr>
+          <a:xfrm>
+            <a:off x="3326606" y="3757612"/>
+            <a:ext cx="6296025" cy="3476625"/>
+          </a:xfrm>
+        </p:spPr>
+      </p:pic>
     </p:spTree>
   </p:cSld>
   <p:clrMapOvr>
@@ -22917,7 +21662,83 @@
   <p:timing>
     <p:tnLst>
       <p:par>
-        <p:cTn id="1" dur="indefinite" restart="never" nodeType="tmRoot"/>
+        <p:cTn id="1" dur="indefinite" restart="never" nodeType="tmRoot">
+          <p:childTnLst>
+            <p:seq concurrent="1" nextAc="seek">
+              <p:cTn id="2" dur="indefinite" nodeType="mainSeq">
+                <p:childTnLst>
+                  <p:par>
+                    <p:cTn id="3" fill="hold">
+                      <p:stCondLst>
+                        <p:cond delay="indefinite"/>
+                      </p:stCondLst>
+                      <p:childTnLst>
+                        <p:par>
+                          <p:cTn id="4" fill="hold">
+                            <p:stCondLst>
+                              <p:cond delay="0"/>
+                            </p:stCondLst>
+                            <p:childTnLst>
+                              <p:par>
+                                <p:cTn id="5" presetID="10" presetClass="entr" presetSubtype="0" fill="hold" nodeType="clickEffect">
+                                  <p:stCondLst>
+                                    <p:cond delay="0"/>
+                                  </p:stCondLst>
+                                  <p:childTnLst>
+                                    <p:set>
+                                      <p:cBhvr>
+                                        <p:cTn id="6" dur="1" fill="hold">
+                                          <p:stCondLst>
+                                            <p:cond delay="0"/>
+                                          </p:stCondLst>
+                                        </p:cTn>
+                                        <p:tgtEl>
+                                          <p:spTgt spid="14"/>
+                                        </p:tgtEl>
+                                        <p:attrNameLst>
+                                          <p:attrName>style.visibility</p:attrName>
+                                        </p:attrNameLst>
+                                      </p:cBhvr>
+                                      <p:to>
+                                        <p:strVal val="visible"/>
+                                      </p:to>
+                                    </p:set>
+                                    <p:animEffect transition="in" filter="fade">
+                                      <p:cBhvr>
+                                        <p:cTn id="7" dur="500"/>
+                                        <p:tgtEl>
+                                          <p:spTgt spid="14"/>
+                                        </p:tgtEl>
+                                      </p:cBhvr>
+                                    </p:animEffect>
+                                  </p:childTnLst>
+                                </p:cTn>
+                              </p:par>
+                            </p:childTnLst>
+                          </p:cTn>
+                        </p:par>
+                      </p:childTnLst>
+                    </p:cTn>
+                  </p:par>
+                </p:childTnLst>
+              </p:cTn>
+              <p:prevCondLst>
+                <p:cond evt="onPrev" delay="0">
+                  <p:tgtEl>
+                    <p:sldTgt/>
+                  </p:tgtEl>
+                </p:cond>
+              </p:prevCondLst>
+              <p:nextCondLst>
+                <p:cond evt="onNext" delay="0">
+                  <p:tgtEl>
+                    <p:sldTgt/>
+                  </p:tgtEl>
+                </p:cond>
+              </p:nextCondLst>
+            </p:seq>
+          </p:childTnLst>
+        </p:cTn>
       </p:par>
     </p:tnLst>
   </p:timing>
@@ -23124,6 +21945,40 @@
           </a:p>
         </p:txBody>
       </p:sp>
+      <p:sp>
+        <p:nvSpPr>
+          <p:cNvPr id="3" name="Content Placeholder 2"/>
+          <p:cNvSpPr>
+            <a:spLocks noGrp="1"/>
+          </p:cNvSpPr>
+          <p:nvPr>
+            <p:ph idx="1"/>
+          </p:nvPr>
+        </p:nvSpPr>
+        <p:spPr>
+          <a:xfrm>
+            <a:off x="593725" y="2146491"/>
+            <a:ext cx="6140450" cy="1741296"/>
+          </a:xfrm>
+        </p:spPr>
+        <p:txBody>
+          <a:bodyPr/>
+          <a:lstStyle/>
+          <a:p>
+            <a:r>
+              <a:rPr lang="en-US" dirty="0" smtClean="0"/>
+              <a:t>Add a solid</a:t>
+            </a:r>
+          </a:p>
+          <a:p>
+            <a:r>
+              <a:rPr lang="en-US" dirty="0" smtClean="0"/>
+              <a:t>Add alignments </a:t>
+            </a:r>
+            <a:endParaRPr lang="en-US" dirty="0"/>
+          </a:p>
+        </p:txBody>
+      </p:sp>
       <p:pic>
         <p:nvPicPr>
           <p:cNvPr id="6" name="Picture 5" descr="7 add solid 600x600.PNG"/>
@@ -23151,40 +22006,6 @@
           </a:ln>
         </p:spPr>
       </p:pic>
-      <p:sp>
-        <p:nvSpPr>
-          <p:cNvPr id="3" name="Content Placeholder 2"/>
-          <p:cNvSpPr>
-            <a:spLocks noGrp="1"/>
-          </p:cNvSpPr>
-          <p:nvPr>
-            <p:ph idx="1"/>
-          </p:nvPr>
-        </p:nvSpPr>
-        <p:spPr>
-          <a:xfrm>
-            <a:off x="593725" y="2146491"/>
-            <a:ext cx="6140450" cy="1741296"/>
-          </a:xfrm>
-        </p:spPr>
-        <p:txBody>
-          <a:bodyPr/>
-          <a:lstStyle/>
-          <a:p>
-            <a:r>
-              <a:rPr lang="en-US" dirty="0" smtClean="0"/>
-              <a:t>Add a solid</a:t>
-            </a:r>
-          </a:p>
-          <a:p>
-            <a:r>
-              <a:rPr lang="en-US" dirty="0" smtClean="0"/>
-              <a:t>Add alignments </a:t>
-            </a:r>
-            <a:endParaRPr lang="en-US" dirty="0"/>
-          </a:p>
-        </p:txBody>
-      </p:sp>
     </p:spTree>
   </p:cSld>
   <p:clrMapOvr>
@@ -23924,11 +22745,6 @@
               </a:rPr>
               <a:t>) </a:t>
             </a:r>
-            <a:endParaRPr lang="en-US" sz="1800" dirty="0" smtClean="0">
-              <a:latin typeface="Courier New"/>
-              <a:ea typeface="MS Mincho"/>
-              <a:cs typeface="Times New Roman"/>
-            </a:endParaRPr>
           </a:p>
           <a:p>
             <a:pPr marL="0" marR="0">
@@ -24632,7 +23448,83 @@
   <p:timing>
     <p:tnLst>
       <p:par>
-        <p:cTn id="1" dur="indefinite" restart="never" nodeType="tmRoot"/>
+        <p:cTn id="1" dur="indefinite" restart="never" nodeType="tmRoot">
+          <p:childTnLst>
+            <p:seq concurrent="1" nextAc="seek">
+              <p:cTn id="2" dur="indefinite" nodeType="mainSeq">
+                <p:childTnLst>
+                  <p:par>
+                    <p:cTn id="3" fill="hold">
+                      <p:stCondLst>
+                        <p:cond delay="indefinite"/>
+                      </p:stCondLst>
+                      <p:childTnLst>
+                        <p:par>
+                          <p:cTn id="4" fill="hold">
+                            <p:stCondLst>
+                              <p:cond delay="0"/>
+                            </p:stCondLst>
+                            <p:childTnLst>
+                              <p:par>
+                                <p:cTn id="5" presetID="10" presetClass="entr" presetSubtype="0" fill="hold" nodeType="clickEffect">
+                                  <p:stCondLst>
+                                    <p:cond delay="0"/>
+                                  </p:stCondLst>
+                                  <p:childTnLst>
+                                    <p:set>
+                                      <p:cBhvr>
+                                        <p:cTn id="6" dur="1" fill="hold">
+                                          <p:stCondLst>
+                                            <p:cond delay="0"/>
+                                          </p:stCondLst>
+                                        </p:cTn>
+                                        <p:tgtEl>
+                                          <p:spTgt spid="10"/>
+                                        </p:tgtEl>
+                                        <p:attrNameLst>
+                                          <p:attrName>style.visibility</p:attrName>
+                                        </p:attrNameLst>
+                                      </p:cBhvr>
+                                      <p:to>
+                                        <p:strVal val="visible"/>
+                                      </p:to>
+                                    </p:set>
+                                    <p:animEffect transition="in" filter="fade">
+                                      <p:cBhvr>
+                                        <p:cTn id="7" dur="500"/>
+                                        <p:tgtEl>
+                                          <p:spTgt spid="10"/>
+                                        </p:tgtEl>
+                                      </p:cBhvr>
+                                    </p:animEffect>
+                                  </p:childTnLst>
+                                </p:cTn>
+                              </p:par>
+                            </p:childTnLst>
+                          </p:cTn>
+                        </p:par>
+                      </p:childTnLst>
+                    </p:cTn>
+                  </p:par>
+                </p:childTnLst>
+              </p:cTn>
+              <p:prevCondLst>
+                <p:cond evt="onPrev" delay="0">
+                  <p:tgtEl>
+                    <p:sldTgt/>
+                  </p:tgtEl>
+                </p:cond>
+              </p:prevCondLst>
+              <p:nextCondLst>
+                <p:cond evt="onNext" delay="0">
+                  <p:tgtEl>
+                    <p:sldTgt/>
+                  </p:tgtEl>
+                </p:cond>
+              </p:nextCondLst>
+            </p:seq>
+          </p:childTnLst>
+        </p:cTn>
       </p:par>
     </p:tnLst>
   </p:timing>
@@ -24656,6 +23548,52 @@
           <a:chExt cx="0" cy="0"/>
         </a:xfrm>
       </p:grpSpPr>
+      <p:sp>
+        <p:nvSpPr>
+          <p:cNvPr id="2" name="Title 1"/>
+          <p:cNvSpPr>
+            <a:spLocks noGrp="1"/>
+          </p:cNvSpPr>
+          <p:nvPr>
+            <p:ph type="title"/>
+          </p:nvPr>
+        </p:nvSpPr>
+        <p:spPr/>
+        <p:txBody>
+          <a:bodyPr/>
+          <a:lstStyle/>
+          <a:p>
+            <a:r>
+              <a:rPr lang="en-US" dirty="0" smtClean="0"/>
+              <a:t>7a. Add Single Level of Geometry</a:t>
+            </a:r>
+            <a:r>
+              <a:rPr lang="en-US" b="0" i="1" dirty="0" smtClean="0">
+                <a:solidFill>
+                  <a:schemeClr val="accent4"/>
+                </a:solidFill>
+              </a:rPr>
+              <a:t> </a:t>
+            </a:r>
+            <a:br>
+              <a:rPr lang="en-US" b="0" i="1" dirty="0" smtClean="0">
+                <a:solidFill>
+                  <a:schemeClr val="accent4"/>
+                </a:solidFill>
+              </a:rPr>
+            </a:br>
+            <a:r>
+              <a:rPr lang="en-US" sz="2800" b="0" i="1" dirty="0" smtClean="0">
+                <a:solidFill>
+                  <a:schemeClr val="accent4"/>
+                </a:solidFill>
+              </a:rPr>
+              <a:t>Example: L-shape profile</a:t>
+            </a:r>
+            <a:endParaRPr lang="en-US" sz="2800" dirty="0"/>
+          </a:p>
+        </p:txBody>
+      </p:sp>
       <p:sp>
         <p:nvSpPr>
           <p:cNvPr id="13" name="Content Placeholder 12"/>
@@ -26535,52 +25473,6 @@
               <a:t>Function</a:t>
             </a:r>
             <a:endParaRPr lang="en-US" sz="1800" dirty="0"/>
-          </a:p>
-        </p:txBody>
-      </p:sp>
-      <p:sp>
-        <p:nvSpPr>
-          <p:cNvPr id="2" name="Title 1"/>
-          <p:cNvSpPr>
-            <a:spLocks noGrp="1"/>
-          </p:cNvSpPr>
-          <p:nvPr>
-            <p:ph type="title"/>
-          </p:nvPr>
-        </p:nvSpPr>
-        <p:spPr/>
-        <p:txBody>
-          <a:bodyPr/>
-          <a:lstStyle/>
-          <a:p>
-            <a:r>
-              <a:rPr lang="en-US" dirty="0" smtClean="0"/>
-              <a:t>7a. Add Single Level of Geometry</a:t>
-            </a:r>
-            <a:r>
-              <a:rPr lang="en-US" b="0" i="1" dirty="0" smtClean="0">
-                <a:solidFill>
-                  <a:schemeClr val="accent4"/>
-                </a:solidFill>
-              </a:rPr>
-              <a:t> </a:t>
-            </a:r>
-            <a:br>
-              <a:rPr lang="en-US" b="0" i="1" dirty="0" smtClean="0">
-                <a:solidFill>
-                  <a:schemeClr val="accent4"/>
-                </a:solidFill>
-              </a:rPr>
-            </a:br>
-            <a:r>
-              <a:rPr lang="en-US" sz="2800" b="0" i="1" dirty="0" smtClean="0">
-                <a:solidFill>
-                  <a:schemeClr val="accent4"/>
-                </a:solidFill>
-              </a:rPr>
-              <a:t>Example: L-shape profile</a:t>
-            </a:r>
-            <a:endParaRPr lang="en-US" sz="2800" dirty="0"/>
           </a:p>
         </p:txBody>
       </p:sp>
@@ -34558,13 +33450,7 @@
               <a:rPr lang="en-GB" sz="2100" dirty="0" smtClean="0">
                 <a:hlinkClick r:id="rId3"/>
               </a:rPr>
-              <a:t>Family </a:t>
-            </a:r>
-            <a:r>
-              <a:rPr lang="en-GB" sz="2100" dirty="0" smtClean="0">
-                <a:hlinkClick r:id="rId3"/>
-              </a:rPr>
-              <a:t>Creation</a:t>
+              <a:t>Family Creation</a:t>
             </a:r>
             <a:endParaRPr lang="en-GB" sz="2100" dirty="0" smtClean="0"/>
           </a:p>
@@ -34720,11 +33606,7 @@
             </a:r>
             <a:r>
               <a:rPr lang="en-GB" sz="2800" dirty="0" smtClean="0"/>
-              <a:t> Revit API </a:t>
-            </a:r>
-            <a:r>
-              <a:rPr lang="en-GB" sz="2800" dirty="0" smtClean="0"/>
-              <a:t>Blog</a:t>
+              <a:t> Revit API Blog</a:t>
             </a:r>
           </a:p>
           <a:p>
@@ -35276,38 +34158,17 @@
           <a:chExt cx="0" cy="0"/>
         </a:xfrm>
       </p:grpSpPr>
-      <p:pic>
-        <p:nvPicPr>
-          <p:cNvPr id="4" name="Picture 3" descr="ADSK_Last_slide.jpg"/>
-          <p:cNvPicPr>
-            <a:picLocks noChangeAspect="1"/>
-          </p:cNvPicPr>
-          <p:nvPr/>
-        </p:nvPicPr>
-        <p:blipFill>
-          <a:blip r:embed="rId3" cstate="print"/>
-          <a:stretch>
-            <a:fillRect/>
-          </a:stretch>
-        </p:blipFill>
-        <p:spPr>
-          <a:xfrm>
-            <a:off x="0" y="1587"/>
-            <a:ext cx="13011149" cy="9753600"/>
-          </a:xfrm>
-          <a:prstGeom prst="rect">
-            <a:avLst/>
-          </a:prstGeom>
-        </p:spPr>
-      </p:pic>
     </p:spTree>
+    <p:extLst>
+      <p:ext uri="{BB962C8B-B14F-4D97-AF65-F5344CB8AC3E}">
+        <p14:creationId xmlns:p14="http://schemas.microsoft.com/office/powerpoint/2010/main" val="1737696397"/>
+      </p:ext>
+    </p:extLst>
   </p:cSld>
   <p:clrMapOvr>
     <a:masterClrMapping/>
   </p:clrMapOvr>
-  <p:transition>
-    <p:fade thruBlk="1"/>
-  </p:transition>
+  <p:transition/>
   <p:timing>
     <p:tnLst>
       <p:par>
@@ -35757,6 +34618,33 @@
       </p:pic>
       <p:sp>
         <p:nvSpPr>
+          <p:cNvPr id="12290" name="Rectangle 2"/>
+          <p:cNvSpPr>
+            <a:spLocks noGrp="1" noChangeArrowheads="1"/>
+          </p:cNvSpPr>
+          <p:nvPr>
+            <p:ph type="title"/>
+          </p:nvPr>
+        </p:nvSpPr>
+        <p:spPr/>
+        <p:txBody>
+          <a:bodyPr/>
+          <a:lstStyle/>
+          <a:p>
+            <a:pPr eaLnBrk="1" hangingPunct="1"/>
+            <a:r>
+              <a:rPr lang="en-GB" dirty="0" err="1" smtClean="0"/>
+              <a:t>Revit</a:t>
+            </a:r>
+            <a:r>
+              <a:rPr lang="en-GB" dirty="0" smtClean="0"/>
+              <a:t> Families Best Practice </a:t>
+            </a:r>
+          </a:p>
+        </p:txBody>
+      </p:sp>
+      <p:sp>
+        <p:nvSpPr>
           <p:cNvPr id="12291" name="Rectangle 3"/>
           <p:cNvSpPr>
             <a:spLocks noGrp="1" noChangeArrowheads="1"/>
@@ -35991,33 +34879,6 @@
             <a:endParaRPr lang="en-GB" altLang="ja-JP" dirty="0" smtClean="0">
               <a:ea typeface="ＭＳ Ｐゴシック" pitchFamily="34" charset="-128"/>
             </a:endParaRPr>
-          </a:p>
-        </p:txBody>
-      </p:sp>
-      <p:sp>
-        <p:nvSpPr>
-          <p:cNvPr id="12290" name="Rectangle 2"/>
-          <p:cNvSpPr>
-            <a:spLocks noGrp="1" noChangeArrowheads="1"/>
-          </p:cNvSpPr>
-          <p:nvPr>
-            <p:ph type="title"/>
-          </p:nvPr>
-        </p:nvSpPr>
-        <p:spPr/>
-        <p:txBody>
-          <a:bodyPr/>
-          <a:lstStyle/>
-          <a:p>
-            <a:pPr eaLnBrk="1" hangingPunct="1"/>
-            <a:r>
-              <a:rPr lang="en-GB" dirty="0" err="1" smtClean="0"/>
-              <a:t>Revit</a:t>
-            </a:r>
-            <a:r>
-              <a:rPr lang="en-GB" dirty="0" smtClean="0"/>
-              <a:t> Families Best Practice </a:t>
-            </a:r>
           </a:p>
         </p:txBody>
       </p:sp>
@@ -36476,405 +35337,7 @@
 </file>
 
 <file path=ppt/theme/theme1.xml><?xml version="1.0" encoding="utf-8"?>
-<a:theme xmlns:a="http://schemas.openxmlformats.org/drawingml/2006/main" name="ADSK_Dark">
-  <a:themeElements>
-    <a:clrScheme name="ADSK_COLORS">
-      <a:dk1>
-        <a:srgbClr val="000000"/>
-      </a:dk1>
-      <a:lt1>
-        <a:srgbClr val="FFFFFF"/>
-      </a:lt1>
-      <a:dk2>
-        <a:srgbClr val="000000"/>
-      </a:dk2>
-      <a:lt2>
-        <a:srgbClr val="FFFFFF"/>
-      </a:lt2>
-      <a:accent1>
-        <a:srgbClr val="FFAA00"/>
-      </a:accent1>
-      <a:accent2>
-        <a:srgbClr val="EE5500"/>
-      </a:accent2>
-      <a:accent3>
-        <a:srgbClr val="DD0000"/>
-      </a:accent3>
-      <a:accent4>
-        <a:srgbClr val="004282"/>
-      </a:accent4>
-      <a:accent5>
-        <a:srgbClr val="993388"/>
-      </a:accent5>
-      <a:accent6>
-        <a:srgbClr val="118888"/>
-      </a:accent6>
-      <a:hlink>
-        <a:srgbClr val="00B0F0"/>
-      </a:hlink>
-      <a:folHlink>
-        <a:srgbClr val="993388"/>
-      </a:folHlink>
-    </a:clrScheme>
-    <a:fontScheme name="ADSK_FONTS">
-      <a:majorFont>
-        <a:latin typeface="Arial"/>
-        <a:ea typeface=""/>
-        <a:cs typeface=""/>
-      </a:majorFont>
-      <a:minorFont>
-        <a:latin typeface="Arial"/>
-        <a:ea typeface=""/>
-        <a:cs typeface=""/>
-      </a:minorFont>
-    </a:fontScheme>
-    <a:fmtScheme name="Office">
-      <a:fillStyleLst>
-        <a:solidFill>
-          <a:schemeClr val="phClr"/>
-        </a:solidFill>
-        <a:gradFill rotWithShape="1">
-          <a:gsLst>
-            <a:gs pos="0">
-              <a:schemeClr val="phClr">
-                <a:tint val="50000"/>
-                <a:satMod val="300000"/>
-              </a:schemeClr>
-            </a:gs>
-            <a:gs pos="35000">
-              <a:schemeClr val="phClr">
-                <a:tint val="37000"/>
-                <a:satMod val="300000"/>
-              </a:schemeClr>
-            </a:gs>
-            <a:gs pos="100000">
-              <a:schemeClr val="phClr">
-                <a:tint val="15000"/>
-                <a:satMod val="350000"/>
-              </a:schemeClr>
-            </a:gs>
-          </a:gsLst>
-          <a:lin ang="16200000" scaled="1"/>
-        </a:gradFill>
-        <a:gradFill rotWithShape="1">
-          <a:gsLst>
-            <a:gs pos="0">
-              <a:schemeClr val="phClr">
-                <a:shade val="51000"/>
-                <a:satMod val="130000"/>
-              </a:schemeClr>
-            </a:gs>
-            <a:gs pos="80000">
-              <a:schemeClr val="phClr">
-                <a:shade val="93000"/>
-                <a:satMod val="130000"/>
-              </a:schemeClr>
-            </a:gs>
-            <a:gs pos="100000">
-              <a:schemeClr val="phClr">
-                <a:shade val="94000"/>
-                <a:satMod val="135000"/>
-              </a:schemeClr>
-            </a:gs>
-          </a:gsLst>
-          <a:lin ang="16200000" scaled="0"/>
-        </a:gradFill>
-      </a:fillStyleLst>
-      <a:lnStyleLst>
-        <a:ln w="9525" cap="flat" cmpd="sng" algn="ctr">
-          <a:solidFill>
-            <a:schemeClr val="phClr">
-              <a:shade val="95000"/>
-              <a:satMod val="105000"/>
-            </a:schemeClr>
-          </a:solidFill>
-          <a:prstDash val="solid"/>
-        </a:ln>
-        <a:ln w="25400" cap="flat" cmpd="sng" algn="ctr">
-          <a:solidFill>
-            <a:schemeClr val="phClr"/>
-          </a:solidFill>
-          <a:prstDash val="solid"/>
-        </a:ln>
-        <a:ln w="38100" cap="flat" cmpd="sng" algn="ctr">
-          <a:solidFill>
-            <a:schemeClr val="phClr"/>
-          </a:solidFill>
-          <a:prstDash val="solid"/>
-        </a:ln>
-      </a:lnStyleLst>
-      <a:effectStyleLst>
-        <a:effectStyle>
-          <a:effectLst>
-            <a:outerShdw blurRad="40000" dist="20000" dir="5400000" rotWithShape="0">
-              <a:srgbClr val="000000">
-                <a:alpha val="38000"/>
-              </a:srgbClr>
-            </a:outerShdw>
-          </a:effectLst>
-        </a:effectStyle>
-        <a:effectStyle>
-          <a:effectLst>
-            <a:outerShdw blurRad="40000" dist="23000" dir="5400000" rotWithShape="0">
-              <a:srgbClr val="000000">
-                <a:alpha val="35000"/>
-              </a:srgbClr>
-            </a:outerShdw>
-          </a:effectLst>
-        </a:effectStyle>
-        <a:effectStyle>
-          <a:effectLst>
-            <a:outerShdw blurRad="40000" dist="23000" dir="5400000" rotWithShape="0">
-              <a:srgbClr val="000000">
-                <a:alpha val="35000"/>
-              </a:srgbClr>
-            </a:outerShdw>
-          </a:effectLst>
-          <a:scene3d>
-            <a:camera prst="orthographicFront">
-              <a:rot lat="0" lon="0" rev="0"/>
-            </a:camera>
-            <a:lightRig rig="threePt" dir="t">
-              <a:rot lat="0" lon="0" rev="1200000"/>
-            </a:lightRig>
-          </a:scene3d>
-          <a:sp3d>
-            <a:bevelT w="63500" h="25400"/>
-          </a:sp3d>
-        </a:effectStyle>
-      </a:effectStyleLst>
-      <a:bgFillStyleLst>
-        <a:solidFill>
-          <a:schemeClr val="phClr"/>
-        </a:solidFill>
-        <a:gradFill rotWithShape="1">
-          <a:gsLst>
-            <a:gs pos="0">
-              <a:schemeClr val="phClr">
-                <a:tint val="40000"/>
-                <a:satMod val="350000"/>
-              </a:schemeClr>
-            </a:gs>
-            <a:gs pos="40000">
-              <a:schemeClr val="phClr">
-                <a:tint val="45000"/>
-                <a:shade val="99000"/>
-                <a:satMod val="350000"/>
-              </a:schemeClr>
-            </a:gs>
-            <a:gs pos="100000">
-              <a:schemeClr val="phClr">
-                <a:shade val="20000"/>
-                <a:satMod val="255000"/>
-              </a:schemeClr>
-            </a:gs>
-          </a:gsLst>
-          <a:path path="circle">
-            <a:fillToRect l="50000" t="-80000" r="50000" b="180000"/>
-          </a:path>
-        </a:gradFill>
-        <a:gradFill rotWithShape="1">
-          <a:gsLst>
-            <a:gs pos="0">
-              <a:schemeClr val="phClr">
-                <a:tint val="80000"/>
-                <a:satMod val="300000"/>
-              </a:schemeClr>
-            </a:gs>
-            <a:gs pos="100000">
-              <a:schemeClr val="phClr">
-                <a:shade val="30000"/>
-                <a:satMod val="200000"/>
-              </a:schemeClr>
-            </a:gs>
-          </a:gsLst>
-          <a:path path="circle">
-            <a:fillToRect l="50000" t="50000" r="50000" b="50000"/>
-          </a:path>
-        </a:gradFill>
-      </a:bgFillStyleLst>
-    </a:fmtScheme>
-  </a:themeElements>
-  <a:objectDefaults>
-    <a:spDef>
-      <a:spPr bwMode="auto">
-        <a:xfrm>
-          <a:off x="0" y="0"/>
-          <a:ext cx="1" cy="1"/>
-        </a:xfrm>
-        <a:custGeom>
-          <a:avLst/>
-          <a:gdLst/>
-          <a:ahLst/>
-          <a:cxnLst/>
-          <a:rect l="0" t="0" r="0" b="0"/>
-          <a:pathLst/>
-        </a:custGeom>
-        <a:solidFill>
-          <a:schemeClr val="accent1"/>
-        </a:solidFill>
-        <a:ln w="25400" cap="flat" cmpd="sng" algn="ctr">
-          <a:solidFill>
-            <a:srgbClr val="000000"/>
-          </a:solidFill>
-          <a:prstDash val="solid"/>
-          <a:round/>
-          <a:headEnd type="none" w="med" len="med"/>
-          <a:tailEnd type="none" w="med" len="med"/>
-        </a:ln>
-        <a:effectLst/>
-      </a:spPr>
-      <a:bodyPr vert="horz" wrap="square" lIns="91440" tIns="45720" rIns="91440" bIns="45720" numCol="1" anchor="t" anchorCtr="0" compatLnSpc="1">
-        <a:prstTxWarp prst="textNoShape">
-          <a:avLst/>
-        </a:prstTxWarp>
-      </a:bodyPr>
-      <a:lstStyle>
-        <a:defPPr marL="0" marR="0" indent="0" algn="ctr" defTabSz="914400" rtl="0" eaLnBrk="1" fontAlgn="base" latinLnBrk="0" hangingPunct="1">
-          <a:lnSpc>
-            <a:spcPct val="100000"/>
-          </a:lnSpc>
-          <a:spcBef>
-            <a:spcPct val="0"/>
-          </a:spcBef>
-          <a:spcAft>
-            <a:spcPct val="0"/>
-          </a:spcAft>
-          <a:buClrTx/>
-          <a:buSzTx/>
-          <a:buFontTx/>
-          <a:buNone/>
-          <a:tabLst/>
-          <a:defRPr kumimoji="0" lang="en-US" sz="3200" b="0" i="0" u="none" strike="noStrike" cap="none" normalizeH="0" baseline="0" smtClean="0">
-            <a:ln>
-              <a:noFill/>
-            </a:ln>
-            <a:solidFill>
-              <a:srgbClr val="000000"/>
-            </a:solidFill>
-            <a:effectLst/>
-            <a:latin typeface="Gill Sans" charset="0"/>
-            <a:ea typeface="ヒラギノ角ゴ Pro W3" charset="0"/>
-            <a:cs typeface="ヒラギノ角ゴ Pro W3" charset="0"/>
-            <a:sym typeface="Gill Sans" charset="0"/>
-          </a:defRPr>
-        </a:defPPr>
-      </a:lstStyle>
-    </a:spDef>
-    <a:lnDef>
-      <a:spPr bwMode="auto">
-        <a:xfrm>
-          <a:off x="0" y="0"/>
-          <a:ext cx="1" cy="1"/>
-        </a:xfrm>
-        <a:custGeom>
-          <a:avLst/>
-          <a:gdLst/>
-          <a:ahLst/>
-          <a:cxnLst/>
-          <a:rect l="0" t="0" r="0" b="0"/>
-          <a:pathLst/>
-        </a:custGeom>
-        <a:solidFill>
-          <a:schemeClr val="accent1"/>
-        </a:solidFill>
-        <a:ln w="25400" cap="flat" cmpd="sng" algn="ctr">
-          <a:solidFill>
-            <a:srgbClr val="000000"/>
-          </a:solidFill>
-          <a:prstDash val="solid"/>
-          <a:round/>
-          <a:headEnd type="none" w="med" len="med"/>
-          <a:tailEnd type="none" w="med" len="med"/>
-        </a:ln>
-        <a:effectLst/>
-      </a:spPr>
-      <a:bodyPr vert="horz" wrap="square" lIns="91440" tIns="45720" rIns="91440" bIns="45720" numCol="1" anchor="t" anchorCtr="0" compatLnSpc="1">
-        <a:prstTxWarp prst="textNoShape">
-          <a:avLst/>
-        </a:prstTxWarp>
-      </a:bodyPr>
-      <a:lstStyle>
-        <a:defPPr marL="0" marR="0" indent="0" algn="ctr" defTabSz="914400" rtl="0" eaLnBrk="1" fontAlgn="base" latinLnBrk="0" hangingPunct="1">
-          <a:lnSpc>
-            <a:spcPct val="100000"/>
-          </a:lnSpc>
-          <a:spcBef>
-            <a:spcPct val="0"/>
-          </a:spcBef>
-          <a:spcAft>
-            <a:spcPct val="0"/>
-          </a:spcAft>
-          <a:buClrTx/>
-          <a:buSzTx/>
-          <a:buFontTx/>
-          <a:buNone/>
-          <a:tabLst/>
-          <a:defRPr kumimoji="0" lang="en-US" sz="3200" b="0" i="0" u="none" strike="noStrike" cap="none" normalizeH="0" baseline="0" smtClean="0">
-            <a:ln>
-              <a:noFill/>
-            </a:ln>
-            <a:solidFill>
-              <a:srgbClr val="000000"/>
-            </a:solidFill>
-            <a:effectLst/>
-            <a:latin typeface="Gill Sans" charset="0"/>
-            <a:ea typeface="ヒラギノ角ゴ Pro W3" charset="0"/>
-            <a:cs typeface="ヒラギノ角ゴ Pro W3" charset="0"/>
-            <a:sym typeface="Gill Sans" charset="0"/>
-          </a:defRPr>
-        </a:defPPr>
-      </a:lstStyle>
-    </a:lnDef>
-  </a:objectDefaults>
-  <a:extraClrSchemeLst>
-    <a:extraClrScheme>
-      <a:clrScheme name="Default - Title and Content 1">
-        <a:dk1>
-          <a:srgbClr val="000000"/>
-        </a:dk1>
-        <a:lt1>
-          <a:srgbClr val="FFFFFF"/>
-        </a:lt1>
-        <a:dk2>
-          <a:srgbClr val="000000"/>
-        </a:dk2>
-        <a:lt2>
-          <a:srgbClr val="808080"/>
-        </a:lt2>
-        <a:accent1>
-          <a:srgbClr val="BBE0E3"/>
-        </a:accent1>
-        <a:accent2>
-          <a:srgbClr val="333399"/>
-        </a:accent2>
-        <a:accent3>
-          <a:srgbClr val="FFFFFF"/>
-        </a:accent3>
-        <a:accent4>
-          <a:srgbClr val="000000"/>
-        </a:accent4>
-        <a:accent5>
-          <a:srgbClr val="DAEDEF"/>
-        </a:accent5>
-        <a:accent6>
-          <a:srgbClr val="2D2D8A"/>
-        </a:accent6>
-        <a:hlink>
-          <a:srgbClr val="009999"/>
-        </a:hlink>
-        <a:folHlink>
-          <a:srgbClr val="99CC00"/>
-        </a:folHlink>
-      </a:clrScheme>
-      <a:clrMap bg1="lt1" tx1="dk1" bg2="lt2" tx2="dk2" accent1="accent1" accent2="accent2" accent3="accent3" accent4="accent4" accent5="accent5" accent6="accent6" hlink="hlink" folHlink="folHlink"/>
-    </a:extraClrScheme>
-  </a:extraClrSchemeLst>
-</a:theme>
-</file>
-
-<file path=ppt/theme/theme2.xml><?xml version="1.0" encoding="utf-8"?>
-<a:theme xmlns:a="http://schemas.openxmlformats.org/drawingml/2006/main" name="ADSK_White">
+<a:theme xmlns:a="http://schemas.openxmlformats.org/drawingml/2006/main" name="1_ADSK_White">
   <a:themeElements>
     <a:clrScheme name="ADSK_COLORS">
       <a:dk1>
@@ -37271,7 +35734,7 @@
 </a:theme>
 </file>
 
-<file path=ppt/theme/theme3.xml><?xml version="1.0" encoding="utf-8"?>
+<file path=ppt/theme/theme2.xml><?xml version="1.0" encoding="utf-8"?>
 <a:theme xmlns:a="http://schemas.openxmlformats.org/drawingml/2006/main" name="Office Theme">
   <a:themeElements>
     <a:clrScheme name="Office">
@@ -37554,7 +36017,7 @@
 </a:theme>
 </file>
 
-<file path=ppt/theme/theme4.xml><?xml version="1.0" encoding="utf-8"?>
+<file path=ppt/theme/theme3.xml><?xml version="1.0" encoding="utf-8"?>
 <a:theme xmlns:a="http://schemas.openxmlformats.org/drawingml/2006/main" name="Office Theme">
   <a:themeElements>
     <a:clrScheme name="Office">

--- a/Presentation/3_Revit_Family_API.pptx
+++ b/Presentation/3_Revit_Family_API.pptx
@@ -305,7 +305,7 @@
               <a:pPr>
                 <a:defRPr/>
               </a:pPr>
-              <a:t>4/22/2014</a:t>
+              <a:t>2/4/2015</a:t>
             </a:fld>
             <a:endParaRPr lang="en-US"/>
           </a:p>
@@ -528,7 +528,7 @@
               <a:pPr>
                 <a:defRPr/>
               </a:pPr>
-              <a:t>4/22/2014</a:t>
+              <a:t>2/4/2015</a:t>
             </a:fld>
             <a:endParaRPr lang="en-US"/>
           </a:p>
@@ -21995,7 +21995,7 @@
         </p:blipFill>
         <p:spPr>
           <a:xfrm>
-            <a:off x="1781175" y="2964727"/>
+            <a:off x="1476375" y="3157079"/>
             <a:ext cx="9467850" cy="6000750"/>
           </a:xfrm>
           <a:prstGeom prst="rect">
@@ -36301,6 +36301,15 @@
 </file>
 
 <file path=customXml/item1.xml><?xml version="1.0" encoding="utf-8"?>
+<?mso-contentType ?>
+<FormTemplates xmlns="http://schemas.microsoft.com/sharepoint/v3/contenttype/forms">
+  <Display>DocumentLibraryForm</Display>
+  <Edit>DocumentLibraryForm</Edit>
+  <New>DocumentLibraryForm</New>
+</FormTemplates>
+</file>
+
+<file path=customXml/item2.xml><?xml version="1.0" encoding="utf-8"?>
 <ct:contentTypeSchema xmlns:ct="http://schemas.microsoft.com/office/2006/metadata/contentType" xmlns:ma="http://schemas.microsoft.com/office/2006/metadata/properties/metaAttributes" ct:_="" ma:_="" ma:contentTypeName="Creative Catalog" ma:contentTypeID="0x0101003D62B9A716C08244A68E1D56ED354A9500A7EFD4C2F324CA44B4E995A506E2E1CF" ma:contentTypeVersion="31" ma:contentTypeDescription="" ma:contentTypeScope="" ma:versionID="17bc19fc9bd490bc1bda444d86d6b7f0">
   <xsd:schema xmlns:xsd="http://www.w3.org/2001/XMLSchema" xmlns:p="http://schemas.microsoft.com/office/2006/metadata/properties" xmlns:ns2="c8bab806-ca78-4cad-94f6-48e563f76e95" xmlns:ns4="f53a3603-67ad-45e2-accf-d44f8756b321" targetNamespace="http://schemas.microsoft.com/office/2006/metadata/properties" ma:root="true" ma:fieldsID="284905265c583129f8035dc0f09dfb0f" ns2:_="" ns4:_="">
     <xsd:import namespace="c8bab806-ca78-4cad-94f6-48e563f76e95"/>
@@ -36399,15 +36408,6 @@
 </ct:contentTypeSchema>
 </file>
 
-<file path=customXml/item2.xml><?xml version="1.0" encoding="utf-8"?>
-<?mso-contentType ?>
-<FormTemplates xmlns="http://schemas.microsoft.com/sharepoint/v3/contenttype/forms">
-  <Display>DocumentLibraryForm</Display>
-  <Edit>DocumentLibraryForm</Edit>
-  <New>DocumentLibraryForm</New>
-</FormTemplates>
-</file>
-
 <file path=customXml/item3.xml><?xml version="1.0" encoding="utf-8"?>
 <p:properties xmlns:p="http://schemas.microsoft.com/office/2006/metadata/properties" xmlns:xsi="http://www.w3.org/2001/XMLSchema-instance">
   <documentManagement>
@@ -36424,6 +36424,14 @@
 </file>
 
 <file path=customXml/itemProps1.xml><?xml version="1.0" encoding="utf-8"?>
+<ds:datastoreItem xmlns:ds="http://schemas.openxmlformats.org/officeDocument/2006/customXml" ds:itemID="{1B23F64D-CA4A-4BF5-9636-FF31814D07BC}">
+  <ds:schemaRefs>
+    <ds:schemaRef ds:uri="http://schemas.microsoft.com/sharepoint/v3/contenttype/forms"/>
+  </ds:schemaRefs>
+</ds:datastoreItem>
+</file>
+
+<file path=customXml/itemProps2.xml><?xml version="1.0" encoding="utf-8"?>
 <ds:datastoreItem xmlns:ds="http://schemas.openxmlformats.org/officeDocument/2006/customXml" ds:itemID="{A9644739-F05B-4EE2-A361-57034C614130}">
   <ds:schemaRefs>
     <ds:schemaRef ds:uri="http://schemas.microsoft.com/office/2006/metadata/contentType"/>
@@ -36441,14 +36449,6 @@
 </ds:datastoreItem>
 </file>
 
-<file path=customXml/itemProps2.xml><?xml version="1.0" encoding="utf-8"?>
-<ds:datastoreItem xmlns:ds="http://schemas.openxmlformats.org/officeDocument/2006/customXml" ds:itemID="{1B23F64D-CA4A-4BF5-9636-FF31814D07BC}">
-  <ds:schemaRefs>
-    <ds:schemaRef ds:uri="http://schemas.microsoft.com/sharepoint/v3/contenttype/forms"/>
-  </ds:schemaRefs>
-</ds:datastoreItem>
-</file>
-
 <file path=customXml/itemProps3.xml><?xml version="1.0" encoding="utf-8"?>
 <ds:datastoreItem xmlns:ds="http://schemas.openxmlformats.org/officeDocument/2006/customXml" ds:itemID="{6307AE55-A139-4AD7-ACEE-00E455099D23}">
   <ds:schemaRefs>

--- a/Presentation/3_Revit_Family_API.pptx
+++ b/Presentation/3_Revit_Family_API.pptx
@@ -191,6 +191,36 @@
       </a:defRPr>
     </a:lvl9pPr>
   </p:defaultTextStyle>
+  <p:extLst>
+    <p:ext uri="{EFAFB233-063F-42B5-8137-9DF3F51BA10A}">
+      <p15:sldGuideLst xmlns:p15="http://schemas.microsoft.com/office/powerpoint/2012/main">
+        <p15:guide id="1" orient="horz" pos="3073">
+          <p15:clr>
+            <a:srgbClr val="A4A3A4"/>
+          </p15:clr>
+        </p15:guide>
+        <p15:guide id="2" pos="4098">
+          <p15:clr>
+            <a:srgbClr val="A4A3A4"/>
+          </p15:clr>
+        </p15:guide>
+      </p15:sldGuideLst>
+    </p:ext>
+    <p:ext uri="{2D200454-40CA-4A62-9FC3-DE9A4176ACB9}">
+      <p15:notesGuideLst xmlns:p15="http://schemas.microsoft.com/office/powerpoint/2012/main">
+        <p15:guide id="1" orient="horz" pos="3131">
+          <p15:clr>
+            <a:srgbClr val="A4A3A4"/>
+          </p15:clr>
+        </p15:guide>
+        <p15:guide id="2" pos="2144">
+          <p15:clr>
+            <a:srgbClr val="A4A3A4"/>
+          </p15:clr>
+        </p15:guide>
+      </p15:notesGuideLst>
+    </p:ext>
+  </p:extLst>
 </p:presentation>
 </file>
 
@@ -305,7 +335,7 @@
               <a:pPr>
                 <a:defRPr/>
               </a:pPr>
-              <a:t>2/4/2015</a:t>
+              <a:t>7/15/2016</a:t>
             </a:fld>
             <a:endParaRPr lang="en-US"/>
           </a:p>
@@ -528,7 +558,7 @@
               <a:pPr>
                 <a:defRPr/>
               </a:pPr>
-              <a:t>2/4/2015</a:t>
+              <a:t>7/15/2016</a:t>
             </a:fld>
             <a:endParaRPr lang="en-US"/>
           </a:p>
@@ -933,6 +963,11 @@
         </p:txBody>
       </p:sp>
     </p:spTree>
+    <p:extLst>
+      <p:ext uri="{BB962C8B-B14F-4D97-AF65-F5344CB8AC3E}">
+        <p14:creationId xmlns:p14="http://schemas.microsoft.com/office/powerpoint/2010/main" val="2495852259"/>
+      </p:ext>
+    </p:extLst>
   </p:cSld>
   <p:clrMapOvr>
     <a:masterClrMapping/>
@@ -1020,6 +1055,11 @@
         </p:txBody>
       </p:sp>
     </p:spTree>
+    <p:extLst>
+      <p:ext uri="{BB962C8B-B14F-4D97-AF65-F5344CB8AC3E}">
+        <p14:creationId xmlns:p14="http://schemas.microsoft.com/office/powerpoint/2010/main" val="3618040590"/>
+      </p:ext>
+    </p:extLst>
   </p:cSld>
   <p:clrMapOvr>
     <a:masterClrMapping/>
@@ -1107,6 +1147,11 @@
         </p:txBody>
       </p:sp>
     </p:spTree>
+    <p:extLst>
+      <p:ext uri="{BB962C8B-B14F-4D97-AF65-F5344CB8AC3E}">
+        <p14:creationId xmlns:p14="http://schemas.microsoft.com/office/powerpoint/2010/main" val="89959874"/>
+      </p:ext>
+    </p:extLst>
   </p:cSld>
   <p:clrMapOvr>
     <a:masterClrMapping/>
@@ -1194,6 +1239,11 @@
         </p:txBody>
       </p:sp>
     </p:spTree>
+    <p:extLst>
+      <p:ext uri="{BB962C8B-B14F-4D97-AF65-F5344CB8AC3E}">
+        <p14:creationId xmlns:p14="http://schemas.microsoft.com/office/powerpoint/2010/main" val="417302754"/>
+      </p:ext>
+    </p:extLst>
   </p:cSld>
   <p:clrMapOvr>
     <a:masterClrMapping/>
@@ -1281,6 +1331,11 @@
         </p:txBody>
       </p:sp>
     </p:spTree>
+    <p:extLst>
+      <p:ext uri="{BB962C8B-B14F-4D97-AF65-F5344CB8AC3E}">
+        <p14:creationId xmlns:p14="http://schemas.microsoft.com/office/powerpoint/2010/main" val="313441318"/>
+      </p:ext>
+    </p:extLst>
   </p:cSld>
   <p:clrMapOvr>
     <a:masterClrMapping/>
@@ -1368,6 +1423,11 @@
         </p:txBody>
       </p:sp>
     </p:spTree>
+    <p:extLst>
+      <p:ext uri="{BB962C8B-B14F-4D97-AF65-F5344CB8AC3E}">
+        <p14:creationId xmlns:p14="http://schemas.microsoft.com/office/powerpoint/2010/main" val="4285869929"/>
+      </p:ext>
+    </p:extLst>
   </p:cSld>
   <p:clrMapOvr>
     <a:masterClrMapping/>
@@ -1455,6 +1515,11 @@
         </p:txBody>
       </p:sp>
     </p:spTree>
+    <p:extLst>
+      <p:ext uri="{BB962C8B-B14F-4D97-AF65-F5344CB8AC3E}">
+        <p14:creationId xmlns:p14="http://schemas.microsoft.com/office/powerpoint/2010/main" val="3414102978"/>
+      </p:ext>
+    </p:extLst>
   </p:cSld>
   <p:clrMapOvr>
     <a:masterClrMapping/>
@@ -1550,6 +1615,11 @@
         </p:txBody>
       </p:sp>
     </p:spTree>
+    <p:extLst>
+      <p:ext uri="{BB962C8B-B14F-4D97-AF65-F5344CB8AC3E}">
+        <p14:creationId xmlns:p14="http://schemas.microsoft.com/office/powerpoint/2010/main" val="3723165989"/>
+      </p:ext>
+    </p:extLst>
   </p:cSld>
   <p:clrMapOvr>
     <a:masterClrMapping/>
@@ -1637,6 +1707,11 @@
         </p:txBody>
       </p:sp>
     </p:spTree>
+    <p:extLst>
+      <p:ext uri="{BB962C8B-B14F-4D97-AF65-F5344CB8AC3E}">
+        <p14:creationId xmlns:p14="http://schemas.microsoft.com/office/powerpoint/2010/main" val="2869093932"/>
+      </p:ext>
+    </p:extLst>
   </p:cSld>
   <p:clrMapOvr>
     <a:masterClrMapping/>
@@ -1724,6 +1799,11 @@
         </p:txBody>
       </p:sp>
     </p:spTree>
+    <p:extLst>
+      <p:ext uri="{BB962C8B-B14F-4D97-AF65-F5344CB8AC3E}">
+        <p14:creationId xmlns:p14="http://schemas.microsoft.com/office/powerpoint/2010/main" val="1624662357"/>
+      </p:ext>
+    </p:extLst>
   </p:cSld>
   <p:clrMapOvr>
     <a:masterClrMapping/>
@@ -1811,6 +1891,11 @@
         </p:txBody>
       </p:sp>
     </p:spTree>
+    <p:extLst>
+      <p:ext uri="{BB962C8B-B14F-4D97-AF65-F5344CB8AC3E}">
+        <p14:creationId xmlns:p14="http://schemas.microsoft.com/office/powerpoint/2010/main" val="485569712"/>
+      </p:ext>
+    </p:extLst>
   </p:cSld>
   <p:clrMapOvr>
     <a:masterClrMapping/>
@@ -1898,6 +1983,11 @@
         </p:txBody>
       </p:sp>
     </p:spTree>
+    <p:extLst>
+      <p:ext uri="{BB962C8B-B14F-4D97-AF65-F5344CB8AC3E}">
+        <p14:creationId xmlns:p14="http://schemas.microsoft.com/office/powerpoint/2010/main" val="2190388165"/>
+      </p:ext>
+    </p:extLst>
   </p:cSld>
   <p:clrMapOvr>
     <a:masterClrMapping/>
@@ -1985,6 +2075,11 @@
         </p:txBody>
       </p:sp>
     </p:spTree>
+    <p:extLst>
+      <p:ext uri="{BB962C8B-B14F-4D97-AF65-F5344CB8AC3E}">
+        <p14:creationId xmlns:p14="http://schemas.microsoft.com/office/powerpoint/2010/main" val="1439044428"/>
+      </p:ext>
+    </p:extLst>
   </p:cSld>
   <p:clrMapOvr>
     <a:masterClrMapping/>
@@ -2072,6 +2167,11 @@
         </p:txBody>
       </p:sp>
     </p:spTree>
+    <p:extLst>
+      <p:ext uri="{BB962C8B-B14F-4D97-AF65-F5344CB8AC3E}">
+        <p14:creationId xmlns:p14="http://schemas.microsoft.com/office/powerpoint/2010/main" val="3235392618"/>
+      </p:ext>
+    </p:extLst>
   </p:cSld>
   <p:clrMapOvr>
     <a:masterClrMapping/>
@@ -2159,6 +2259,11 @@
         </p:txBody>
       </p:sp>
     </p:spTree>
+    <p:extLst>
+      <p:ext uri="{BB962C8B-B14F-4D97-AF65-F5344CB8AC3E}">
+        <p14:creationId xmlns:p14="http://schemas.microsoft.com/office/powerpoint/2010/main" val="1528875951"/>
+      </p:ext>
+    </p:extLst>
   </p:cSld>
   <p:clrMapOvr>
     <a:masterClrMapping/>
@@ -2254,6 +2359,11 @@
         </p:txBody>
       </p:sp>
     </p:spTree>
+    <p:extLst>
+      <p:ext uri="{BB962C8B-B14F-4D97-AF65-F5344CB8AC3E}">
+        <p14:creationId xmlns:p14="http://schemas.microsoft.com/office/powerpoint/2010/main" val="2164190704"/>
+      </p:ext>
+    </p:extLst>
   </p:cSld>
   <p:clrMapOvr>
     <a:masterClrMapping/>
@@ -2349,6 +2459,11 @@
         </p:txBody>
       </p:sp>
     </p:spTree>
+    <p:extLst>
+      <p:ext uri="{BB962C8B-B14F-4D97-AF65-F5344CB8AC3E}">
+        <p14:creationId xmlns:p14="http://schemas.microsoft.com/office/powerpoint/2010/main" val="746682570"/>
+      </p:ext>
+    </p:extLst>
   </p:cSld>
   <p:clrMapOvr>
     <a:masterClrMapping/>
@@ -2436,6 +2551,11 @@
         </p:txBody>
       </p:sp>
     </p:spTree>
+    <p:extLst>
+      <p:ext uri="{BB962C8B-B14F-4D97-AF65-F5344CB8AC3E}">
+        <p14:creationId xmlns:p14="http://schemas.microsoft.com/office/powerpoint/2010/main" val="3978807905"/>
+      </p:ext>
+    </p:extLst>
   </p:cSld>
   <p:clrMapOvr>
     <a:masterClrMapping/>
@@ -2523,6 +2643,11 @@
         </p:txBody>
       </p:sp>
     </p:spTree>
+    <p:extLst>
+      <p:ext uri="{BB962C8B-B14F-4D97-AF65-F5344CB8AC3E}">
+        <p14:creationId xmlns:p14="http://schemas.microsoft.com/office/powerpoint/2010/main" val="3909517189"/>
+      </p:ext>
+    </p:extLst>
   </p:cSld>
   <p:clrMapOvr>
     <a:masterClrMapping/>
@@ -2704,6 +2829,11 @@
         </p:txBody>
       </p:sp>
     </p:spTree>
+    <p:extLst>
+      <p:ext uri="{BB962C8B-B14F-4D97-AF65-F5344CB8AC3E}">
+        <p14:creationId xmlns:p14="http://schemas.microsoft.com/office/powerpoint/2010/main" val="3968695549"/>
+      </p:ext>
+    </p:extLst>
   </p:cSld>
   <p:clrMapOvr>
     <a:masterClrMapping/>
@@ -2873,6 +3003,11 @@
         </p:txBody>
       </p:sp>
     </p:spTree>
+    <p:extLst>
+      <p:ext uri="{BB962C8B-B14F-4D97-AF65-F5344CB8AC3E}">
+        <p14:creationId xmlns:p14="http://schemas.microsoft.com/office/powerpoint/2010/main" val="220241422"/>
+      </p:ext>
+    </p:extLst>
   </p:cSld>
   <p:clrMapOvr>
     <a:masterClrMapping/>
@@ -3174,6 +3309,11 @@
         </p:txBody>
       </p:sp>
     </p:spTree>
+    <p:extLst>
+      <p:ext uri="{BB962C8B-B14F-4D97-AF65-F5344CB8AC3E}">
+        <p14:creationId xmlns:p14="http://schemas.microsoft.com/office/powerpoint/2010/main" val="2426823863"/>
+      </p:ext>
+    </p:extLst>
   </p:cSld>
   <p:clrMapOvr>
     <a:masterClrMapping/>
@@ -3223,7 +3363,7 @@
         <p:spPr/>
         <p:txBody>
           <a:bodyPr>
-            <a:normAutofit lnSpcReduction="10000"/>
+            <a:normAutofit/>
           </a:bodyPr>
           <a:lstStyle/>
           <a:p>
@@ -3287,6 +3427,11 @@
         </p:txBody>
       </p:sp>
     </p:spTree>
+    <p:extLst>
+      <p:ext uri="{BB962C8B-B14F-4D97-AF65-F5344CB8AC3E}">
+        <p14:creationId xmlns:p14="http://schemas.microsoft.com/office/powerpoint/2010/main" val="3032367412"/>
+      </p:ext>
+    </p:extLst>
   </p:cSld>
   <p:clrMapOvr>
     <a:masterClrMapping/>
@@ -3407,6 +3552,11 @@
         </p:txBody>
       </p:sp>
     </p:spTree>
+    <p:extLst>
+      <p:ext uri="{BB962C8B-B14F-4D97-AF65-F5344CB8AC3E}">
+        <p14:creationId xmlns:p14="http://schemas.microsoft.com/office/powerpoint/2010/main" val="2161117296"/>
+      </p:ext>
+    </p:extLst>
   </p:cSld>
   <p:clrMapOvr>
     <a:masterClrMapping/>
@@ -3456,7 +3606,7 @@
         <p:spPr/>
         <p:txBody>
           <a:bodyPr>
-            <a:normAutofit/>
+            <a:normAutofit fontScale="92500" lnSpcReduction="10000"/>
           </a:bodyPr>
           <a:lstStyle/>
           <a:p>
@@ -3656,6 +3806,11 @@
         </p:txBody>
       </p:sp>
     </p:spTree>
+    <p:extLst>
+      <p:ext uri="{BB962C8B-B14F-4D97-AF65-F5344CB8AC3E}">
+        <p14:creationId xmlns:p14="http://schemas.microsoft.com/office/powerpoint/2010/main" val="382273032"/>
+      </p:ext>
+    </p:extLst>
   </p:cSld>
   <p:clrMapOvr>
     <a:masterClrMapping/>
@@ -3744,7 +3899,7 @@
         </p:spPr>
         <p:txBody>
           <a:bodyPr>
-            <a:normAutofit lnSpcReduction="10000"/>
+            <a:normAutofit/>
           </a:bodyPr>
           <a:lstStyle/>
           <a:p>
@@ -3823,6 +3978,11 @@
         </p:txBody>
       </p:sp>
     </p:spTree>
+    <p:extLst>
+      <p:ext uri="{BB962C8B-B14F-4D97-AF65-F5344CB8AC3E}">
+        <p14:creationId xmlns:p14="http://schemas.microsoft.com/office/powerpoint/2010/main" val="3384754436"/>
+      </p:ext>
+    </p:extLst>
   </p:cSld>
   <p:clrMapOvr>
     <a:masterClrMapping/>
@@ -33557,26 +33717,7 @@
               </a:rPr>
               <a:t>Discussion Groups</a:t>
             </a:r>
-            <a:r>
-              <a:rPr lang="en-GB" sz="2800" dirty="0" smtClean="0"/>
-              <a:t> &gt;&gt; </a:t>
-            </a:r>
-            <a:r>
-              <a:rPr lang="en-GB" sz="2800" dirty="0" err="1" smtClean="0"/>
-              <a:t>Revit</a:t>
-            </a:r>
-            <a:r>
-              <a:rPr lang="en-GB" sz="2800" dirty="0" smtClean="0"/>
-              <a:t> Architecture &gt;&gt; </a:t>
-            </a:r>
-            <a:r>
-              <a:rPr lang="en-GB" sz="2800" dirty="0" err="1" smtClean="0"/>
-              <a:t>Revit</a:t>
-            </a:r>
-            <a:r>
-              <a:rPr lang="en-GB" sz="2800" dirty="0" smtClean="0"/>
-              <a:t> API</a:t>
-            </a:r>
+            <a:endParaRPr lang="en-GB" sz="2800" dirty="0" smtClean="0"/>
           </a:p>
           <a:p>
             <a:pPr marL="87646" indent="-325098"/>
@@ -34212,12 +34353,12 @@
           <a:lstStyle/>
           <a:p>
             <a:r>
-              <a:rPr lang="en-US" dirty="0" err="1" smtClean="0"/>
-              <a:t>Revit</a:t>
-            </a:r>
-            <a:r>
               <a:rPr lang="en-US" dirty="0" smtClean="0"/>
-              <a:t> Family Flavors</a:t>
+              <a:t>Revit Family </a:t>
+            </a:r>
+            <a:r>
+              <a:rPr lang="en-US" dirty="0" smtClean="0"/>
+              <a:t>Features</a:t>
             </a:r>
             <a:endParaRPr lang="en-US" dirty="0"/>
           </a:p>
@@ -34239,12 +34380,16 @@
           <a:lstStyle/>
           <a:p>
             <a:r>
-              <a:rPr lang="en-GB" dirty="0" err="1" smtClean="0"/>
-              <a:t>Revit</a:t>
-            </a:r>
-            <a:r>
               <a:rPr lang="en-GB" dirty="0" smtClean="0"/>
-              <a:t> Architecture </a:t>
+              <a:t>For</a:t>
+            </a:r>
+            <a:r>
+              <a:rPr lang="en-GB" dirty="0" smtClean="0"/>
+              <a:t> </a:t>
+            </a:r>
+            <a:r>
+              <a:rPr lang="en-GB" dirty="0" smtClean="0"/>
+              <a:t>Architecture </a:t>
             </a:r>
           </a:p>
           <a:p>
@@ -34294,7 +34439,15 @@
           <a:p>
             <a:r>
               <a:rPr lang="en-GB" dirty="0" smtClean="0"/>
-              <a:t>Revit Structure </a:t>
+              <a:t>For</a:t>
+            </a:r>
+            <a:r>
+              <a:rPr lang="en-GB" dirty="0" smtClean="0"/>
+              <a:t> </a:t>
+            </a:r>
+            <a:r>
+              <a:rPr lang="en-GB" dirty="0" smtClean="0"/>
+              <a:t>Structure </a:t>
             </a:r>
           </a:p>
           <a:p>
@@ -34344,7 +34497,15 @@
           <a:p>
             <a:r>
               <a:rPr lang="en-GB" dirty="0" smtClean="0"/>
-              <a:t>Revit MEP </a:t>
+              <a:t>For</a:t>
+            </a:r>
+            <a:r>
+              <a:rPr lang="en-GB" dirty="0" smtClean="0"/>
+              <a:t> </a:t>
+            </a:r>
+            <a:r>
+              <a:rPr lang="en-GB" dirty="0" smtClean="0"/>
+              <a:t>MEP </a:t>
             </a:r>
           </a:p>
           <a:p>
@@ -36301,15 +36462,6 @@
 </file>
 
 <file path=customXml/item1.xml><?xml version="1.0" encoding="utf-8"?>
-<?mso-contentType ?>
-<FormTemplates xmlns="http://schemas.microsoft.com/sharepoint/v3/contenttype/forms">
-  <Display>DocumentLibraryForm</Display>
-  <Edit>DocumentLibraryForm</Edit>
-  <New>DocumentLibraryForm</New>
-</FormTemplates>
-</file>
-
-<file path=customXml/item2.xml><?xml version="1.0" encoding="utf-8"?>
 <ct:contentTypeSchema xmlns:ct="http://schemas.microsoft.com/office/2006/metadata/contentType" xmlns:ma="http://schemas.microsoft.com/office/2006/metadata/properties/metaAttributes" ct:_="" ma:_="" ma:contentTypeName="Creative Catalog" ma:contentTypeID="0x0101003D62B9A716C08244A68E1D56ED354A9500A7EFD4C2F324CA44B4E995A506E2E1CF" ma:contentTypeVersion="31" ma:contentTypeDescription="" ma:contentTypeScope="" ma:versionID="17bc19fc9bd490bc1bda444d86d6b7f0">
   <xsd:schema xmlns:xsd="http://www.w3.org/2001/XMLSchema" xmlns:p="http://schemas.microsoft.com/office/2006/metadata/properties" xmlns:ns2="c8bab806-ca78-4cad-94f6-48e563f76e95" xmlns:ns4="f53a3603-67ad-45e2-accf-d44f8756b321" targetNamespace="http://schemas.microsoft.com/office/2006/metadata/properties" ma:root="true" ma:fieldsID="284905265c583129f8035dc0f09dfb0f" ns2:_="" ns4:_="">
     <xsd:import namespace="c8bab806-ca78-4cad-94f6-48e563f76e95"/>
@@ -36408,7 +36560,7 @@
 </ct:contentTypeSchema>
 </file>
 
-<file path=customXml/item3.xml><?xml version="1.0" encoding="utf-8"?>
+<file path=customXml/item2.xml><?xml version="1.0" encoding="utf-8"?>
 <p:properties xmlns:p="http://schemas.microsoft.com/office/2006/metadata/properties" xmlns:xsi="http://www.w3.org/2001/XMLSchema-instance">
   <documentManagement>
     <Image xmlns="f53a3603-67ad-45e2-accf-d44f8756b321">
@@ -36423,15 +36575,16 @@
 </p:properties>
 </file>
 
-<file path=customXml/itemProps1.xml><?xml version="1.0" encoding="utf-8"?>
-<ds:datastoreItem xmlns:ds="http://schemas.openxmlformats.org/officeDocument/2006/customXml" ds:itemID="{1B23F64D-CA4A-4BF5-9636-FF31814D07BC}">
-  <ds:schemaRefs>
-    <ds:schemaRef ds:uri="http://schemas.microsoft.com/sharepoint/v3/contenttype/forms"/>
-  </ds:schemaRefs>
-</ds:datastoreItem>
+<file path=customXml/item3.xml><?xml version="1.0" encoding="utf-8"?>
+<?mso-contentType ?>
+<FormTemplates xmlns="http://schemas.microsoft.com/sharepoint/v3/contenttype/forms">
+  <Display>DocumentLibraryForm</Display>
+  <Edit>DocumentLibraryForm</Edit>
+  <New>DocumentLibraryForm</New>
+</FormTemplates>
 </file>
 
-<file path=customXml/itemProps2.xml><?xml version="1.0" encoding="utf-8"?>
+<file path=customXml/itemProps1.xml><?xml version="1.0" encoding="utf-8"?>
 <ds:datastoreItem xmlns:ds="http://schemas.openxmlformats.org/officeDocument/2006/customXml" ds:itemID="{A9644739-F05B-4EE2-A361-57034C614130}">
   <ds:schemaRefs>
     <ds:schemaRef ds:uri="http://schemas.microsoft.com/office/2006/metadata/contentType"/>
@@ -36449,7 +36602,7 @@
 </ds:datastoreItem>
 </file>
 
-<file path=customXml/itemProps3.xml><?xml version="1.0" encoding="utf-8"?>
+<file path=customXml/itemProps2.xml><?xml version="1.0" encoding="utf-8"?>
 <ds:datastoreItem xmlns:ds="http://schemas.openxmlformats.org/officeDocument/2006/customXml" ds:itemID="{6307AE55-A139-4AD7-ACEE-00E455099D23}">
   <ds:schemaRefs>
     <ds:schemaRef ds:uri="http://schemas.microsoft.com/office/2006/metadata/properties"/>
@@ -36457,4 +36610,12 @@
     <ds:schemaRef ds:uri="c8bab806-ca78-4cad-94f6-48e563f76e95"/>
   </ds:schemaRefs>
 </ds:datastoreItem>
+</file>
+
+<file path=customXml/itemProps3.xml><?xml version="1.0" encoding="utf-8"?>
+<ds:datastoreItem xmlns:ds="http://schemas.openxmlformats.org/officeDocument/2006/customXml" ds:itemID="{1B23F64D-CA4A-4BF5-9636-FF31814D07BC}">
+  <ds:schemaRefs>
+    <ds:schemaRef ds:uri="http://schemas.microsoft.com/sharepoint/v3/contenttype/forms"/>
+  </ds:schemaRefs>
+</ds:datastoreItem>
 </file>
--- a/Presentation/3_Revit_Family_API.pptx
+++ b/Presentation/3_Revit_Family_API.pptx
@@ -2,7 +2,7 @@
 <file path=ppt/presentation.xml><?xml version="1.0" encoding="utf-8"?>
 <p:presentation xmlns:a="http://schemas.openxmlformats.org/drawingml/2006/main" xmlns:r="http://schemas.openxmlformats.org/officeDocument/2006/relationships" xmlns:p="http://schemas.openxmlformats.org/presentationml/2006/main" showSpecialPlsOnTitleSld="0" removePersonalInfoOnSave="1" saveSubsetFonts="1">
   <p:sldMasterIdLst>
-    <p:sldMasterId id="2147483687" r:id="rId4"/>
+    <p:sldMasterId id="2147483693" r:id="rId4"/>
   </p:sldMasterIdLst>
   <p:notesMasterIdLst>
     <p:notesMasterId r:id="rId57"/>
@@ -335,7 +335,7 @@
               <a:pPr>
                 <a:defRPr/>
               </a:pPr>
-              <a:t>2/29/20</a:t>
+              <a:t>03-Apr-20</a:t>
             </a:fld>
             <a:endParaRPr lang="en-US"/>
           </a:p>
@@ -558,7 +558,7 @@
               <a:pPr>
                 <a:defRPr/>
               </a:pPr>
-              <a:t>2/29/20</a:t>
+              <a:t>03-Apr-20</a:t>
             </a:fld>
             <a:endParaRPr lang="en-US"/>
           </a:p>
@@ -2559,90 +2559,6 @@
 </p:notes>
 </file>
 
-<file path=ppt/notesSlides/notesSlide27.xml><?xml version="1.0" encoding="utf-8"?>
-<p:notes xmlns:a="http://schemas.openxmlformats.org/drawingml/2006/main" xmlns:r="http://schemas.openxmlformats.org/officeDocument/2006/relationships" xmlns:p="http://schemas.openxmlformats.org/presentationml/2006/main">
-  <p:cSld>
-    <p:spTree>
-      <p:nvGrpSpPr>
-        <p:cNvPr id="1" name=""/>
-        <p:cNvGrpSpPr/>
-        <p:nvPr/>
-      </p:nvGrpSpPr>
-      <p:grpSpPr>
-        <a:xfrm>
-          <a:off x="0" y="0"/>
-          <a:ext cx="0" cy="0"/>
-          <a:chOff x="0" y="0"/>
-          <a:chExt cx="0" cy="0"/>
-        </a:xfrm>
-      </p:grpSpPr>
-      <p:sp>
-        <p:nvSpPr>
-          <p:cNvPr id="2" name="Slide Image Placeholder 1"/>
-          <p:cNvSpPr>
-            <a:spLocks noGrp="1" noRot="1" noChangeAspect="1"/>
-          </p:cNvSpPr>
-          <p:nvPr>
-            <p:ph type="sldImg"/>
-          </p:nvPr>
-        </p:nvSpPr>
-        <p:spPr/>
-      </p:sp>
-      <p:sp>
-        <p:nvSpPr>
-          <p:cNvPr id="3" name="Notes Placeholder 2"/>
-          <p:cNvSpPr>
-            <a:spLocks noGrp="1"/>
-          </p:cNvSpPr>
-          <p:nvPr>
-            <p:ph type="body" idx="1"/>
-          </p:nvPr>
-        </p:nvSpPr>
-        <p:spPr/>
-        <p:txBody>
-          <a:bodyPr/>
-          <a:lstStyle/>
-          <a:p>
-            <a:endParaRPr lang="en-US"/>
-          </a:p>
-        </p:txBody>
-      </p:sp>
-      <p:sp>
-        <p:nvSpPr>
-          <p:cNvPr id="4" name="Slide Number Placeholder 3"/>
-          <p:cNvSpPr>
-            <a:spLocks noGrp="1"/>
-          </p:cNvSpPr>
-          <p:nvPr>
-            <p:ph type="sldNum" sz="quarter" idx="10"/>
-          </p:nvPr>
-        </p:nvSpPr>
-        <p:spPr/>
-        <p:txBody>
-          <a:bodyPr/>
-          <a:lstStyle/>
-          <a:p>
-            <a:fld id="{73E9330B-B1DA-214B-A229-0CB8492B91A5}" type="slidenum">
-              <a:rPr lang="en-US" smtClean="0"/>
-              <a:t>52</a:t>
-            </a:fld>
-            <a:endParaRPr lang="en-US" dirty="0"/>
-          </a:p>
-        </p:txBody>
-      </p:sp>
-    </p:spTree>
-    <p:extLst>
-      <p:ext uri="{BB962C8B-B14F-4D97-AF65-F5344CB8AC3E}">
-        <p14:creationId xmlns:p14="http://schemas.microsoft.com/office/powerpoint/2010/main" val="1790401262"/>
-      </p:ext>
-    </p:extLst>
-  </p:cSld>
-  <p:clrMapOvr>
-    <a:masterClrMapping/>
-  </p:clrMapOvr>
-</p:notes>
-</file>
-
 <file path=ppt/notesSlides/notesSlide3.xml><?xml version="1.0" encoding="utf-8"?>
 <p:notes xmlns:a="http://schemas.openxmlformats.org/drawingml/2006/main" xmlns:r="http://schemas.openxmlformats.org/officeDocument/2006/relationships" xmlns:p="http://schemas.openxmlformats.org/presentationml/2006/main">
   <p:cSld>
@@ -2763,7 +2679,7 @@
           <a:p>
             <a:r>
               <a:rPr lang="en-GB" baseline="0" dirty="0"/>
-              <a:t>The API in 2010 supports the second category, standard families.</a:t>
+              <a:t>The API in 2017 supports the second category, standard families.</a:t>
             </a:r>
             <a:endParaRPr lang="en-GB" dirty="0"/>
           </a:p>
@@ -2913,7 +2829,7 @@
           <a:p>
             <a:r>
               <a:rPr lang="en-US" baseline="0" dirty="0"/>
-              <a:t>- Is it hosted or hosted, to a wall, ceiling, face based? </a:t>
+              <a:t>- Is it non hosted or hosted, to a wall, ceiling, face based? </a:t>
             </a:r>
           </a:p>
           <a:p>
@@ -3039,17 +2955,6 @@
           <a:p>
             <a:r>
               <a:rPr lang="en-GB" dirty="0"/>
-              <a:t>Just like products, Family also has three flavours.  Most of the functionalities</a:t>
-            </a:r>
-            <a:r>
-              <a:rPr lang="en-GB" baseline="0" dirty="0"/>
-              <a:t> are same as Revit Architecture. </a:t>
-            </a:r>
-            <a:endParaRPr lang="en-GB" dirty="0"/>
-          </a:p>
-          <a:p>
-            <a:r>
-              <a:rPr lang="en-GB" dirty="0"/>
               <a:t>Revit Architecture </a:t>
             </a:r>
           </a:p>
@@ -3333,7 +3238,7 @@
         <p:spPr/>
         <p:txBody>
           <a:bodyPr>
-            <a:normAutofit lnSpcReduction="10000"/>
+            <a:normAutofit/>
           </a:bodyPr>
           <a:lstStyle/>
           <a:p>
@@ -3565,7 +3470,7 @@
         <p:spPr/>
         <p:txBody>
           <a:bodyPr>
-            <a:normAutofit/>
+            <a:normAutofit fontScale="92500" lnSpcReduction="10000"/>
           </a:bodyPr>
           <a:lstStyle/>
           <a:p>
@@ -3629,7 +3534,7 @@
                   <a:schemeClr val="bg1"/>
                 </a:solidFill>
               </a:rPr>
-              <a:t>ookshelf with arrayed shelves. Mullion patterns based on rules. Open web joists that adjust based on length and height.</a:t>
+              <a:t>ookshelf with arrayed shelves. Mullion patterns based on rules. Open web joints that adjust based on length and height.</a:t>
             </a:r>
           </a:p>
           <a:p>
@@ -3852,7 +3757,7 @@
         </p:spPr>
         <p:txBody>
           <a:bodyPr>
-            <a:normAutofit lnSpcReduction="10000"/>
+            <a:normAutofit/>
           </a:bodyPr>
           <a:lstStyle/>
           <a:p>
@@ -3866,7 +3771,7 @@
             <a:pPr marL="879543" lvl="2" indent="-284163"/>
             <a:r>
               <a:rPr lang="en-US" dirty="0"/>
-              <a:t>2009 &amp; 2010 release</a:t>
+              <a:t>2019 release</a:t>
             </a:r>
           </a:p>
           <a:p>
@@ -3939,7 +3844,403 @@
 </file>
 
 <file path=ppt/slideLayouts/slideLayout1.xml><?xml version="1.0" encoding="utf-8"?>
-<p:sldLayout xmlns:a="http://schemas.openxmlformats.org/drawingml/2006/main" xmlns:r="http://schemas.openxmlformats.org/officeDocument/2006/relationships" xmlns:p="http://schemas.openxmlformats.org/presentationml/2006/main" preserve="1" userDrawn="1">
+<p:sldLayout xmlns:a="http://schemas.openxmlformats.org/drawingml/2006/main" xmlns:r="http://schemas.openxmlformats.org/officeDocument/2006/relationships" xmlns:p="http://schemas.openxmlformats.org/presentationml/2006/main" type="obj" preserve="1">
+  <p:cSld name="Title and Content">
+    <p:spTree>
+      <p:nvGrpSpPr>
+        <p:cNvPr id="1" name=""/>
+        <p:cNvGrpSpPr/>
+        <p:nvPr/>
+      </p:nvGrpSpPr>
+      <p:grpSpPr>
+        <a:xfrm>
+          <a:off x="0" y="0"/>
+          <a:ext cx="0" cy="0"/>
+          <a:chOff x="0" y="0"/>
+          <a:chExt cx="0" cy="0"/>
+        </a:xfrm>
+      </p:grpSpPr>
+      <p:sp>
+        <p:nvSpPr>
+          <p:cNvPr id="2" name="Title 1"/>
+          <p:cNvSpPr>
+            <a:spLocks noGrp="1"/>
+          </p:cNvSpPr>
+          <p:nvPr>
+            <p:ph type="title"/>
+          </p:nvPr>
+        </p:nvSpPr>
+        <p:spPr/>
+        <p:txBody>
+          <a:bodyPr/>
+          <a:lstStyle>
+            <a:lvl1pPr>
+              <a:defRPr/>
+            </a:lvl1pPr>
+          </a:lstStyle>
+          <a:p>
+            <a:r>
+              <a:rPr lang="en-US"/>
+              <a:t>Click to edit Master title style</a:t>
+            </a:r>
+            <a:endParaRPr lang="en-US" dirty="0"/>
+          </a:p>
+        </p:txBody>
+      </p:sp>
+      <p:sp>
+        <p:nvSpPr>
+          <p:cNvPr id="3" name="Content Placeholder 2"/>
+          <p:cNvSpPr>
+            <a:spLocks noGrp="1"/>
+          </p:cNvSpPr>
+          <p:nvPr>
+            <p:ph idx="1"/>
+          </p:nvPr>
+        </p:nvSpPr>
+        <p:spPr/>
+        <p:txBody>
+          <a:bodyPr/>
+          <a:lstStyle>
+            <a:lvl1pPr>
+              <a:buNone/>
+              <a:defRPr sz="3200"/>
+            </a:lvl1pPr>
+            <a:lvl2pPr>
+              <a:spcBef>
+                <a:spcPts val="0"/>
+              </a:spcBef>
+              <a:defRPr/>
+            </a:lvl2pPr>
+            <a:lvl3pPr>
+              <a:spcBef>
+                <a:spcPts val="0"/>
+              </a:spcBef>
+              <a:defRPr/>
+            </a:lvl3pPr>
+            <a:lvl4pPr>
+              <a:spcBef>
+                <a:spcPts val="0"/>
+              </a:spcBef>
+              <a:defRPr/>
+            </a:lvl4pPr>
+            <a:lvl5pPr>
+              <a:spcBef>
+                <a:spcPts val="0"/>
+              </a:spcBef>
+              <a:defRPr/>
+            </a:lvl5pPr>
+          </a:lstStyle>
+          <a:p>
+            <a:pPr lvl="0"/>
+            <a:r>
+              <a:rPr lang="en-US"/>
+              <a:t>Click to edit Master text styles</a:t>
+            </a:r>
+          </a:p>
+          <a:p>
+            <a:pPr lvl="1"/>
+            <a:r>
+              <a:rPr lang="en-US"/>
+              <a:t>Second level</a:t>
+            </a:r>
+          </a:p>
+          <a:p>
+            <a:pPr lvl="2"/>
+            <a:r>
+              <a:rPr lang="en-US"/>
+              <a:t>Third level</a:t>
+            </a:r>
+          </a:p>
+          <a:p>
+            <a:pPr lvl="3"/>
+            <a:r>
+              <a:rPr lang="en-US"/>
+              <a:t>Fourth level</a:t>
+            </a:r>
+          </a:p>
+          <a:p>
+            <a:pPr lvl="4"/>
+            <a:r>
+              <a:rPr lang="en-US"/>
+              <a:t>Fifth level</a:t>
+            </a:r>
+            <a:endParaRPr lang="en-US" dirty="0"/>
+          </a:p>
+        </p:txBody>
+      </p:sp>
+      <p:sp>
+        <p:nvSpPr>
+          <p:cNvPr id="4" name="Rectangle 3"/>
+          <p:cNvSpPr/>
+          <p:nvPr userDrawn="1"/>
+        </p:nvSpPr>
+        <p:spPr>
+          <a:xfrm>
+            <a:off x="0" y="9355137"/>
+            <a:ext cx="13011150" cy="400050"/>
+          </a:xfrm>
+          <a:prstGeom prst="rect">
+            <a:avLst/>
+          </a:prstGeom>
+          <a:solidFill>
+            <a:schemeClr val="bg1"/>
+          </a:solidFill>
+          <a:ln>
+            <a:noFill/>
+          </a:ln>
+        </p:spPr>
+        <p:style>
+          <a:lnRef idx="1">
+            <a:schemeClr val="accent1"/>
+          </a:lnRef>
+          <a:fillRef idx="3">
+            <a:schemeClr val="accent1"/>
+          </a:fillRef>
+          <a:effectRef idx="2">
+            <a:schemeClr val="accent1"/>
+          </a:effectRef>
+          <a:fontRef idx="minor">
+            <a:schemeClr val="lt1"/>
+          </a:fontRef>
+        </p:style>
+        <p:txBody>
+          <a:bodyPr lIns="57594" tIns="28797" rIns="57594" bIns="28797" rtlCol="0" anchor="ctr"/>
+          <a:lstStyle/>
+          <a:p>
+            <a:pPr algn="ctr"/>
+            <a:endParaRPr lang="en-US"/>
+          </a:p>
+        </p:txBody>
+      </p:sp>
+      <p:sp>
+        <p:nvSpPr>
+          <p:cNvPr id="5" name="TextBox 4"/>
+          <p:cNvSpPr txBox="1"/>
+          <p:nvPr userDrawn="1"/>
+        </p:nvSpPr>
+        <p:spPr>
+          <a:xfrm>
+            <a:off x="180975" y="9512414"/>
+            <a:ext cx="1558815" cy="138499"/>
+          </a:xfrm>
+          <a:prstGeom prst="rect">
+            <a:avLst/>
+          </a:prstGeom>
+          <a:noFill/>
+        </p:spPr>
+        <p:txBody>
+          <a:bodyPr wrap="square" lIns="0" tIns="0" rIns="0" bIns="0" rtlCol="0">
+            <a:spAutoFit/>
+          </a:bodyPr>
+          <a:lstStyle/>
+          <a:p>
+            <a:r>
+              <a:rPr lang="en-US" sz="900" b="0" i="0" dirty="0">
+                <a:solidFill>
+                  <a:schemeClr val="tx1">
+                    <a:lumMod val="65000"/>
+                    <a:lumOff val="35000"/>
+                  </a:schemeClr>
+                </a:solidFill>
+                <a:latin typeface="Frutiger Next LT W1G"/>
+                <a:cs typeface="Frutiger Next LT W1G"/>
+              </a:rPr>
+              <a:t>© 2014 Autodesk</a:t>
+            </a:r>
+          </a:p>
+        </p:txBody>
+      </p:sp>
+      <p:pic>
+        <p:nvPicPr>
+          <p:cNvPr id="6" name="Picture 5" descr="autodesk-logo-rgb-color-logo-black-text-large.png"/>
+          <p:cNvPicPr>
+            <a:picLocks noChangeAspect="1"/>
+          </p:cNvPicPr>
+          <p:nvPr userDrawn="1"/>
+        </p:nvPicPr>
+        <p:blipFill>
+          <a:blip r:embed="rId2" cstate="screen">
+            <a:extLst>
+              <a:ext uri="{28A0092B-C50C-407E-A947-70E740481C1C}">
+                <a14:useLocalDpi xmlns:a14="http://schemas.microsoft.com/office/drawing/2010/main"/>
+              </a:ext>
+            </a:extLst>
+          </a:blip>
+          <a:stretch>
+            <a:fillRect/>
+          </a:stretch>
+        </p:blipFill>
+        <p:spPr>
+          <a:xfrm>
+            <a:off x="11861374" y="9489044"/>
+            <a:ext cx="1105051" cy="185240"/>
+          </a:xfrm>
+          <a:prstGeom prst="rect">
+            <a:avLst/>
+          </a:prstGeom>
+        </p:spPr>
+      </p:pic>
+    </p:spTree>
+    <p:extLst>
+      <p:ext uri="{BB962C8B-B14F-4D97-AF65-F5344CB8AC3E}">
+        <p14:creationId xmlns:p14="http://schemas.microsoft.com/office/powerpoint/2010/main" val="3540740053"/>
+      </p:ext>
+    </p:extLst>
+  </p:cSld>
+  <p:clrMapOvr>
+    <a:masterClrMapping/>
+  </p:clrMapOvr>
+  <p:transition/>
+</p:sldLayout>
+</file>
+
+<file path=ppt/slideLayouts/slideLayout2.xml><?xml version="1.0" encoding="utf-8"?>
+<p:sldLayout xmlns:a="http://schemas.openxmlformats.org/drawingml/2006/main" xmlns:r="http://schemas.openxmlformats.org/officeDocument/2006/relationships" xmlns:p="http://schemas.openxmlformats.org/presentationml/2006/main" preserve="1">
+  <p:cSld name="1_Custom Layout">
+    <p:spTree>
+      <p:nvGrpSpPr>
+        <p:cNvPr id="1" name=""/>
+        <p:cNvGrpSpPr/>
+        <p:nvPr/>
+      </p:nvGrpSpPr>
+      <p:grpSpPr>
+        <a:xfrm>
+          <a:off x="0" y="0"/>
+          <a:ext cx="0" cy="0"/>
+          <a:chOff x="0" y="0"/>
+          <a:chExt cx="0" cy="0"/>
+        </a:xfrm>
+      </p:grpSpPr>
+      <p:sp>
+        <p:nvSpPr>
+          <p:cNvPr id="4" name="TextBox 3"/>
+          <p:cNvSpPr txBox="1"/>
+          <p:nvPr/>
+        </p:nvSpPr>
+        <p:spPr>
+          <a:xfrm>
+            <a:off x="314409" y="8588916"/>
+            <a:ext cx="12483151" cy="1000274"/>
+          </a:xfrm>
+          <a:prstGeom prst="rect">
+            <a:avLst/>
+          </a:prstGeom>
+          <a:noFill/>
+        </p:spPr>
+        <p:txBody>
+          <a:bodyPr wrap="square" lIns="0" tIns="0" rIns="0" bIns="0" rtlCol="0">
+            <a:spAutoFit/>
+          </a:bodyPr>
+          <a:lstStyle/>
+          <a:p>
+            <a:r>
+              <a:rPr lang="en-US" sz="1300" b="0" i="0" dirty="0">
+                <a:solidFill>
+                  <a:schemeClr val="bg1">
+                    <a:lumMod val="65000"/>
+                  </a:schemeClr>
+                </a:solidFill>
+                <a:latin typeface="Frutiger Next LT W1G"/>
+                <a:cs typeface="Frutiger Next LT W1G"/>
+              </a:rPr>
+              <a:t>Autodesk is a registered trademark of Autodesk, Inc., and/or its subsidiaries and/or affiliates in the USA and/or other countries. All other brand names, product names, or trademarks belong to their respective holders. Autodesk reserves the right to alter product and services offerings, and specifications and pricing at any time without notice, and is not responsible for typographical or graphical errors that may appear in this document.</a:t>
+            </a:r>
+          </a:p>
+          <a:p>
+            <a:endParaRPr lang="en-US" sz="1300" b="0" i="0" dirty="0">
+              <a:solidFill>
+                <a:schemeClr val="bg1">
+                  <a:lumMod val="65000"/>
+                </a:schemeClr>
+              </a:solidFill>
+              <a:latin typeface="Frutiger Next LT W1G"/>
+              <a:cs typeface="Frutiger Next LT W1G"/>
+            </a:endParaRPr>
+          </a:p>
+          <a:p>
+            <a:r>
+              <a:rPr lang="en-US" sz="1300" b="0" i="0" dirty="0">
+                <a:solidFill>
+                  <a:schemeClr val="bg1">
+                    <a:lumMod val="65000"/>
+                  </a:schemeClr>
+                </a:solidFill>
+                <a:latin typeface="Frutiger Next LT W1G"/>
+                <a:cs typeface="Frutiger Next LT W1G"/>
+              </a:rPr>
+              <a:t>© 2014 Autodesk, Inc. All right</a:t>
+            </a:r>
+            <a:r>
+              <a:rPr lang="en-US" sz="1300" b="0" i="0" baseline="0" dirty="0">
+                <a:solidFill>
+                  <a:schemeClr val="bg1">
+                    <a:lumMod val="65000"/>
+                  </a:schemeClr>
+                </a:solidFill>
+                <a:latin typeface="Frutiger Next LT W1G"/>
+                <a:cs typeface="Frutiger Next LT W1G"/>
+              </a:rPr>
+              <a:t>s reserved.</a:t>
+            </a:r>
+            <a:endParaRPr lang="en-US" sz="1300" b="0" i="0" dirty="0">
+              <a:solidFill>
+                <a:schemeClr val="bg1">
+                  <a:lumMod val="65000"/>
+                </a:schemeClr>
+              </a:solidFill>
+              <a:latin typeface="Frutiger Next LT W1G"/>
+              <a:cs typeface="Frutiger Next LT W1G"/>
+            </a:endParaRPr>
+          </a:p>
+        </p:txBody>
+      </p:sp>
+      <p:pic>
+        <p:nvPicPr>
+          <p:cNvPr id="6" name="Picture 5" descr="autodesk-logo-rgb-color-logo-black-text-large.png"/>
+          <p:cNvPicPr>
+            <a:picLocks noChangeAspect="1"/>
+          </p:cNvPicPr>
+          <p:nvPr/>
+        </p:nvPicPr>
+        <p:blipFill>
+          <a:blip r:embed="rId2">
+            <a:extLst>
+              <a:ext uri="{28A0092B-C50C-407E-A947-70E740481C1C}">
+                <a14:useLocalDpi xmlns:a14="http://schemas.microsoft.com/office/drawing/2010/main"/>
+              </a:ext>
+            </a:extLst>
+          </a:blip>
+          <a:stretch>
+            <a:fillRect/>
+          </a:stretch>
+        </p:blipFill>
+        <p:spPr>
+          <a:xfrm>
+            <a:off x="2103942" y="3942871"/>
+            <a:ext cx="8791832" cy="1473535"/>
+          </a:xfrm>
+          <a:prstGeom prst="rect">
+            <a:avLst/>
+          </a:prstGeom>
+        </p:spPr>
+      </p:pic>
+    </p:spTree>
+    <p:extLst>
+      <p:ext uri="{BB962C8B-B14F-4D97-AF65-F5344CB8AC3E}">
+        <p14:creationId xmlns:p14="http://schemas.microsoft.com/office/powerpoint/2010/main" val="3801020171"/>
+      </p:ext>
+    </p:extLst>
+  </p:cSld>
+  <p:clrMapOvr>
+    <a:masterClrMapping/>
+  </p:clrMapOvr>
+  <p:transition/>
+  <p:hf sldNum="0" hdr="0" dt="0"/>
+</p:sldLayout>
+</file>
+
+<file path=ppt/slideLayouts/slideLayout3.xml><?xml version="1.0" encoding="utf-8"?>
+<p:sldLayout xmlns:a="http://schemas.openxmlformats.org/drawingml/2006/main" xmlns:r="http://schemas.openxmlformats.org/officeDocument/2006/relationships" xmlns:p="http://schemas.openxmlformats.org/presentationml/2006/main" userDrawn="1">
   <p:cSld name="Title Only">
     <p:spTree>
       <p:nvGrpSpPr>
@@ -3991,434 +4292,6 @@
 </p:sldLayout>
 </file>
 
-<file path=ppt/slideLayouts/slideLayout2.xml><?xml version="1.0" encoding="utf-8"?>
-<p:sldLayout xmlns:a="http://schemas.openxmlformats.org/drawingml/2006/main" xmlns:r="http://schemas.openxmlformats.org/officeDocument/2006/relationships" xmlns:p="http://schemas.openxmlformats.org/presentationml/2006/main" preserve="1" userDrawn="1">
-  <p:cSld name="Title and Content">
-    <p:spTree>
-      <p:nvGrpSpPr>
-        <p:cNvPr id="1" name=""/>
-        <p:cNvGrpSpPr/>
-        <p:nvPr/>
-      </p:nvGrpSpPr>
-      <p:grpSpPr>
-        <a:xfrm>
-          <a:off x="0" y="0"/>
-          <a:ext cx="0" cy="0"/>
-          <a:chOff x="0" y="0"/>
-          <a:chExt cx="0" cy="0"/>
-        </a:xfrm>
-      </p:grpSpPr>
-      <p:sp>
-        <p:nvSpPr>
-          <p:cNvPr id="2" name="Title 1"/>
-          <p:cNvSpPr>
-            <a:spLocks noGrp="1"/>
-          </p:cNvSpPr>
-          <p:nvPr>
-            <p:ph type="title"/>
-          </p:nvPr>
-        </p:nvSpPr>
-        <p:spPr/>
-        <p:txBody>
-          <a:bodyPr/>
-          <a:lstStyle>
-            <a:lvl1pPr>
-              <a:defRPr/>
-            </a:lvl1pPr>
-          </a:lstStyle>
-          <a:p>
-            <a:r>
-              <a:rPr lang="en-US"/>
-              <a:t>Click to edit Master title style</a:t>
-            </a:r>
-            <a:endParaRPr lang="en-US" dirty="0"/>
-          </a:p>
-        </p:txBody>
-      </p:sp>
-      <p:sp>
-        <p:nvSpPr>
-          <p:cNvPr id="3" name="Content Placeholder 2"/>
-          <p:cNvSpPr>
-            <a:spLocks noGrp="1"/>
-          </p:cNvSpPr>
-          <p:nvPr>
-            <p:ph idx="1"/>
-          </p:nvPr>
-        </p:nvSpPr>
-        <p:spPr/>
-        <p:txBody>
-          <a:bodyPr/>
-          <a:lstStyle/>
-          <a:p>
-            <a:pPr lvl="0"/>
-            <a:r>
-              <a:rPr lang="en-US" dirty="0"/>
-              <a:t>Click to edit Master text styles</a:t>
-            </a:r>
-          </a:p>
-          <a:p>
-            <a:pPr lvl="1"/>
-            <a:r>
-              <a:rPr lang="en-US" dirty="0"/>
-              <a:t>Second level</a:t>
-            </a:r>
-          </a:p>
-          <a:p>
-            <a:pPr lvl="2"/>
-            <a:r>
-              <a:rPr lang="en-US" dirty="0"/>
-              <a:t>Third level</a:t>
-            </a:r>
-          </a:p>
-          <a:p>
-            <a:pPr lvl="3"/>
-            <a:r>
-              <a:rPr lang="en-US" dirty="0"/>
-              <a:t>Fourth level</a:t>
-            </a:r>
-          </a:p>
-          <a:p>
-            <a:pPr lvl="4"/>
-            <a:r>
-              <a:rPr lang="en-US" dirty="0"/>
-              <a:t>Fifth level</a:t>
-            </a:r>
-          </a:p>
-        </p:txBody>
-      </p:sp>
-    </p:spTree>
-  </p:cSld>
-  <p:clrMapOvr>
-    <a:masterClrMapping/>
-  </p:clrMapOvr>
-  <p:transition/>
-</p:sldLayout>
-</file>
-
-<file path=ppt/slideLayouts/slideLayout3.xml><?xml version="1.0" encoding="utf-8"?>
-<p:sldLayout xmlns:a="http://schemas.openxmlformats.org/drawingml/2006/main" xmlns:r="http://schemas.openxmlformats.org/officeDocument/2006/relationships" xmlns:p="http://schemas.openxmlformats.org/presentationml/2006/main" preserve="1" userDrawn="1">
-  <p:cSld name="Content Full Screen">
-    <p:spTree>
-      <p:nvGrpSpPr>
-        <p:cNvPr id="1" name=""/>
-        <p:cNvGrpSpPr/>
-        <p:nvPr/>
-      </p:nvGrpSpPr>
-      <p:grpSpPr>
-        <a:xfrm>
-          <a:off x="0" y="0"/>
-          <a:ext cx="0" cy="0"/>
-          <a:chOff x="0" y="0"/>
-          <a:chExt cx="0" cy="0"/>
-        </a:xfrm>
-      </p:grpSpPr>
-      <p:sp>
-        <p:nvSpPr>
-          <p:cNvPr id="3" name="Content Placeholder 2"/>
-          <p:cNvSpPr>
-            <a:spLocks noGrp="1"/>
-          </p:cNvSpPr>
-          <p:nvPr>
-            <p:ph idx="1"/>
-          </p:nvPr>
-        </p:nvSpPr>
-        <p:spPr>
-          <a:xfrm>
-            <a:off x="0" y="113"/>
-            <a:ext cx="13011150" cy="8993187"/>
-          </a:xfrm>
-        </p:spPr>
-        <p:txBody>
-          <a:bodyPr/>
-          <a:lstStyle/>
-          <a:p>
-            <a:pPr lvl="0"/>
-            <a:r>
-              <a:rPr lang="en-US"/>
-              <a:t>Click to edit Master text styles</a:t>
-            </a:r>
-          </a:p>
-        </p:txBody>
-      </p:sp>
-    </p:spTree>
-  </p:cSld>
-  <p:clrMapOvr>
-    <a:masterClrMapping/>
-  </p:clrMapOvr>
-  <p:transition/>
-</p:sldLayout>
-</file>
-
-<file path=ppt/slideLayouts/slideLayout4.xml><?xml version="1.0" encoding="utf-8"?>
-<p:sldLayout xmlns:a="http://schemas.openxmlformats.org/drawingml/2006/main" xmlns:r="http://schemas.openxmlformats.org/officeDocument/2006/relationships" xmlns:p="http://schemas.openxmlformats.org/presentationml/2006/main" preserve="1" userDrawn="1">
-  <p:cSld name="Text and Content">
-    <p:spTree>
-      <p:nvGrpSpPr>
-        <p:cNvPr id="1" name=""/>
-        <p:cNvGrpSpPr/>
-        <p:nvPr/>
-      </p:nvGrpSpPr>
-      <p:grpSpPr>
-        <a:xfrm>
-          <a:off x="0" y="0"/>
-          <a:ext cx="0" cy="0"/>
-          <a:chOff x="0" y="0"/>
-          <a:chExt cx="0" cy="0"/>
-        </a:xfrm>
-      </p:grpSpPr>
-      <p:sp>
-        <p:nvSpPr>
-          <p:cNvPr id="2" name="Title 1"/>
-          <p:cNvSpPr>
-            <a:spLocks noGrp="1"/>
-          </p:cNvSpPr>
-          <p:nvPr>
-            <p:ph type="title"/>
-          </p:nvPr>
-        </p:nvSpPr>
-        <p:spPr/>
-        <p:txBody>
-          <a:bodyPr/>
-          <a:lstStyle/>
-          <a:p>
-            <a:r>
-              <a:rPr lang="en-US"/>
-              <a:t>Click to edit Master title style</a:t>
-            </a:r>
-          </a:p>
-        </p:txBody>
-      </p:sp>
-      <p:sp>
-        <p:nvSpPr>
-          <p:cNvPr id="8" name="Content Placeholder 8"/>
-          <p:cNvSpPr>
-            <a:spLocks noGrp="1"/>
-          </p:cNvSpPr>
-          <p:nvPr>
-            <p:ph sz="quarter" idx="10"/>
-          </p:nvPr>
-        </p:nvSpPr>
-        <p:spPr>
-          <a:xfrm>
-            <a:off x="603504" y="2148841"/>
-            <a:ext cx="5788152" cy="6702552"/>
-          </a:xfrm>
-        </p:spPr>
-        <p:txBody>
-          <a:bodyPr/>
-          <a:lstStyle/>
-          <a:p>
-            <a:pPr lvl="0"/>
-            <a:r>
-              <a:rPr lang="en-US" dirty="0"/>
-              <a:t>Click to edit Master text styles</a:t>
-            </a:r>
-          </a:p>
-          <a:p>
-            <a:pPr lvl="1"/>
-            <a:r>
-              <a:rPr lang="en-US" dirty="0"/>
-              <a:t>Second level</a:t>
-            </a:r>
-          </a:p>
-          <a:p>
-            <a:pPr lvl="2"/>
-            <a:r>
-              <a:rPr lang="en-US" dirty="0"/>
-              <a:t>Third level</a:t>
-            </a:r>
-          </a:p>
-          <a:p>
-            <a:pPr lvl="3"/>
-            <a:r>
-              <a:rPr lang="en-US" dirty="0"/>
-              <a:t>Fourth level</a:t>
-            </a:r>
-          </a:p>
-          <a:p>
-            <a:pPr lvl="4"/>
-            <a:r>
-              <a:rPr lang="en-US" dirty="0"/>
-              <a:t>Fifth level</a:t>
-            </a:r>
-          </a:p>
-        </p:txBody>
-      </p:sp>
-      <p:sp>
-        <p:nvSpPr>
-          <p:cNvPr id="9" name="Content Placeholder 10"/>
-          <p:cNvSpPr>
-            <a:spLocks noGrp="1"/>
-          </p:cNvSpPr>
-          <p:nvPr>
-            <p:ph sz="quarter" idx="11"/>
-          </p:nvPr>
-        </p:nvSpPr>
-        <p:spPr>
-          <a:xfrm>
-            <a:off x="6581775" y="2148840"/>
-            <a:ext cx="5791200" cy="6705600"/>
-          </a:xfrm>
-        </p:spPr>
-        <p:txBody>
-          <a:bodyPr/>
-          <a:lstStyle/>
-          <a:p>
-            <a:pPr lvl="0"/>
-            <a:r>
-              <a:rPr lang="en-US"/>
-              <a:t>Click to edit Master text styles</a:t>
-            </a:r>
-          </a:p>
-          <a:p>
-            <a:pPr lvl="1"/>
-            <a:r>
-              <a:rPr lang="en-US"/>
-              <a:t>Second level</a:t>
-            </a:r>
-          </a:p>
-          <a:p>
-            <a:pPr lvl="2"/>
-            <a:r>
-              <a:rPr lang="en-US"/>
-              <a:t>Third level</a:t>
-            </a:r>
-          </a:p>
-          <a:p>
-            <a:pPr lvl="3"/>
-            <a:r>
-              <a:rPr lang="en-US"/>
-              <a:t>Fourth level</a:t>
-            </a:r>
-          </a:p>
-          <a:p>
-            <a:pPr lvl="4"/>
-            <a:r>
-              <a:rPr lang="en-US"/>
-              <a:t>Fifth level</a:t>
-            </a:r>
-          </a:p>
-        </p:txBody>
-      </p:sp>
-    </p:spTree>
-  </p:cSld>
-  <p:clrMapOvr>
-    <a:masterClrMapping/>
-  </p:clrMapOvr>
-  <p:transition/>
-</p:sldLayout>
-</file>
-
-<file path=ppt/slideLayouts/slideLayout5.xml><?xml version="1.0" encoding="utf-8"?>
-<p:sldLayout xmlns:a="http://schemas.openxmlformats.org/drawingml/2006/main" xmlns:r="http://schemas.openxmlformats.org/officeDocument/2006/relationships" xmlns:p="http://schemas.openxmlformats.org/presentationml/2006/main" userDrawn="1">
-  <p:cSld name="Final">
-    <p:bg>
-      <p:bgPr>
-        <a:blipFill rotWithShape="1">
-          <a:blip r:embed="rId2"/>
-          <a:stretch>
-            <a:fillRect/>
-          </a:stretch>
-        </a:blipFill>
-        <a:effectLst/>
-      </p:bgPr>
-    </p:bg>
-    <p:spTree>
-      <p:nvGrpSpPr>
-        <p:cNvPr id="1" name=""/>
-        <p:cNvGrpSpPr/>
-        <p:nvPr/>
-      </p:nvGrpSpPr>
-      <p:grpSpPr>
-        <a:xfrm>
-          <a:off x="0" y="0"/>
-          <a:ext cx="0" cy="0"/>
-          <a:chOff x="0" y="0"/>
-          <a:chExt cx="0" cy="0"/>
-        </a:xfrm>
-      </p:grpSpPr>
-      <p:sp>
-        <p:nvSpPr>
-          <p:cNvPr id="3" name="Text Placeholder 2"/>
-          <p:cNvSpPr>
-            <a:spLocks noGrp="1"/>
-          </p:cNvSpPr>
-          <p:nvPr>
-            <p:ph type="body" sz="quarter" idx="12" hasCustomPrompt="1"/>
-          </p:nvPr>
-        </p:nvSpPr>
-        <p:spPr>
-          <a:xfrm>
-            <a:off x="105452" y="8251100"/>
-            <a:ext cx="12798977" cy="1000589"/>
-          </a:xfrm>
-          <a:prstGeom prst="rect">
-            <a:avLst/>
-          </a:prstGeom>
-        </p:spPr>
-        <p:txBody>
-          <a:bodyPr vert="horz" lIns="0" tIns="0" rIns="0" bIns="0" anchor="b" anchorCtr="0"/>
-          <a:lstStyle>
-            <a:lvl1pPr marL="0" indent="0">
-              <a:buNone/>
-              <a:defRPr sz="1000">
-                <a:solidFill>
-                  <a:srgbClr val="595959"/>
-                </a:solidFill>
-              </a:defRPr>
-            </a:lvl1pPr>
-          </a:lstStyle>
-          <a:p>
-            <a:r>
-              <a:rPr lang="en-US" dirty="0"/>
-              <a:t>Autodesk is a registered trademark of Autodesk, Inc., and/or its subsidiaries and/or affiliates in the USA and/or other countries. All other brand names, product names, or trademarks belong to their respective holders. Autodesk reserves the right to alter product and services offerings, and specifications and pricing at any time without notice, and is not responsible for typographical or graphical errors that may appear in this document.</a:t>
-            </a:r>
-          </a:p>
-        </p:txBody>
-      </p:sp>
-      <p:pic>
-        <p:nvPicPr>
-          <p:cNvPr id="4" name="Picture 3"/>
-          <p:cNvPicPr>
-            <a:picLocks noChangeAspect="1"/>
-          </p:cNvPicPr>
-          <p:nvPr userDrawn="1"/>
-        </p:nvPicPr>
-        <p:blipFill>
-          <a:blip r:embed="rId3">
-            <a:extLst>
-              <a:ext uri="{28A0092B-C50C-407E-A947-70E740481C1C}">
-                <a14:useLocalDpi xmlns:a14="http://schemas.microsoft.com/office/drawing/2010/main" val="0"/>
-              </a:ext>
-            </a:extLst>
-          </a:blip>
-          <a:stretch>
-            <a:fillRect/>
-          </a:stretch>
-        </p:blipFill>
-        <p:spPr>
-          <a:xfrm>
-            <a:off x="1587428" y="3963987"/>
-            <a:ext cx="9228628" cy="1578324"/>
-          </a:xfrm>
-          <a:prstGeom prst="rect">
-            <a:avLst/>
-          </a:prstGeom>
-        </p:spPr>
-      </p:pic>
-    </p:spTree>
-    <p:extLst>
-      <p:ext uri="{BB962C8B-B14F-4D97-AF65-F5344CB8AC3E}">
-        <p14:creationId xmlns:p14="http://schemas.microsoft.com/office/powerpoint/2010/main" val="2183279675"/>
-      </p:ext>
-    </p:extLst>
-  </p:cSld>
-  <p:clrMapOvr>
-    <a:masterClrMapping/>
-  </p:clrMapOvr>
-</p:sldLayout>
-</file>
-
 <file path=ppt/slideMasters/slideMaster1.xml><?xml version="1.0" encoding="utf-8"?>
 <p:sldMaster xmlns:a="http://schemas.openxmlformats.org/drawingml/2006/main" xmlns:r="http://schemas.openxmlformats.org/officeDocument/2006/relationships" xmlns:p="http://schemas.openxmlformats.org/presentationml/2006/main" preserve="1">
   <p:cSld>
@@ -4444,36 +4317,6 @@
           <a:chExt cx="0" cy="0"/>
         </a:xfrm>
       </p:grpSpPr>
-      <p:pic>
-        <p:nvPicPr>
-          <p:cNvPr id="2" name="Picture 1" descr="footer_2014.png"/>
-          <p:cNvPicPr>
-            <a:picLocks noChangeAspect="1"/>
-          </p:cNvPicPr>
-          <p:nvPr userDrawn="1"/>
-        </p:nvPicPr>
-        <p:blipFill>
-          <a:blip r:embed="rId7">
-            <a:extLst>
-              <a:ext uri="{28A0092B-C50C-407E-A947-70E740481C1C}">
-                <a14:useLocalDpi xmlns:a14="http://schemas.microsoft.com/office/drawing/2010/main" val="0"/>
-              </a:ext>
-            </a:extLst>
-          </a:blip>
-          <a:stretch>
-            <a:fillRect/>
-          </a:stretch>
-        </p:blipFill>
-        <p:spPr>
-          <a:xfrm>
-            <a:off x="-47626" y="9069387"/>
-            <a:ext cx="13058775" cy="773603"/>
-          </a:xfrm>
-          <a:prstGeom prst="rect">
-            <a:avLst/>
-          </a:prstGeom>
-        </p:spPr>
-      </p:pic>
       <p:sp>
         <p:nvSpPr>
           <p:cNvPr id="1026" name="Rectangle 1"/>
@@ -4606,57 +4449,14 @@
       </p:sp>
       <p:sp>
         <p:nvSpPr>
-          <p:cNvPr id="5" name="Text Box 76"/>
-          <p:cNvSpPr txBox="1">
-            <a:spLocks noChangeArrowheads="1"/>
-          </p:cNvSpPr>
-          <p:nvPr/>
-        </p:nvSpPr>
-        <p:spPr bwMode="white">
-          <a:xfrm>
-            <a:off x="590550" y="9269526"/>
-            <a:ext cx="2898774" cy="200025"/>
-          </a:xfrm>
-          <a:prstGeom prst="rect">
-            <a:avLst/>
-          </a:prstGeom>
-          <a:noFill/>
-          <a:ln w="9525">
-            <a:noFill/>
-            <a:miter lim="800000"/>
-            <a:headEnd/>
-            <a:tailEnd/>
-          </a:ln>
-          <a:effectLst/>
-        </p:spPr>
-        <p:txBody>
-          <a:bodyPr lIns="0" tIns="0" rIns="0" bIns="0" anchor="ctr"/>
-          <a:lstStyle/>
-          <a:p>
-            <a:pPr defTabSz="1294318" eaLnBrk="0" hangingPunct="0">
-              <a:defRPr/>
-            </a:pPr>
-            <a:r>
-              <a:rPr lang="en-US" sz="900" baseline="0" dirty="0">
-                <a:solidFill>
-                  <a:srgbClr val="969696"/>
-                </a:solidFill>
-              </a:rPr>
-              <a:t>© 2020 Autodesk </a:t>
-            </a:r>
-          </a:p>
-        </p:txBody>
-      </p:sp>
-      <p:sp>
-        <p:nvSpPr>
           <p:cNvPr id="6" name="TextBox 5"/>
           <p:cNvSpPr txBox="1"/>
-          <p:nvPr/>
+          <p:nvPr userDrawn="1"/>
         </p:nvSpPr>
         <p:spPr>
           <a:xfrm>
-            <a:off x="5438775" y="9221787"/>
-            <a:ext cx="2098523" cy="338554"/>
+            <a:off x="5057775" y="839787"/>
+            <a:ext cx="3299301" cy="338554"/>
           </a:xfrm>
           <a:prstGeom prst="rect">
             <a:avLst/>
@@ -4670,20 +4470,12 @@
           <a:lstStyle/>
           <a:p>
             <a:r>
-              <a:rPr lang="en-US" sz="1600">
+              <a:rPr lang="en-US" sz="1600" dirty="0">
                 <a:solidFill>
                   <a:schemeClr val="bg1"/>
                 </a:solidFill>
               </a:rPr>
-              <a:t>The Revit Family </a:t>
-            </a:r>
-            <a:r>
-              <a:rPr lang="en-US" sz="1600" dirty="0">
-                <a:solidFill>
-                  <a:schemeClr val="bg1"/>
-                </a:solidFill>
-              </a:rPr>
-              <a:t>API</a:t>
+              <a:t>Introduction to Revit Programming</a:t>
             </a:r>
             <a:endParaRPr lang="en-US" sz="1600" i="1" dirty="0">
               <a:solidFill>
@@ -4694,17 +4486,19 @@
         </p:txBody>
       </p:sp>
     </p:spTree>
+    <p:extLst>
+      <p:ext uri="{BB962C8B-B14F-4D97-AF65-F5344CB8AC3E}">
+        <p14:creationId xmlns:p14="http://schemas.microsoft.com/office/powerpoint/2010/main" val="155057529"/>
+      </p:ext>
+    </p:extLst>
   </p:cSld>
   <p:clrMap bg1="lt1" tx1="dk1" bg2="lt2" tx2="dk2" accent1="accent1" accent2="accent2" accent3="accent3" accent4="accent4" accent5="accent5" accent6="accent6" hlink="hlink" folHlink="folHlink"/>
   <p:sldLayoutIdLst>
-    <p:sldLayoutId id="2147483688" r:id="rId1"/>
-    <p:sldLayoutId id="2147483689" r:id="rId2"/>
-    <p:sldLayoutId id="2147483690" r:id="rId3"/>
-    <p:sldLayoutId id="2147483691" r:id="rId4"/>
-    <p:sldLayoutId id="2147483693" r:id="rId5"/>
+    <p:sldLayoutId id="2147483694" r:id="rId1"/>
+    <p:sldLayoutId id="2147483695" r:id="rId2"/>
+    <p:sldLayoutId id="2147483696" r:id="rId3"/>
   </p:sldLayoutIdLst>
   <p:transition/>
-  <p:hf hdr="0" ftr="0" dt="0"/>
   <p:txStyles>
     <p:titleStyle>
       <a:lvl1pPr algn="l" rtl="0" eaLnBrk="1" fontAlgn="base" hangingPunct="1">
@@ -4874,8 +4668,8 @@
         </a:buClr>
         <a:buSzPct val="80000"/>
         <a:buFont typeface="Wingdings" pitchFamily="2" charset="2"/>
-        <a:buNone/>
-        <a:defRPr sz="3200">
+        <a:buChar char="§"/>
+        <a:defRPr sz="3100">
           <a:solidFill>
             <a:schemeClr val="tx1"/>
           </a:solidFill>
@@ -5170,7 +4964,7 @@
 </file>
 
 <file path=ppt/slides/slide1.xml><?xml version="1.0" encoding="utf-8"?>
-<p:sld xmlns:a="http://schemas.openxmlformats.org/drawingml/2006/main" xmlns:r="http://schemas.openxmlformats.org/officeDocument/2006/relationships" xmlns:p="http://schemas.openxmlformats.org/presentationml/2006/main" showMasterSp="0">
+<p:sld xmlns:a="http://schemas.openxmlformats.org/drawingml/2006/main" xmlns:r="http://schemas.openxmlformats.org/officeDocument/2006/relationships" xmlns:p="http://schemas.openxmlformats.org/presentationml/2006/main">
   <p:cSld>
     <p:bg>
       <p:bgPr>
@@ -5216,7 +5010,7 @@
           </a:prstGeom>
           <a:solidFill>
             <a:schemeClr val="tx1">
-              <a:alpha val="49000"/>
+              <a:alpha val="50000"/>
             </a:schemeClr>
           </a:solidFill>
           <a:ln w="25400" cap="flat" cmpd="sng" algn="ctr">
@@ -5261,8 +5055,8 @@
         </p:nvSpPr>
         <p:spPr>
           <a:xfrm>
-            <a:off x="594361" y="3201987"/>
-            <a:ext cx="11983084" cy="1219673"/>
+            <a:off x="594361" y="2973389"/>
+            <a:ext cx="11983084" cy="1448271"/>
           </a:xfrm>
         </p:spPr>
         <p:txBody>
@@ -5270,7 +5064,7 @@
           <a:lstStyle/>
           <a:p>
             <a:r>
-              <a:rPr lang="en-US" sz="4800" b="0" dirty="0" err="1">
+              <a:rPr lang="en-US" sz="4800" dirty="0" err="1">
                 <a:solidFill>
                   <a:schemeClr val="bg1"/>
                 </a:solidFill>
@@ -5278,7 +5072,7 @@
               <a:t>Revit</a:t>
             </a:r>
             <a:r>
-              <a:rPr lang="en-US" sz="4800" b="0" dirty="0">
+              <a:rPr lang="en-US" sz="4800" dirty="0">
                 <a:solidFill>
                   <a:schemeClr val="bg1"/>
                 </a:solidFill>
@@ -5315,22 +5109,14 @@
               <a:buNone/>
             </a:pPr>
             <a:r>
-              <a:rPr lang="en-US" sz="4400" i="1" dirty="0">
+              <a:rPr lang="en-US" sz="2800" i="1" dirty="0">
                 <a:solidFill>
                   <a:schemeClr val="bg1"/>
                 </a:solidFill>
               </a:rPr>
-              <a:t>Jeremy </a:t>
-            </a:r>
-            <a:r>
-              <a:rPr lang="en-US" sz="4400" i="1" dirty="0" err="1">
-                <a:solidFill>
-                  <a:schemeClr val="bg1"/>
-                </a:solidFill>
-              </a:rPr>
-              <a:t>Tammik</a:t>
-            </a:r>
-            <a:endParaRPr lang="en-US" sz="4000" i="1" dirty="0">
+              <a:t> </a:t>
+            </a:r>
+            <a:endParaRPr lang="en-US" sz="2400" i="1" dirty="0">
               <a:solidFill>
                 <a:schemeClr val="bg1"/>
               </a:solidFill>
@@ -5448,7 +5234,7 @@
             <a:pPr marL="879543" lvl="2" indent="-284163"/>
             <a:r>
               <a:rPr lang="en-US" dirty="0"/>
-              <a:t>2009 &amp; 2010 release</a:t>
+              <a:t>2019 release</a:t>
             </a:r>
           </a:p>
           <a:p>
@@ -7565,16 +7351,22 @@
           <a:p>
             <a:pPr lvl="1"/>
             <a:r>
+              <a:rPr lang="en-US"/>
+              <a:t>There used to be two Revit API expertise communities</a:t>
+            </a:r>
+            <a:endParaRPr lang="en-US" dirty="0"/>
+          </a:p>
+          <a:p>
+            <a:pPr lvl="2"/>
+            <a:r>
               <a:rPr lang="en-US" dirty="0"/>
-              <a:t>There used to be two Revit API expertise communities</a:t>
-            </a:r>
-          </a:p>
-          <a:p>
-            <a:pPr lvl="2"/>
-            <a:r>
-              <a:rPr lang="en-US" dirty="0"/>
-              <a:t>those who know UI and content creation well</a:t>
-            </a:r>
+              <a:t>those who know </a:t>
+            </a:r>
+            <a:r>
+              <a:rPr lang="en-US"/>
+              <a:t>UI and content creation well</a:t>
+            </a:r>
+            <a:endParaRPr lang="en-US" dirty="0"/>
           </a:p>
           <a:p>
             <a:pPr lvl="2"/>
@@ -7643,6 +7435,52 @@
       </p:grpSpPr>
       <p:sp>
         <p:nvSpPr>
+          <p:cNvPr id="2" name="Title 1"/>
+          <p:cNvSpPr>
+            <a:spLocks noGrp="1"/>
+          </p:cNvSpPr>
+          <p:nvPr>
+            <p:ph type="title"/>
+          </p:nvPr>
+        </p:nvSpPr>
+        <p:spPr/>
+        <p:txBody>
+          <a:bodyPr/>
+          <a:lstStyle/>
+          <a:p>
+            <a:r>
+              <a:rPr lang="en-US" dirty="0"/>
+              <a:t>Family API along Best Practice</a:t>
+            </a:r>
+            <a:r>
+              <a:rPr lang="en-US" b="0" i="1" dirty="0">
+                <a:solidFill>
+                  <a:schemeClr val="accent4"/>
+                </a:solidFill>
+              </a:rPr>
+              <a:t> </a:t>
+            </a:r>
+            <a:br>
+              <a:rPr lang="en-US" b="0" i="1" dirty="0">
+                <a:solidFill>
+                  <a:schemeClr val="accent4"/>
+                </a:solidFill>
+              </a:rPr>
+            </a:br>
+            <a:r>
+              <a:rPr lang="en-US" sz="2800" b="0" i="1" dirty="0">
+                <a:solidFill>
+                  <a:schemeClr val="accent4"/>
+                </a:solidFill>
+              </a:rPr>
+              <a:t>Example: Simple L-shape column</a:t>
+            </a:r>
+            <a:endParaRPr lang="en-US" sz="2800" dirty="0"/>
+          </a:p>
+        </p:txBody>
+      </p:sp>
+      <p:sp>
+        <p:nvSpPr>
           <p:cNvPr id="3" name="Content Placeholder 2"/>
           <p:cNvSpPr>
             <a:spLocks noGrp="1"/>
@@ -7695,52 +7533,6 @@
           </a:p>
           <a:p>
             <a:endParaRPr lang="en-US" dirty="0"/>
-          </a:p>
-        </p:txBody>
-      </p:sp>
-      <p:sp>
-        <p:nvSpPr>
-          <p:cNvPr id="2" name="Title 1"/>
-          <p:cNvSpPr>
-            <a:spLocks noGrp="1"/>
-          </p:cNvSpPr>
-          <p:nvPr>
-            <p:ph type="title"/>
-          </p:nvPr>
-        </p:nvSpPr>
-        <p:spPr/>
-        <p:txBody>
-          <a:bodyPr/>
-          <a:lstStyle/>
-          <a:p>
-            <a:r>
-              <a:rPr lang="en-US" dirty="0"/>
-              <a:t>Family API along Best Practice</a:t>
-            </a:r>
-            <a:r>
-              <a:rPr lang="en-US" b="0" i="1" dirty="0">
-                <a:solidFill>
-                  <a:schemeClr val="accent4"/>
-                </a:solidFill>
-              </a:rPr>
-              <a:t> </a:t>
-            </a:r>
-            <a:br>
-              <a:rPr lang="en-US" b="0" i="1" dirty="0">
-                <a:solidFill>
-                  <a:schemeClr val="accent4"/>
-                </a:solidFill>
-              </a:rPr>
-            </a:br>
-            <a:r>
-              <a:rPr lang="en-US" sz="2800" b="0" i="1" dirty="0">
-                <a:solidFill>
-                  <a:schemeClr val="accent4"/>
-                </a:solidFill>
-              </a:rPr>
-              <a:t>Example: Simple L-shape column</a:t>
-            </a:r>
-            <a:endParaRPr lang="en-US" sz="2800" dirty="0"/>
           </a:p>
         </p:txBody>
       </p:sp>
@@ -17552,56 +17344,16 @@
             </a:r>
           </a:p>
           <a:p>
-            <a:pPr>
-              <a:spcBef>
-                <a:spcPts val="1800"/>
-              </a:spcBef>
-            </a:pPr>
             <a:r>
               <a:rPr lang="en-US" dirty="0"/>
-              <a:t>Family usage via API </a:t>
+              <a:t>Family creation using API </a:t>
             </a:r>
           </a:p>
           <a:p>
             <a:pPr lvl="1"/>
             <a:r>
               <a:rPr lang="en-US" dirty="0"/>
-              <a:t>Load family, place and modify instances, retrieve data</a:t>
-            </a:r>
-            <a:br>
-              <a:rPr lang="en-US" dirty="0"/>
-            </a:br>
-            <a:r>
-              <a:rPr lang="en-US" sz="1800" dirty="0">
-                <a:hlinkClick r:id="rId2"/>
-              </a:rPr>
-              <a:t>http://thebuildingcoder.typepad.com/blog/2013/07/family-api-nested-type-instance-and-symbol-retrieval.html</a:t>
-            </a:r>
-            <a:endParaRPr lang="en-US" dirty="0"/>
-          </a:p>
-          <a:p>
-            <a:pPr lvl="1"/>
-            <a:r>
-              <a:rPr lang="en-US" dirty="0"/>
-              <a:t>Not covered here</a:t>
-            </a:r>
-          </a:p>
-          <a:p>
-            <a:pPr>
-              <a:spcBef>
-                <a:spcPts val="1800"/>
-              </a:spcBef>
-            </a:pPr>
-            <a:r>
-              <a:rPr lang="en-US" dirty="0"/>
-              <a:t>Family creation via API </a:t>
-            </a:r>
-          </a:p>
-          <a:p>
-            <a:pPr lvl="1"/>
-            <a:r>
-              <a:rPr lang="en-US" dirty="0"/>
-              <a:t>Learning best practice </a:t>
+              <a:t>Learning along best practice </a:t>
             </a:r>
           </a:p>
           <a:p>
@@ -21518,29 +21270,6 @@
           </a:p>
         </p:txBody>
       </p:sp>
-      <p:pic>
-        <p:nvPicPr>
-          <p:cNvPr id="14" name="Content Placeholder 13" descr="Family Type dialog new name.PNG"/>
-          <p:cNvPicPr>
-            <a:picLocks noGrp="1" noChangeAspect="1"/>
-          </p:cNvPicPr>
-          <p:nvPr>
-            <p:ph idx="1"/>
-          </p:nvPr>
-        </p:nvPicPr>
-        <p:blipFill>
-          <a:blip r:embed="rId2" cstate="print"/>
-          <a:stretch>
-            <a:fillRect/>
-          </a:stretch>
-        </p:blipFill>
-        <p:spPr>
-          <a:xfrm>
-            <a:off x="6200774" y="5259387"/>
-            <a:ext cx="6629401" cy="3660713"/>
-          </a:xfrm>
-        </p:spPr>
-      </p:pic>
       <p:sp>
         <p:nvSpPr>
           <p:cNvPr id="10" name="Oval 9"/>
@@ -21607,12 +21336,118 @@
           </a:p>
         </p:txBody>
       </p:sp>
+      <p:pic>
+        <p:nvPicPr>
+          <p:cNvPr id="14" name="Content Placeholder 13" descr="Family Type dialog new name.PNG"/>
+          <p:cNvPicPr>
+            <a:picLocks noGrp="1" noChangeAspect="1"/>
+          </p:cNvPicPr>
+          <p:nvPr>
+            <p:ph idx="1"/>
+          </p:nvPr>
+        </p:nvPicPr>
+        <p:blipFill>
+          <a:blip r:embed="rId2" cstate="print"/>
+          <a:stretch>
+            <a:fillRect/>
+          </a:stretch>
+        </p:blipFill>
+        <p:spPr>
+          <a:xfrm>
+            <a:off x="3326606" y="3757612"/>
+            <a:ext cx="6296025" cy="3476625"/>
+          </a:xfrm>
+        </p:spPr>
+      </p:pic>
     </p:spTree>
   </p:cSld>
   <p:clrMapOvr>
     <a:masterClrMapping/>
   </p:clrMapOvr>
   <p:transition/>
+  <p:timing>
+    <p:tnLst>
+      <p:par>
+        <p:cTn id="1" dur="indefinite" restart="never" nodeType="tmRoot">
+          <p:childTnLst>
+            <p:seq concurrent="1" nextAc="seek">
+              <p:cTn id="2" dur="indefinite" nodeType="mainSeq">
+                <p:childTnLst>
+                  <p:par>
+                    <p:cTn id="3" fill="hold">
+                      <p:stCondLst>
+                        <p:cond delay="indefinite"/>
+                      </p:stCondLst>
+                      <p:childTnLst>
+                        <p:par>
+                          <p:cTn id="4" fill="hold">
+                            <p:stCondLst>
+                              <p:cond delay="0"/>
+                            </p:stCondLst>
+                            <p:childTnLst>
+                              <p:par>
+                                <p:cTn id="5" presetID="10" presetClass="entr" presetSubtype="0" fill="hold" nodeType="clickEffect">
+                                  <p:stCondLst>
+                                    <p:cond delay="0"/>
+                                  </p:stCondLst>
+                                  <p:childTnLst>
+                                    <p:set>
+                                      <p:cBhvr>
+                                        <p:cTn id="6" dur="1" fill="hold">
+                                          <p:stCondLst>
+                                            <p:cond delay="0"/>
+                                          </p:stCondLst>
+                                        </p:cTn>
+                                        <p:tgtEl>
+                                          <p:spTgt spid="14"/>
+                                        </p:tgtEl>
+                                        <p:attrNameLst>
+                                          <p:attrName>style.visibility</p:attrName>
+                                        </p:attrNameLst>
+                                      </p:cBhvr>
+                                      <p:to>
+                                        <p:strVal val="visible"/>
+                                      </p:to>
+                                    </p:set>
+                                    <p:animEffect transition="in" filter="fade">
+                                      <p:cBhvr>
+                                        <p:cTn id="7" dur="500"/>
+                                        <p:tgtEl>
+                                          <p:spTgt spid="14"/>
+                                        </p:tgtEl>
+                                      </p:cBhvr>
+                                    </p:animEffect>
+                                  </p:childTnLst>
+                                </p:cTn>
+                              </p:par>
+                            </p:childTnLst>
+                          </p:cTn>
+                        </p:par>
+                      </p:childTnLst>
+                    </p:cTn>
+                  </p:par>
+                </p:childTnLst>
+              </p:cTn>
+              <p:prevCondLst>
+                <p:cond evt="onPrev" delay="0">
+                  <p:tgtEl>
+                    <p:sldTgt/>
+                  </p:tgtEl>
+                </p:cond>
+              </p:prevCondLst>
+              <p:nextCondLst>
+                <p:cond evt="onNext" delay="0">
+                  <p:tgtEl>
+                    <p:sldTgt/>
+                  </p:tgtEl>
+                </p:cond>
+              </p:nextCondLst>
+            </p:seq>
+          </p:childTnLst>
+        </p:cTn>
+      </p:par>
+    </p:tnLst>
+  </p:timing>
 </p:sld>
 </file>
 
@@ -21806,33 +21641,6 @@
           </a:p>
         </p:txBody>
       </p:sp>
-      <p:pic>
-        <p:nvPicPr>
-          <p:cNvPr id="6" name="Picture 5" descr="7 add solid 600x600.PNG"/>
-          <p:cNvPicPr>
-            <a:picLocks noChangeAspect="1"/>
-          </p:cNvPicPr>
-          <p:nvPr/>
-        </p:nvPicPr>
-        <p:blipFill>
-          <a:blip r:embed="rId2" cstate="print"/>
-          <a:stretch>
-            <a:fillRect/>
-          </a:stretch>
-        </p:blipFill>
-        <p:spPr>
-          <a:xfrm>
-            <a:off x="1781175" y="2964727"/>
-            <a:ext cx="9467850" cy="6000750"/>
-          </a:xfrm>
-          <a:prstGeom prst="rect">
-            <a:avLst/>
-          </a:prstGeom>
-          <a:ln>
-            <a:noFill/>
-          </a:ln>
-        </p:spPr>
-      </p:pic>
       <p:sp>
         <p:nvSpPr>
           <p:cNvPr id="3" name="Content Placeholder 2"/>
@@ -21866,6 +21674,33 @@
           </a:p>
         </p:txBody>
       </p:sp>
+      <p:pic>
+        <p:nvPicPr>
+          <p:cNvPr id="6" name="Picture 5" descr="7 add solid 600x600.PNG"/>
+          <p:cNvPicPr>
+            <a:picLocks noChangeAspect="1"/>
+          </p:cNvPicPr>
+          <p:nvPr/>
+        </p:nvPicPr>
+        <p:blipFill>
+          <a:blip r:embed="rId2" cstate="print"/>
+          <a:stretch>
+            <a:fillRect/>
+          </a:stretch>
+        </p:blipFill>
+        <p:spPr>
+          <a:xfrm>
+            <a:off x="1476375" y="3157079"/>
+            <a:ext cx="9467850" cy="6000750"/>
+          </a:xfrm>
+          <a:prstGeom prst="rect">
+            <a:avLst/>
+          </a:prstGeom>
+          <a:ln>
+            <a:noFill/>
+          </a:ln>
+        </p:spPr>
+      </p:pic>
     </p:spTree>
   </p:cSld>
   <p:clrMapOvr>
@@ -23298,6 +23133,89 @@
     <a:masterClrMapping/>
   </p:clrMapOvr>
   <p:transition/>
+  <p:timing>
+    <p:tnLst>
+      <p:par>
+        <p:cTn id="1" dur="indefinite" restart="never" nodeType="tmRoot">
+          <p:childTnLst>
+            <p:seq concurrent="1" nextAc="seek">
+              <p:cTn id="2" dur="indefinite" nodeType="mainSeq">
+                <p:childTnLst>
+                  <p:par>
+                    <p:cTn id="3" fill="hold">
+                      <p:stCondLst>
+                        <p:cond delay="indefinite"/>
+                      </p:stCondLst>
+                      <p:childTnLst>
+                        <p:par>
+                          <p:cTn id="4" fill="hold">
+                            <p:stCondLst>
+                              <p:cond delay="0"/>
+                            </p:stCondLst>
+                            <p:childTnLst>
+                              <p:par>
+                                <p:cTn id="5" presetID="10" presetClass="entr" presetSubtype="0" fill="hold" nodeType="clickEffect">
+                                  <p:stCondLst>
+                                    <p:cond delay="0"/>
+                                  </p:stCondLst>
+                                  <p:childTnLst>
+                                    <p:set>
+                                      <p:cBhvr>
+                                        <p:cTn id="6" dur="1" fill="hold">
+                                          <p:stCondLst>
+                                            <p:cond delay="0"/>
+                                          </p:stCondLst>
+                                        </p:cTn>
+                                        <p:tgtEl>
+                                          <p:spTgt spid="10"/>
+                                        </p:tgtEl>
+                                        <p:attrNameLst>
+                                          <p:attrName>style.visibility</p:attrName>
+                                        </p:attrNameLst>
+                                      </p:cBhvr>
+                                      <p:to>
+                                        <p:strVal val="visible"/>
+                                      </p:to>
+                                    </p:set>
+                                    <p:animEffect transition="in" filter="fade">
+                                      <p:cBhvr>
+                                        <p:cTn id="7" dur="500"/>
+                                        <p:tgtEl>
+                                          <p:spTgt spid="10"/>
+                                        </p:tgtEl>
+                                      </p:cBhvr>
+                                    </p:animEffect>
+                                  </p:childTnLst>
+                                </p:cTn>
+                              </p:par>
+                            </p:childTnLst>
+                          </p:cTn>
+                        </p:par>
+                      </p:childTnLst>
+                    </p:cTn>
+                  </p:par>
+                </p:childTnLst>
+              </p:cTn>
+              <p:prevCondLst>
+                <p:cond evt="onPrev" delay="0">
+                  <p:tgtEl>
+                    <p:sldTgt/>
+                  </p:tgtEl>
+                </p:cond>
+              </p:prevCondLst>
+              <p:nextCondLst>
+                <p:cond evt="onNext" delay="0">
+                  <p:tgtEl>
+                    <p:sldTgt/>
+                  </p:tgtEl>
+                </p:cond>
+              </p:nextCondLst>
+            </p:seq>
+          </p:childTnLst>
+        </p:cTn>
+      </p:par>
+    </p:tnLst>
+  </p:timing>
 </p:sld>
 </file>
 
@@ -23318,6 +23236,52 @@
           <a:chExt cx="0" cy="0"/>
         </a:xfrm>
       </p:grpSpPr>
+      <p:sp>
+        <p:nvSpPr>
+          <p:cNvPr id="2" name="Title 1"/>
+          <p:cNvSpPr>
+            <a:spLocks noGrp="1"/>
+          </p:cNvSpPr>
+          <p:nvPr>
+            <p:ph type="title"/>
+          </p:nvPr>
+        </p:nvSpPr>
+        <p:spPr/>
+        <p:txBody>
+          <a:bodyPr/>
+          <a:lstStyle/>
+          <a:p>
+            <a:r>
+              <a:rPr lang="en-US" dirty="0"/>
+              <a:t>7a. Add Single Level of Geometry</a:t>
+            </a:r>
+            <a:r>
+              <a:rPr lang="en-US" b="0" i="1" dirty="0">
+                <a:solidFill>
+                  <a:schemeClr val="accent4"/>
+                </a:solidFill>
+              </a:rPr>
+              <a:t> </a:t>
+            </a:r>
+            <a:br>
+              <a:rPr lang="en-US" b="0" i="1" dirty="0">
+                <a:solidFill>
+                  <a:schemeClr val="accent4"/>
+                </a:solidFill>
+              </a:rPr>
+            </a:br>
+            <a:r>
+              <a:rPr lang="en-US" sz="2800" b="0" i="1" dirty="0">
+                <a:solidFill>
+                  <a:schemeClr val="accent4"/>
+                </a:solidFill>
+              </a:rPr>
+              <a:t>Example: L-shape profile</a:t>
+            </a:r>
+            <a:endParaRPr lang="en-US" sz="2800" dirty="0"/>
+          </a:p>
+        </p:txBody>
+      </p:sp>
       <p:sp>
         <p:nvSpPr>
           <p:cNvPr id="13" name="Content Placeholder 12"/>
@@ -25197,52 +25161,6 @@
               <a:t>Function</a:t>
             </a:r>
             <a:endParaRPr lang="en-US" sz="1800" dirty="0"/>
-          </a:p>
-        </p:txBody>
-      </p:sp>
-      <p:sp>
-        <p:nvSpPr>
-          <p:cNvPr id="2" name="Title 1"/>
-          <p:cNvSpPr>
-            <a:spLocks noGrp="1"/>
-          </p:cNvSpPr>
-          <p:nvPr>
-            <p:ph type="title"/>
-          </p:nvPr>
-        </p:nvSpPr>
-        <p:spPr/>
-        <p:txBody>
-          <a:bodyPr/>
-          <a:lstStyle/>
-          <a:p>
-            <a:r>
-              <a:rPr lang="en-US" dirty="0"/>
-              <a:t>7a. Add Single Level of Geometry</a:t>
-            </a:r>
-            <a:r>
-              <a:rPr lang="en-US" b="0" i="1" dirty="0">
-                <a:solidFill>
-                  <a:schemeClr val="accent4"/>
-                </a:solidFill>
-              </a:rPr>
-              <a:t> </a:t>
-            </a:r>
-            <a:br>
-              <a:rPr lang="en-US" b="0" i="1" dirty="0">
-                <a:solidFill>
-                  <a:schemeClr val="accent4"/>
-                </a:solidFill>
-              </a:rPr>
-            </a:br>
-            <a:r>
-              <a:rPr lang="en-US" sz="2800" b="0" i="1" dirty="0">
-                <a:solidFill>
-                  <a:schemeClr val="accent4"/>
-                </a:solidFill>
-              </a:rPr>
-              <a:t>Example: L-shape profile</a:t>
-            </a:r>
-            <a:endParaRPr lang="en-US" sz="2800" dirty="0"/>
           </a:p>
         </p:txBody>
       </p:sp>
@@ -28895,47 +28813,46 @@
           <a:p>
             <a:pPr lvl="1"/>
             <a:r>
-              <a:rPr lang="en-US" b="1"/>
-              <a:t>In-Place </a:t>
-            </a:r>
-            <a:r>
               <a:rPr lang="en-US" b="1" dirty="0"/>
-              <a:t>Families </a:t>
+              <a:t>In-Place Families </a:t>
             </a:r>
             <a:r>
               <a:rPr lang="en-US" dirty="0"/>
-              <a:t>– “one of kind </a:t>
-            </a:r>
-            <a:r>
-              <a:rPr lang="en-US"/>
-              <a:t>objects”</a:t>
+              <a:t>– “one of kind objects”</a:t>
             </a:r>
           </a:p>
           <a:p>
             <a:pPr lvl="1"/>
             <a:r>
-              <a:rPr lang="en-US" b="1"/>
+              <a:rPr lang="en-US" b="1" dirty="0"/>
               <a:t>Standard Families </a:t>
             </a:r>
             <a:r>
-              <a:rPr lang="en-US"/>
-              <a:t>– freestanding “.rfa” files</a:t>
+              <a:rPr lang="en-US" dirty="0"/>
+              <a:t>– freestanding “.</a:t>
+            </a:r>
+            <a:r>
+              <a:rPr lang="en-US" dirty="0" err="1"/>
+              <a:t>rfa</a:t>
+            </a:r>
+            <a:r>
+              <a:rPr lang="en-US" dirty="0"/>
+              <a:t>” files</a:t>
             </a:r>
           </a:p>
           <a:p>
             <a:pPr lvl="2"/>
             <a:r>
-              <a:rPr lang="en-US"/>
+              <a:rPr lang="en-US" dirty="0"/>
               <a:t>Windows, Doors, Furniture, Beams, Light Fixtures… </a:t>
             </a:r>
           </a:p>
           <a:p>
             <a:pPr lvl="2"/>
             <a:r>
-              <a:rPr lang="en-US"/>
-              <a:t>API in 2010</a:t>
-            </a:r>
-            <a:endParaRPr lang="en-US" dirty="0"/>
+              <a:rPr lang="en-US" dirty="0"/>
+              <a:t>API in 2017</a:t>
+            </a:r>
           </a:p>
         </p:txBody>
       </p:sp>
@@ -33770,43 +33687,17 @@
           <a:chExt cx="0" cy="0"/>
         </a:xfrm>
       </p:grpSpPr>
-      <p:sp>
-        <p:nvSpPr>
-          <p:cNvPr id="3" name="Text Placeholder 2"/>
-          <p:cNvSpPr>
-            <a:spLocks noGrp="1"/>
-          </p:cNvSpPr>
-          <p:nvPr>
-            <p:ph type="body" sz="quarter" idx="12"/>
-          </p:nvPr>
-        </p:nvSpPr>
-        <p:spPr>
-          <a:xfrm>
-            <a:off x="105452" y="8251100"/>
-            <a:ext cx="12798977" cy="665887"/>
-          </a:xfrm>
-        </p:spPr>
-        <p:txBody>
-          <a:bodyPr/>
-          <a:lstStyle/>
-          <a:p>
-            <a:r>
-              <a:rPr lang="en-US" dirty="0"/>
-              <a:t>Autodesk is a registered trademark of Autodesk, Inc., and/or its subsidiaries and/or affiliates in the USA and/or other countries. All other brand names, product names, or trademarks belong to their respective holders. Autodesk reserves the right to alter product and services offerings, and specifications and pricing at any time without notice, and is not responsible for typographical or graphical errors that may appear in this document.</a:t>
-            </a:r>
-          </a:p>
-        </p:txBody>
-      </p:sp>
     </p:spTree>
     <p:extLst>
       <p:ext uri="{BB962C8B-B14F-4D97-AF65-F5344CB8AC3E}">
-        <p14:creationId xmlns:p14="http://schemas.microsoft.com/office/powerpoint/2010/main" val="3485238744"/>
+        <p14:creationId xmlns:p14="http://schemas.microsoft.com/office/powerpoint/2010/main" val="1737696397"/>
       </p:ext>
     </p:extLst>
   </p:cSld>
   <p:clrMapOvr>
     <a:masterClrMapping/>
   </p:clrMapOvr>
+  <p:transition/>
 </p:sld>
 </file>
 
@@ -34233,6 +34124,33 @@
       </p:pic>
       <p:sp>
         <p:nvSpPr>
+          <p:cNvPr id="12290" name="Rectangle 2"/>
+          <p:cNvSpPr>
+            <a:spLocks noGrp="1" noChangeArrowheads="1"/>
+          </p:cNvSpPr>
+          <p:nvPr>
+            <p:ph type="title"/>
+          </p:nvPr>
+        </p:nvSpPr>
+        <p:spPr/>
+        <p:txBody>
+          <a:bodyPr/>
+          <a:lstStyle/>
+          <a:p>
+            <a:pPr eaLnBrk="1" hangingPunct="1"/>
+            <a:r>
+              <a:rPr lang="en-GB" dirty="0" err="1"/>
+              <a:t>Revit</a:t>
+            </a:r>
+            <a:r>
+              <a:rPr lang="en-GB" dirty="0"/>
+              <a:t> Families Best Practice </a:t>
+            </a:r>
+          </a:p>
+        </p:txBody>
+      </p:sp>
+      <p:sp>
+        <p:nvSpPr>
           <p:cNvPr id="12291" name="Rectangle 3"/>
           <p:cNvSpPr>
             <a:spLocks noGrp="1" noChangeArrowheads="1"/>
@@ -34437,33 +34355,6 @@
             <a:endParaRPr lang="en-GB" altLang="ja-JP" dirty="0">
               <a:ea typeface="ＭＳ Ｐゴシック" pitchFamily="34" charset="-128"/>
             </a:endParaRPr>
-          </a:p>
-        </p:txBody>
-      </p:sp>
-      <p:sp>
-        <p:nvSpPr>
-          <p:cNvPr id="12290" name="Rectangle 2"/>
-          <p:cNvSpPr>
-            <a:spLocks noGrp="1" noChangeArrowheads="1"/>
-          </p:cNvSpPr>
-          <p:nvPr>
-            <p:ph type="title"/>
-          </p:nvPr>
-        </p:nvSpPr>
-        <p:spPr/>
-        <p:txBody>
-          <a:bodyPr/>
-          <a:lstStyle/>
-          <a:p>
-            <a:pPr eaLnBrk="1" hangingPunct="1"/>
-            <a:r>
-              <a:rPr lang="en-GB" dirty="0" err="1"/>
-              <a:t>Revit</a:t>
-            </a:r>
-            <a:r>
-              <a:rPr lang="en-GB" dirty="0"/>
-              <a:t> Families Best Practice </a:t>
-            </a:r>
           </a:p>
         </p:txBody>
       </p:sp>
@@ -34502,7 +34393,7 @@
           <p:nvPr/>
         </p:nvPicPr>
         <p:blipFill>
-          <a:blip r:embed="rId5" cstate="print"/>
+          <a:blip r:embed="rId4" cstate="print"/>
           <a:srcRect/>
           <a:stretch>
             <a:fillRect/>
@@ -34534,16 +34425,11 @@
             <a:picLocks noRot="1" noChangeAspect="1"/>
           </p:cNvPicPr>
           <p:nvPr>
-            <a:videoFile r:link="rId2"/>
-            <p:extLst>
-              <p:ext uri="{DAA4B4D4-6D71-4841-9C94-3DE7FCFB9230}">
-                <p14:media xmlns:p14="http://schemas.microsoft.com/office/powerpoint/2010/main" r:link="rId1"/>
-              </p:ext>
-            </p:extLst>
+            <a:videoFile r:link="rId1"/>
           </p:nvPr>
         </p:nvPicPr>
         <p:blipFill>
-          <a:blip r:embed="rId6" cstate="print"/>
+          <a:blip r:embed="rId5" cstate="print"/>
           <a:srcRect/>
           <a:stretch>
             <a:fillRect/>
@@ -34575,7 +34461,7 @@
           <p:nvPr/>
         </p:nvPicPr>
         <p:blipFill>
-          <a:blip r:embed="rId7" cstate="print"/>
+          <a:blip r:embed="rId6" cstate="print"/>
           <a:srcRect/>
           <a:stretch>
             <a:fillRect/>
@@ -34730,7 +34616,7 @@
           <p:nvPr/>
         </p:nvPicPr>
         <p:blipFill>
-          <a:blip r:embed="rId8" cstate="print"/>
+          <a:blip r:embed="rId7" cstate="print"/>
           <a:srcRect/>
           <a:stretch>
             <a:fillRect/>
@@ -34762,7 +34648,7 @@
           <p:nvPr/>
         </p:nvPicPr>
         <p:blipFill>
-          <a:blip r:embed="rId9" cstate="print"/>
+          <a:blip r:embed="rId8" cstate="print"/>
           <a:srcRect/>
           <a:stretch>
             <a:fillRect/>
@@ -34794,7 +34680,7 @@
           <p:nvPr/>
         </p:nvPicPr>
         <p:blipFill>
-          <a:blip r:embed="rId10" cstate="print"/>
+          <a:blip r:embed="rId9" cstate="print"/>
           <a:srcRect/>
           <a:stretch>
             <a:fillRect/>
@@ -34919,7 +34805,7 @@
 </file>
 
 <file path=ppt/theme/theme1.xml><?xml version="1.0" encoding="utf-8"?>
-<a:theme xmlns:a="http://schemas.openxmlformats.org/drawingml/2006/main" name="ADSK_White">
+<a:theme xmlns:a="http://schemas.openxmlformats.org/drawingml/2006/main" name="1_ADSK_White">
   <a:themeElements>
     <a:clrScheme name="ADSK_COLORS">
       <a:dk1>
@@ -35883,21 +35769,6 @@
 </file>
 
 <file path=customXml/item1.xml><?xml version="1.0" encoding="utf-8"?>
-<p:properties xmlns:p="http://schemas.microsoft.com/office/2006/metadata/properties" xmlns:xsi="http://www.w3.org/2001/XMLSchema-instance">
-  <documentManagement>
-    <Image xmlns="f53a3603-67ad-45e2-accf-d44f8756b321">
-      <Url>https://share.autodesk.com/Marketing/catalog/PublishingImages/09_25_08_AEC_Title_01.jpg</Url>
-      <Description xsi:nil="true"/>
-    </Image>
-    <Date_x0020_Published xmlns="c8bab806-ca78-4cad-94f6-48e563f76e95">2009-05-14T07:00:00+00:00</Date_x0020_Published>
-    <Media_x0020_Description xmlns="c8bab806-ca78-4cad-94f6-48e563f76e95">AEC Industry Title Slide -- General Overview Version</Media_x0020_Description>
-    <Category xmlns="f53a3603-67ad-45e2-accf-d44f8756b321" xsi:nil="true"/>
-    <Business_x0020_and_x0020_Industry xmlns="f53a3603-67ad-45e2-accf-d44f8756b321">Industry PowerPoint Title Slides</Business_x0020_and_x0020_Industry>
-  </documentManagement>
-</p:properties>
-</file>
-
-<file path=customXml/item2.xml><?xml version="1.0" encoding="utf-8"?>
 <ct:contentTypeSchema xmlns:ct="http://schemas.microsoft.com/office/2006/metadata/contentType" xmlns:ma="http://schemas.microsoft.com/office/2006/metadata/properties/metaAttributes" ct:_="" ma:_="" ma:contentTypeName="Creative Catalog" ma:contentTypeID="0x0101003D62B9A716C08244A68E1D56ED354A9500A7EFD4C2F324CA44B4E995A506E2E1CF" ma:contentTypeVersion="31" ma:contentTypeDescription="" ma:contentTypeScope="" ma:versionID="17bc19fc9bd490bc1bda444d86d6b7f0">
   <xsd:schema xmlns:xsd="http://www.w3.org/2001/XMLSchema" xmlns:p="http://schemas.microsoft.com/office/2006/metadata/properties" xmlns:ns2="c8bab806-ca78-4cad-94f6-48e563f76e95" xmlns:ns4="f53a3603-67ad-45e2-accf-d44f8756b321" targetNamespace="http://schemas.microsoft.com/office/2006/metadata/properties" ma:root="true" ma:fieldsID="284905265c583129f8035dc0f09dfb0f" ns2:_="" ns4:_="">
     <xsd:import namespace="c8bab806-ca78-4cad-94f6-48e563f76e95"/>
@@ -35996,7 +35867,7 @@
 </ct:contentTypeSchema>
 </file>
 
-<file path=customXml/item3.xml><?xml version="1.0" encoding="utf-8"?>
+<file path=customXml/item2.xml><?xml version="1.0" encoding="utf-8"?>
 <?mso-contentType ?>
 <FormTemplates xmlns="http://schemas.microsoft.com/sharepoint/v3/contenttype/forms">
   <Display>DocumentLibraryForm</Display>
@@ -36005,17 +35876,22 @@
 </FormTemplates>
 </file>
 
-<file path=customXml/itemProps1.xml><?xml version="1.0" encoding="utf-8"?>
-<ds:datastoreItem xmlns:ds="http://schemas.openxmlformats.org/officeDocument/2006/customXml" ds:itemID="{6307AE55-A139-4AD7-ACEE-00E455099D23}">
-  <ds:schemaRefs>
-    <ds:schemaRef ds:uri="http://schemas.microsoft.com/office/2006/metadata/properties"/>
-    <ds:schemaRef ds:uri="f53a3603-67ad-45e2-accf-d44f8756b321"/>
-    <ds:schemaRef ds:uri="c8bab806-ca78-4cad-94f6-48e563f76e95"/>
-  </ds:schemaRefs>
-</ds:datastoreItem>
+<file path=customXml/item3.xml><?xml version="1.0" encoding="utf-8"?>
+<p:properties xmlns:p="http://schemas.microsoft.com/office/2006/metadata/properties" xmlns:xsi="http://www.w3.org/2001/XMLSchema-instance">
+  <documentManagement>
+    <Image xmlns="f53a3603-67ad-45e2-accf-d44f8756b321">
+      <Url>https://share.autodesk.com/Marketing/catalog/PublishingImages/09_25_08_AEC_Title_01.jpg</Url>
+      <Description xsi:nil="true"/>
+    </Image>
+    <Date_x0020_Published xmlns="c8bab806-ca78-4cad-94f6-48e563f76e95">2009-05-14T07:00:00+00:00</Date_x0020_Published>
+    <Media_x0020_Description xmlns="c8bab806-ca78-4cad-94f6-48e563f76e95">AEC Industry Title Slide -- General Overview Version</Media_x0020_Description>
+    <Category xmlns="f53a3603-67ad-45e2-accf-d44f8756b321" xsi:nil="true"/>
+    <Business_x0020_and_x0020_Industry xmlns="f53a3603-67ad-45e2-accf-d44f8756b321">Industry PowerPoint Title Slides</Business_x0020_and_x0020_Industry>
+  </documentManagement>
+</p:properties>
 </file>
 
-<file path=customXml/itemProps2.xml><?xml version="1.0" encoding="utf-8"?>
+<file path=customXml/itemProps1.xml><?xml version="1.0" encoding="utf-8"?>
 <ds:datastoreItem xmlns:ds="http://schemas.openxmlformats.org/officeDocument/2006/customXml" ds:itemID="{A9644739-F05B-4EE2-A361-57034C614130}">
   <ds:schemaRefs>
     <ds:schemaRef ds:uri="http://schemas.microsoft.com/office/2006/metadata/contentType"/>
@@ -36033,10 +35909,20 @@
 </ds:datastoreItem>
 </file>
 
-<file path=customXml/itemProps3.xml><?xml version="1.0" encoding="utf-8"?>
+<file path=customXml/itemProps2.xml><?xml version="1.0" encoding="utf-8"?>
 <ds:datastoreItem xmlns:ds="http://schemas.openxmlformats.org/officeDocument/2006/customXml" ds:itemID="{1B23F64D-CA4A-4BF5-9636-FF31814D07BC}">
   <ds:schemaRefs>
     <ds:schemaRef ds:uri="http://schemas.microsoft.com/sharepoint/v3/contenttype/forms"/>
   </ds:schemaRefs>
 </ds:datastoreItem>
+</file>
+
+<file path=customXml/itemProps3.xml><?xml version="1.0" encoding="utf-8"?>
+<ds:datastoreItem xmlns:ds="http://schemas.openxmlformats.org/officeDocument/2006/customXml" ds:itemID="{6307AE55-A139-4AD7-ACEE-00E455099D23}">
+  <ds:schemaRefs>
+    <ds:schemaRef ds:uri="http://schemas.microsoft.com/office/2006/metadata/properties"/>
+    <ds:schemaRef ds:uri="f53a3603-67ad-45e2-accf-d44f8756b321"/>
+    <ds:schemaRef ds:uri="c8bab806-ca78-4cad-94f6-48e563f76e95"/>
+  </ds:schemaRefs>
+</ds:datastoreItem>
 </file>
--- a/Presentation/3_Revit_Family_API.pptx
+++ b/Presentation/3_Revit_Family_API.pptx
@@ -335,7 +335,7 @@
               <a:pPr>
                 <a:defRPr/>
               </a:pPr>
-              <a:t>03-Apr-20</a:t>
+              <a:t>05-May-20</a:t>
             </a:fld>
             <a:endParaRPr lang="en-US"/>
           </a:p>
@@ -558,7 +558,7 @@
               <a:pPr>
                 <a:defRPr/>
               </a:pPr>
-              <a:t>03-Apr-20</a:t>
+              <a:t>05-May-20</a:t>
             </a:fld>
             <a:endParaRPr lang="en-US"/>
           </a:p>
@@ -3771,7 +3771,7 @@
             <a:pPr marL="879543" lvl="2" indent="-284163"/>
             <a:r>
               <a:rPr lang="en-US" dirty="0"/>
-              <a:t>2019 release</a:t>
+              <a:t>2020 release</a:t>
             </a:r>
           </a:p>
           <a:p>
@@ -5234,7 +5234,7 @@
             <a:pPr marL="879543" lvl="2" indent="-284163"/>
             <a:r>
               <a:rPr lang="en-US" dirty="0"/>
-              <a:t>2019 release</a:t>
+              <a:t>2020 release</a:t>
             </a:r>
           </a:p>
           <a:p>
@@ -35769,6 +35769,15 @@
 </file>
 
 <file path=customXml/item1.xml><?xml version="1.0" encoding="utf-8"?>
+<?mso-contentType ?>
+<FormTemplates xmlns="http://schemas.microsoft.com/sharepoint/v3/contenttype/forms">
+  <Display>DocumentLibraryForm</Display>
+  <Edit>DocumentLibraryForm</Edit>
+  <New>DocumentLibraryForm</New>
+</FormTemplates>
+</file>
+
+<file path=customXml/item2.xml><?xml version="1.0" encoding="utf-8"?>
 <ct:contentTypeSchema xmlns:ct="http://schemas.microsoft.com/office/2006/metadata/contentType" xmlns:ma="http://schemas.microsoft.com/office/2006/metadata/properties/metaAttributes" ct:_="" ma:_="" ma:contentTypeName="Creative Catalog" ma:contentTypeID="0x0101003D62B9A716C08244A68E1D56ED354A9500A7EFD4C2F324CA44B4E995A506E2E1CF" ma:contentTypeVersion="31" ma:contentTypeDescription="" ma:contentTypeScope="" ma:versionID="17bc19fc9bd490bc1bda444d86d6b7f0">
   <xsd:schema xmlns:xsd="http://www.w3.org/2001/XMLSchema" xmlns:p="http://schemas.microsoft.com/office/2006/metadata/properties" xmlns:ns2="c8bab806-ca78-4cad-94f6-48e563f76e95" xmlns:ns4="f53a3603-67ad-45e2-accf-d44f8756b321" targetNamespace="http://schemas.microsoft.com/office/2006/metadata/properties" ma:root="true" ma:fieldsID="284905265c583129f8035dc0f09dfb0f" ns2:_="" ns4:_="">
     <xsd:import namespace="c8bab806-ca78-4cad-94f6-48e563f76e95"/>
@@ -35867,15 +35876,6 @@
 </ct:contentTypeSchema>
 </file>
 
-<file path=customXml/item2.xml><?xml version="1.0" encoding="utf-8"?>
-<?mso-contentType ?>
-<FormTemplates xmlns="http://schemas.microsoft.com/sharepoint/v3/contenttype/forms">
-  <Display>DocumentLibraryForm</Display>
-  <Edit>DocumentLibraryForm</Edit>
-  <New>DocumentLibraryForm</New>
-</FormTemplates>
-</file>
-
 <file path=customXml/item3.xml><?xml version="1.0" encoding="utf-8"?>
 <p:properties xmlns:p="http://schemas.microsoft.com/office/2006/metadata/properties" xmlns:xsi="http://www.w3.org/2001/XMLSchema-instance">
   <documentManagement>
@@ -35892,6 +35892,14 @@
 </file>
 
 <file path=customXml/itemProps1.xml><?xml version="1.0" encoding="utf-8"?>
+<ds:datastoreItem xmlns:ds="http://schemas.openxmlformats.org/officeDocument/2006/customXml" ds:itemID="{1B23F64D-CA4A-4BF5-9636-FF31814D07BC}">
+  <ds:schemaRefs>
+    <ds:schemaRef ds:uri="http://schemas.microsoft.com/sharepoint/v3/contenttype/forms"/>
+  </ds:schemaRefs>
+</ds:datastoreItem>
+</file>
+
+<file path=customXml/itemProps2.xml><?xml version="1.0" encoding="utf-8"?>
 <ds:datastoreItem xmlns:ds="http://schemas.openxmlformats.org/officeDocument/2006/customXml" ds:itemID="{A9644739-F05B-4EE2-A361-57034C614130}">
   <ds:schemaRefs>
     <ds:schemaRef ds:uri="http://schemas.microsoft.com/office/2006/metadata/contentType"/>
@@ -35909,14 +35917,6 @@
 </ds:datastoreItem>
 </file>
 
-<file path=customXml/itemProps2.xml><?xml version="1.0" encoding="utf-8"?>
-<ds:datastoreItem xmlns:ds="http://schemas.openxmlformats.org/officeDocument/2006/customXml" ds:itemID="{1B23F64D-CA4A-4BF5-9636-FF31814D07BC}">
-  <ds:schemaRefs>
-    <ds:schemaRef ds:uri="http://schemas.microsoft.com/sharepoint/v3/contenttype/forms"/>
-  </ds:schemaRefs>
-</ds:datastoreItem>
-</file>
-
 <file path=customXml/itemProps3.xml><?xml version="1.0" encoding="utf-8"?>
 <ds:datastoreItem xmlns:ds="http://schemas.openxmlformats.org/officeDocument/2006/customXml" ds:itemID="{6307AE55-A139-4AD7-ACEE-00E455099D23}">
   <ds:schemaRefs>

--- a/Presentation/3_Revit_Family_API.pptx
+++ b/Presentation/3_Revit_Family_API.pptx
@@ -335,7 +335,7 @@
               <a:pPr>
                 <a:defRPr/>
               </a:pPr>
-              <a:t>05-May-20</a:t>
+              <a:t>08-May-20</a:t>
             </a:fld>
             <a:endParaRPr lang="en-US"/>
           </a:p>
@@ -558,7 +558,7 @@
               <a:pPr>
                 <a:defRPr/>
               </a:pPr>
-              <a:t>05-May-20</a:t>
+              <a:t>08-May-20</a:t>
             </a:fld>
             <a:endParaRPr lang="en-US"/>
           </a:p>
@@ -3771,7 +3771,7 @@
             <a:pPr marL="879543" lvl="2" indent="-284163"/>
             <a:r>
               <a:rPr lang="en-US" dirty="0"/>
-              <a:t>2020 release</a:t>
+              <a:t>2021 release</a:t>
             </a:r>
           </a:p>
           <a:p>
@@ -5234,7 +5234,7 @@
             <a:pPr marL="879543" lvl="2" indent="-284163"/>
             <a:r>
               <a:rPr lang="en-US" dirty="0"/>
-              <a:t>2020 release</a:t>
+              <a:t>2021 release</a:t>
             </a:r>
           </a:p>
           <a:p>
@@ -33095,12 +33095,16 @@
               <a:t>In </a:t>
             </a:r>
             <a:r>
-              <a:rPr lang="en-GB" sz="2100" dirty="0" err="1"/>
+              <a:rPr lang="en-GB" sz="2100" err="1"/>
               <a:t>Revit</a:t>
             </a:r>
             <a:r>
+              <a:rPr lang="en-GB" sz="2100"/>
+              <a:t> 2021, </a:t>
+            </a:r>
+            <a:r>
               <a:rPr lang="en-GB" sz="2100" dirty="0"/>
-              <a:t> 2010, but mostly still valid for Family API</a:t>
+              <a:t>but mostly still valid for Family API</a:t>
             </a:r>
           </a:p>
           <a:p>

--- a/Presentation/3_Revit_Family_API.pptx
+++ b/Presentation/3_Revit_Family_API.pptx
@@ -335,7 +335,7 @@
               <a:pPr>
                 <a:defRPr/>
               </a:pPr>
-              <a:t>08-May-20</a:t>
+              <a:t>28-Apr-21</a:t>
             </a:fld>
             <a:endParaRPr lang="en-US"/>
           </a:p>
@@ -558,7 +558,7 @@
               <a:pPr>
                 <a:defRPr/>
               </a:pPr>
-              <a:t>08-May-20</a:t>
+              <a:t>28-Apr-21</a:t>
             </a:fld>
             <a:endParaRPr lang="en-US"/>
           </a:p>
@@ -2955,7 +2955,7 @@
           <a:p>
             <a:r>
               <a:rPr lang="en-GB" dirty="0"/>
-              <a:t>Revit Architecture </a:t>
+              <a:t>Revit</a:t>
             </a:r>
           </a:p>
           <a:p>
@@ -2999,6 +2999,8 @@
               <a:spcBef>
                 <a:spcPts val="300"/>
               </a:spcBef>
+              <a:buFontTx/>
+              <a:buChar char="-"/>
             </a:pPr>
             <a:r>
               <a:rPr lang="en-US" sz="1100" dirty="0">
@@ -3008,7 +3010,7 @@
                   </a:schemeClr>
                 </a:solidFill>
               </a:rPr>
-              <a:t>- “2 point” placement objects – beams, detail components, etc.</a:t>
+              <a:t>“2 point” placement objects – beams, detail components, etc.</a:t>
             </a:r>
           </a:p>
           <a:p>
@@ -3016,6 +3018,8 @@
               <a:spcBef>
                 <a:spcPts val="300"/>
               </a:spcBef>
+              <a:buFontTx/>
+              <a:buChar char="-"/>
             </a:pPr>
             <a:r>
               <a:rPr lang="en-US" sz="1100" dirty="0">
@@ -3025,7 +3029,7 @@
                   </a:schemeClr>
                 </a:solidFill>
               </a:rPr>
-              <a:t>- Hosted objects – windows, doors, columns (“level to level”), ceiling or “wall based” lighting fixtures.)</a:t>
+              <a:t>Hosted objects – windows, doors, columns (“level to level”), ceiling or “wall based” lighting fixtures.)</a:t>
             </a:r>
             <a:r>
               <a:rPr lang="en-US" sz="1100" baseline="0" dirty="0">
@@ -3037,25 +3041,14 @@
               </a:rPr>
               <a:t> </a:t>
             </a:r>
-            <a:endParaRPr lang="en-US" sz="1100" dirty="0">
-              <a:solidFill>
-                <a:schemeClr val="bg1">
-                  <a:lumMod val="65000"/>
-                </a:schemeClr>
-              </a:solidFill>
-            </a:endParaRPr>
-          </a:p>
-          <a:p>
-            <a:r>
-              <a:rPr lang="en-GB" dirty="0"/>
-              <a:t>Revit Structure </a:t>
-            </a:r>
-          </a:p>
-          <a:p>
-            <a:pPr marL="720000" lvl="1" indent="-457200">
+          </a:p>
+          <a:p>
+            <a:pPr marL="327887" lvl="1" indent="0">
               <a:spcBef>
-                <a:spcPts val="600"/>
+                <a:spcPts val="300"/>
               </a:spcBef>
+              <a:buFontTx/>
+              <a:buNone/>
             </a:pPr>
             <a:r>
               <a:rPr lang="en-US" dirty="0"/>
@@ -3102,29 +3095,25 @@
               <a:spcBef>
                 <a:spcPts val="300"/>
               </a:spcBef>
+              <a:buFontTx/>
+              <a:buChar char="-"/>
             </a:pPr>
             <a:r>
               <a:rPr lang="en-US" dirty="0"/>
-              <a:t>- Span Direction Symbols; Reinforcement Symbols - area reinforcement expands to find edges, path reinforcement</a:t>
-            </a:r>
-          </a:p>
-          <a:p>
-            <a:r>
-              <a:rPr lang="en-GB" dirty="0"/>
-              <a:t>In Revit MEP </a:t>
+              <a:t>Span Direction Symbols; Reinforcement Symbols - area reinforcement expands to find edges, path reinforcement</a:t>
             </a:r>
           </a:p>
           <a:p>
             <a:pPr marL="720000" lvl="1" indent="-457200">
               <a:spcBef>
-                <a:spcPts val="600"/>
+                <a:spcPts val="300"/>
               </a:spcBef>
               <a:buFontTx/>
-              <a:buNone/>
+              <a:buChar char="-"/>
             </a:pPr>
             <a:r>
               <a:rPr lang="en-US" dirty="0"/>
-              <a:t>- Connectors allowing objects to resize based on what they are connected to. </a:t>
+              <a:t> Connectors allowing objects to resize based on what they are connected to. </a:t>
             </a:r>
           </a:p>
           <a:p>
@@ -3771,7 +3760,7 @@
             <a:pPr marL="879543" lvl="2" indent="-284163"/>
             <a:r>
               <a:rPr lang="en-US" dirty="0"/>
-              <a:t>2021 release</a:t>
+              <a:t>202x release</a:t>
             </a:r>
           </a:p>
           <a:p>
@@ -5234,7 +5223,7 @@
             <a:pPr marL="879543" lvl="2" indent="-284163"/>
             <a:r>
               <a:rPr lang="en-US" dirty="0"/>
-              <a:t>2021 release</a:t>
+              <a:t>202x release</a:t>
             </a:r>
           </a:p>
           <a:p>
@@ -7249,8 +7238,8 @@
         </p:blipFill>
         <p:spPr>
           <a:xfrm>
-            <a:off x="6581775" y="2439987"/>
-            <a:ext cx="5638800" cy="3470030"/>
+            <a:off x="7191375" y="2439987"/>
+            <a:ext cx="5029200" cy="2895600"/>
           </a:xfrm>
           <a:prstGeom prst="rect">
             <a:avLst/>
@@ -11213,8 +11202,8 @@
         </p:nvSpPr>
         <p:spPr>
           <a:xfrm>
-            <a:off x="561975" y="2135187"/>
-            <a:ext cx="11811000" cy="3914918"/>
+            <a:off x="593725" y="2135187"/>
+            <a:ext cx="12007850" cy="3903569"/>
           </a:xfrm>
           <a:prstGeom prst="rect">
             <a:avLst/>
@@ -32322,7 +32311,7 @@
             </a:r>
             <a:r>
               <a:rPr lang="en-US" sz="1800" dirty="0" err="1"/>
-              <a:t>NewLineBound</a:t>
+              <a:t>Line.CreateBound</a:t>
             </a:r>
             <a:r>
               <a:rPr lang="en-US" sz="1800" dirty="0"/>
@@ -33095,12 +33084,8 @@
               <a:t>In </a:t>
             </a:r>
             <a:r>
-              <a:rPr lang="en-GB" sz="2100" err="1"/>
-              <a:t>Revit</a:t>
-            </a:r>
-            <a:r>
               <a:rPr lang="en-GB" sz="2100"/>
-              <a:t> 2021, </a:t>
+              <a:t>Revit 2022, </a:t>
             </a:r>
             <a:r>
               <a:rPr lang="en-GB" sz="2100" dirty="0"/>
@@ -33124,23 +33109,7 @@
             </a:r>
             <a:r>
               <a:rPr lang="en-GB" sz="2800" dirty="0"/>
-              <a:t> &gt;&gt; </a:t>
-            </a:r>
-            <a:r>
-              <a:rPr lang="en-GB" sz="2800" dirty="0" err="1"/>
-              <a:t>Revit</a:t>
-            </a:r>
-            <a:r>
-              <a:rPr lang="en-GB" sz="2800" dirty="0"/>
-              <a:t> Architecture &gt;&gt; </a:t>
-            </a:r>
-            <a:r>
-              <a:rPr lang="en-GB" sz="2800" dirty="0" err="1"/>
-              <a:t>Revit</a:t>
-            </a:r>
-            <a:r>
-              <a:rPr lang="en-GB" sz="2800" dirty="0"/>
-              <a:t> API</a:t>
+              <a:t> &gt;&gt; Revit &gt;&gt; Revit API</a:t>
             </a:r>
           </a:p>
           <a:p>
@@ -33738,12 +33707,8 @@
           <a:lstStyle/>
           <a:p>
             <a:r>
-              <a:rPr lang="en-US" dirty="0" err="1"/>
-              <a:t>Revit</a:t>
-            </a:r>
-            <a:r>
               <a:rPr lang="en-US" dirty="0"/>
-              <a:t> Family Flavors</a:t>
+              <a:t>Revit Family</a:t>
             </a:r>
           </a:p>
         </p:txBody>
@@ -33817,15 +33782,9 @@
             </a:r>
           </a:p>
           <a:p>
-            <a:r>
-              <a:rPr lang="en-GB" dirty="0"/>
-              <a:t>Revit Structure </a:t>
-            </a:r>
-          </a:p>
-          <a:p>
-            <a:pPr marL="1059793" lvl="2" indent="-457200">
+            <a:pPr marL="1059793" lvl="2" indent="-392113">
               <a:spcBef>
-                <a:spcPts val="600"/>
+                <a:spcPts val="300"/>
               </a:spcBef>
             </a:pPr>
             <a:r>
@@ -33867,15 +33826,9 @@
             </a:r>
           </a:p>
           <a:p>
-            <a:r>
-              <a:rPr lang="en-GB" dirty="0"/>
-              <a:t>Revit MEP </a:t>
-            </a:r>
-          </a:p>
-          <a:p>
             <a:pPr marL="1059793" lvl="2" indent="-457200">
               <a:spcBef>
-                <a:spcPts val="600"/>
+                <a:spcPts val="300"/>
               </a:spcBef>
             </a:pPr>
             <a:r>
@@ -35773,15 +35726,6 @@
 </file>
 
 <file path=customXml/item1.xml><?xml version="1.0" encoding="utf-8"?>
-<?mso-contentType ?>
-<FormTemplates xmlns="http://schemas.microsoft.com/sharepoint/v3/contenttype/forms">
-  <Display>DocumentLibraryForm</Display>
-  <Edit>DocumentLibraryForm</Edit>
-  <New>DocumentLibraryForm</New>
-</FormTemplates>
-</file>
-
-<file path=customXml/item2.xml><?xml version="1.0" encoding="utf-8"?>
 <ct:contentTypeSchema xmlns:ct="http://schemas.microsoft.com/office/2006/metadata/contentType" xmlns:ma="http://schemas.microsoft.com/office/2006/metadata/properties/metaAttributes" ct:_="" ma:_="" ma:contentTypeName="Creative Catalog" ma:contentTypeID="0x0101003D62B9A716C08244A68E1D56ED354A9500A7EFD4C2F324CA44B4E995A506E2E1CF" ma:contentTypeVersion="31" ma:contentTypeDescription="" ma:contentTypeScope="" ma:versionID="17bc19fc9bd490bc1bda444d86d6b7f0">
   <xsd:schema xmlns:xsd="http://www.w3.org/2001/XMLSchema" xmlns:p="http://schemas.microsoft.com/office/2006/metadata/properties" xmlns:ns2="c8bab806-ca78-4cad-94f6-48e563f76e95" xmlns:ns4="f53a3603-67ad-45e2-accf-d44f8756b321" targetNamespace="http://schemas.microsoft.com/office/2006/metadata/properties" ma:root="true" ma:fieldsID="284905265c583129f8035dc0f09dfb0f" ns2:_="" ns4:_="">
     <xsd:import namespace="c8bab806-ca78-4cad-94f6-48e563f76e95"/>
@@ -35880,6 +35824,15 @@
 </ct:contentTypeSchema>
 </file>
 
+<file path=customXml/item2.xml><?xml version="1.0" encoding="utf-8"?>
+<?mso-contentType ?>
+<FormTemplates xmlns="http://schemas.microsoft.com/sharepoint/v3/contenttype/forms">
+  <Display>DocumentLibraryForm</Display>
+  <Edit>DocumentLibraryForm</Edit>
+  <New>DocumentLibraryForm</New>
+</FormTemplates>
+</file>
+
 <file path=customXml/item3.xml><?xml version="1.0" encoding="utf-8"?>
 <p:properties xmlns:p="http://schemas.microsoft.com/office/2006/metadata/properties" xmlns:xsi="http://www.w3.org/2001/XMLSchema-instance">
   <documentManagement>
@@ -35896,14 +35849,6 @@
 </file>
 
 <file path=customXml/itemProps1.xml><?xml version="1.0" encoding="utf-8"?>
-<ds:datastoreItem xmlns:ds="http://schemas.openxmlformats.org/officeDocument/2006/customXml" ds:itemID="{1B23F64D-CA4A-4BF5-9636-FF31814D07BC}">
-  <ds:schemaRefs>
-    <ds:schemaRef ds:uri="http://schemas.microsoft.com/sharepoint/v3/contenttype/forms"/>
-  </ds:schemaRefs>
-</ds:datastoreItem>
-</file>
-
-<file path=customXml/itemProps2.xml><?xml version="1.0" encoding="utf-8"?>
 <ds:datastoreItem xmlns:ds="http://schemas.openxmlformats.org/officeDocument/2006/customXml" ds:itemID="{A9644739-F05B-4EE2-A361-57034C614130}">
   <ds:schemaRefs>
     <ds:schemaRef ds:uri="http://schemas.microsoft.com/office/2006/metadata/contentType"/>
@@ -35921,6 +35866,14 @@
 </ds:datastoreItem>
 </file>
 
+<file path=customXml/itemProps2.xml><?xml version="1.0" encoding="utf-8"?>
+<ds:datastoreItem xmlns:ds="http://schemas.openxmlformats.org/officeDocument/2006/customXml" ds:itemID="{1B23F64D-CA4A-4BF5-9636-FF31814D07BC}">
+  <ds:schemaRefs>
+    <ds:schemaRef ds:uri="http://schemas.microsoft.com/sharepoint/v3/contenttype/forms"/>
+  </ds:schemaRefs>
+</ds:datastoreItem>
+</file>
+
 <file path=customXml/itemProps3.xml><?xml version="1.0" encoding="utf-8"?>
 <ds:datastoreItem xmlns:ds="http://schemas.openxmlformats.org/officeDocument/2006/customXml" ds:itemID="{6307AE55-A139-4AD7-ACEE-00E455099D23}">
   <ds:schemaRefs>
